--- a/PPT/PPT SIDANG FINAL.pptx
+++ b/PPT/PPT SIDANG FINAL.pptx
@@ -5,10 +5,10 @@
     <p:sldMasterId id="2147483670" r:id="rId1"/>
   </p:sldMasterIdLst>
   <p:notesMasterIdLst>
-    <p:notesMasterId r:id="rId15"/>
+    <p:notesMasterId r:id="rId16"/>
   </p:notesMasterIdLst>
   <p:sldIdLst>
-    <p:sldId id="297" r:id="rId2"/>
+    <p:sldId id="328" r:id="rId2"/>
     <p:sldId id="325" r:id="rId3"/>
     <p:sldId id="303" r:id="rId4"/>
     <p:sldId id="305" r:id="rId5"/>
@@ -20,7 +20,8 @@
     <p:sldId id="320" r:id="rId11"/>
     <p:sldId id="321" r:id="rId12"/>
     <p:sldId id="322" r:id="rId13"/>
-    <p:sldId id="278" r:id="rId14"/>
+    <p:sldId id="327" r:id="rId14"/>
+    <p:sldId id="278" r:id="rId15"/>
   </p:sldIdLst>
   <p:sldSz cx="9144000" cy="5143500" type="screen16x9"/>
   <p:notesSz cx="6858000" cy="9144000"/>
@@ -801,7 +802,7 @@
     </p:spTree>
     <p:extLst>
       <p:ext uri="{BB962C8B-B14F-4D97-AF65-F5344CB8AC3E}">
-        <p14:creationId xmlns:p14="http://schemas.microsoft.com/office/powerpoint/2010/main" val="1223215000"/>
+        <p14:creationId xmlns:p14="http://schemas.microsoft.com/office/powerpoint/2010/main" val="196539713"/>
       </p:ext>
     </p:extLst>
   </p:cSld>
@@ -1423,6 +1424,115 @@
 </file>
 
 <file path=ppt/notesSlides/notesSlide8.xml><?xml version="1.0" encoding="utf-8"?>
+<p:notes xmlns:a="http://schemas.openxmlformats.org/drawingml/2006/main" xmlns:r="http://schemas.openxmlformats.org/officeDocument/2006/relationships" xmlns:p="http://schemas.openxmlformats.org/presentationml/2006/main" showMasterSp="0" showMasterPhAnim="0">
+  <p:cSld>
+    <p:spTree>
+      <p:nvGrpSpPr>
+        <p:cNvPr id="1" name="Shape 596"/>
+        <p:cNvGrpSpPr/>
+        <p:nvPr/>
+      </p:nvGrpSpPr>
+      <p:grpSpPr>
+        <a:xfrm>
+          <a:off x="0" y="0"/>
+          <a:ext cx="0" cy="0"/>
+          <a:chOff x="0" y="0"/>
+          <a:chExt cx="0" cy="0"/>
+        </a:xfrm>
+      </p:grpSpPr>
+      <p:sp>
+        <p:nvSpPr>
+          <p:cNvPr id="597" name="Google Shape;597;g6c4305b01e_0_10:notes"/>
+          <p:cNvSpPr>
+            <a:spLocks noGrp="1" noRot="1" noChangeAspect="1"/>
+          </p:cNvSpPr>
+          <p:nvPr>
+            <p:ph type="sldImg" idx="2"/>
+          </p:nvPr>
+        </p:nvSpPr>
+        <p:spPr>
+          <a:xfrm>
+            <a:off x="381000" y="685800"/>
+            <a:ext cx="6096000" cy="3429000"/>
+          </a:xfrm>
+          <a:custGeom>
+            <a:avLst/>
+            <a:gdLst/>
+            <a:ahLst/>
+            <a:cxnLst/>
+            <a:rect l="l" t="t" r="r" b="b"/>
+            <a:pathLst>
+              <a:path w="120000" h="120000" extrusionOk="0">
+                <a:moveTo>
+                  <a:pt x="0" y="0"/>
+                </a:moveTo>
+                <a:lnTo>
+                  <a:pt x="120000" y="0"/>
+                </a:lnTo>
+                <a:lnTo>
+                  <a:pt x="120000" y="120000"/>
+                </a:lnTo>
+                <a:lnTo>
+                  <a:pt x="0" y="120000"/>
+                </a:lnTo>
+                <a:close/>
+              </a:path>
+            </a:pathLst>
+          </a:custGeom>
+        </p:spPr>
+      </p:sp>
+      <p:sp>
+        <p:nvSpPr>
+          <p:cNvPr id="598" name="Google Shape;598;g6c4305b01e_0_10:notes"/>
+          <p:cNvSpPr txBox="1">
+            <a:spLocks noGrp="1"/>
+          </p:cNvSpPr>
+          <p:nvPr>
+            <p:ph type="body" idx="1"/>
+          </p:nvPr>
+        </p:nvSpPr>
+        <p:spPr>
+          <a:xfrm>
+            <a:off x="685800" y="4343400"/>
+            <a:ext cx="5486400" cy="4114800"/>
+          </a:xfrm>
+          <a:prstGeom prst="rect">
+            <a:avLst/>
+          </a:prstGeom>
+        </p:spPr>
+        <p:txBody>
+          <a:bodyPr spcFirstLastPara="1" wrap="square" lIns="91425" tIns="91425" rIns="91425" bIns="91425" anchor="t" anchorCtr="0">
+            <a:noAutofit/>
+          </a:bodyPr>
+          <a:lstStyle/>
+          <a:p>
+            <a:pPr marL="0" lvl="0" indent="0" algn="l" rtl="0">
+              <a:spcBef>
+                <a:spcPts val="0"/>
+              </a:spcBef>
+              <a:spcAft>
+                <a:spcPts val="0"/>
+              </a:spcAft>
+              <a:buNone/>
+            </a:pPr>
+            <a:endParaRPr/>
+          </a:p>
+        </p:txBody>
+      </p:sp>
+    </p:spTree>
+    <p:extLst>
+      <p:ext uri="{BB962C8B-B14F-4D97-AF65-F5344CB8AC3E}">
+        <p14:creationId xmlns:p14="http://schemas.microsoft.com/office/powerpoint/2010/main" val="1261335172"/>
+      </p:ext>
+    </p:extLst>
+  </p:cSld>
+  <p:clrMapOvr>
+    <a:masterClrMapping/>
+  </p:clrMapOvr>
+</p:notes>
+</file>
+
+<file path=ppt/notesSlides/notesSlide9.xml><?xml version="1.0" encoding="utf-8"?>
 <p:notes xmlns:a="http://schemas.openxmlformats.org/drawingml/2006/main" xmlns:r="http://schemas.openxmlformats.org/officeDocument/2006/relationships" xmlns:p="http://schemas.openxmlformats.org/presentationml/2006/main" showMasterSp="0" showMasterPhAnim="0">
   <p:cSld>
     <p:spTree>
@@ -12582,56 +12692,6 @@
       </p:grpSpPr>
       <p:sp>
         <p:nvSpPr>
-          <p:cNvPr id="434" name="Google Shape;434;p25"/>
-          <p:cNvSpPr txBox="1">
-            <a:spLocks noGrp="1"/>
-          </p:cNvSpPr>
-          <p:nvPr>
-            <p:ph type="subTitle" idx="1"/>
-          </p:nvPr>
-        </p:nvSpPr>
-        <p:spPr>
-          <a:xfrm>
-            <a:off x="2872340" y="1147077"/>
-            <a:ext cx="3295500" cy="428953"/>
-          </a:xfrm>
-          <a:prstGeom prst="rect">
-            <a:avLst/>
-          </a:prstGeom>
-        </p:spPr>
-        <p:txBody>
-          <a:bodyPr spcFirstLastPara="1" wrap="square" lIns="91425" tIns="91425" rIns="91425" bIns="91425" anchor="t" anchorCtr="0">
-            <a:noAutofit/>
-          </a:bodyPr>
-          <a:lstStyle/>
-          <a:p>
-            <a:pPr marL="0" lvl="0" indent="0" algn="ctr" rtl="0">
-              <a:spcBef>
-                <a:spcPts val="0"/>
-              </a:spcBef>
-              <a:spcAft>
-                <a:spcPts val="0"/>
-              </a:spcAft>
-              <a:buNone/>
-            </a:pPr>
-            <a:r>
-              <a:rPr lang="en" b="1" dirty="0">
-                <a:solidFill>
-                  <a:srgbClr val="FF9973"/>
-                </a:solidFill>
-              </a:rPr>
-              <a:t>PROYEK II</a:t>
-            </a:r>
-            <a:endParaRPr b="1" dirty="0">
-              <a:solidFill>
-                <a:srgbClr val="FF9973"/>
-              </a:solidFill>
-            </a:endParaRPr>
-          </a:p>
-        </p:txBody>
-      </p:sp>
-      <p:sp>
-        <p:nvSpPr>
           <p:cNvPr id="436" name="Google Shape;436;p25"/>
           <p:cNvSpPr/>
           <p:nvPr/>
@@ -13798,10 +13858,64 @@
       </p:grpSp>
       <p:sp>
         <p:nvSpPr>
-          <p:cNvPr id="30" name="TextBox 29">
+          <p:cNvPr id="29" name="Rectangle 28">
             <a:extLst>
               <a:ext uri="{FF2B5EF4-FFF2-40B4-BE49-F238E27FC236}">
-                <a16:creationId xmlns:a16="http://schemas.microsoft.com/office/drawing/2014/main" id="{18649A51-86CD-4DD1-B62A-7D5E1D0F92EC}"/>
+                <a16:creationId xmlns:a16="http://schemas.microsoft.com/office/drawing/2014/main" id="{D87DFDC7-A0C9-48B7-86C2-0BF1D5649DD3}"/>
+              </a:ext>
+            </a:extLst>
+          </p:cNvPr>
+          <p:cNvSpPr/>
+          <p:nvPr/>
+        </p:nvSpPr>
+        <p:spPr>
+          <a:xfrm>
+            <a:off x="0" y="374021"/>
+            <a:ext cx="9144000" cy="4341473"/>
+          </a:xfrm>
+          <a:prstGeom prst="rect">
+            <a:avLst/>
+          </a:prstGeom>
+          <a:solidFill>
+            <a:schemeClr val="bg1"/>
+          </a:solidFill>
+          <a:ln>
+            <a:solidFill>
+              <a:schemeClr val="bg1"/>
+            </a:solidFill>
+          </a:ln>
+        </p:spPr>
+        <p:style>
+          <a:lnRef idx="2">
+            <a:schemeClr val="accent1">
+              <a:shade val="50000"/>
+            </a:schemeClr>
+          </a:lnRef>
+          <a:fillRef idx="1">
+            <a:schemeClr val="accent1"/>
+          </a:fillRef>
+          <a:effectRef idx="0">
+            <a:schemeClr val="accent1"/>
+          </a:effectRef>
+          <a:fontRef idx="minor">
+            <a:schemeClr val="lt1"/>
+          </a:fontRef>
+        </p:style>
+        <p:txBody>
+          <a:bodyPr rtlCol="0" anchor="ctr"/>
+          <a:lstStyle/>
+          <a:p>
+            <a:pPr algn="ctr"/>
+            <a:endParaRPr lang="en-ID"/>
+          </a:p>
+        </p:txBody>
+      </p:sp>
+      <p:sp>
+        <p:nvSpPr>
+          <p:cNvPr id="31" name="TextBox 30">
+            <a:extLst>
+              <a:ext uri="{FF2B5EF4-FFF2-40B4-BE49-F238E27FC236}">
+                <a16:creationId xmlns:a16="http://schemas.microsoft.com/office/drawing/2014/main" id="{444812A7-4B95-4707-86AB-4604627FA75F}"/>
               </a:ext>
             </a:extLst>
           </p:cNvPr>
@@ -13810,8 +13924,8 @@
         </p:nvSpPr>
         <p:spPr>
           <a:xfrm>
-            <a:off x="1032290" y="1629645"/>
-            <a:ext cx="7233816" cy="1393651"/>
+            <a:off x="2050622" y="527205"/>
+            <a:ext cx="5081598" cy="925125"/>
           </a:xfrm>
           <a:prstGeom prst="rect">
             <a:avLst/>
@@ -13836,9 +13950,9 @@
               </a:spcAft>
             </a:pPr>
             <a:r>
-              <a:rPr lang="en-US" sz="2500" b="1" dirty="0">
-                <a:solidFill>
-                  <a:schemeClr val="lt1"/>
+              <a:rPr lang="en-US" sz="1600" b="1" dirty="0">
+                <a:solidFill>
+                  <a:schemeClr val="bg2"/>
                 </a:solidFill>
                 <a:latin typeface="Share Tech"/>
                 <a:sym typeface="Share Tech"/>
@@ -13846,18 +13960,18 @@
               <a:t>ANALISIS DATA PEGAWAI UNTUK MEMPREDIKSI GAJI </a:t>
             </a:r>
             <a:br>
-              <a:rPr lang="en-US" sz="2500" b="1" dirty="0">
-                <a:solidFill>
-                  <a:schemeClr val="lt1"/>
+              <a:rPr lang="en-US" sz="1600" b="1" dirty="0">
+                <a:solidFill>
+                  <a:schemeClr val="bg2"/>
                 </a:solidFill>
                 <a:latin typeface="Share Tech"/>
                 <a:sym typeface="Share Tech"/>
               </a:rPr>
             </a:br>
             <a:r>
-              <a:rPr lang="en-US" sz="2500" b="1" dirty="0">
-                <a:solidFill>
-                  <a:srgbClr val="00CFCC"/>
+              <a:rPr lang="en-US" sz="1600" b="1" dirty="0">
+                <a:solidFill>
+                  <a:schemeClr val="bg2"/>
                 </a:solidFill>
                 <a:latin typeface="Share Tech"/>
                 <a:sym typeface="Share Tech"/>
@@ -13865,27 +13979,37 @@
               <a:t>BERDASARKAN FAKTOR-FAKTOR SPESIFIK </a:t>
             </a:r>
             <a:br>
-              <a:rPr lang="en-US" sz="2500" b="1" dirty="0">
-                <a:solidFill>
-                  <a:schemeClr val="lt1"/>
+              <a:rPr lang="en-US" sz="1600" b="1" dirty="0">
+                <a:solidFill>
+                  <a:schemeClr val="bg2"/>
                 </a:solidFill>
                 <a:latin typeface="Share Tech"/>
                 <a:sym typeface="Share Tech"/>
               </a:rPr>
             </a:br>
             <a:r>
-              <a:rPr lang="en-US" sz="2500" b="1" dirty="0">
-                <a:solidFill>
-                  <a:schemeClr val="lt1"/>
+              <a:rPr lang="en-US" sz="1600" b="1" dirty="0">
+                <a:solidFill>
+                  <a:schemeClr val="bg2"/>
                 </a:solidFill>
                 <a:latin typeface="Share Tech"/>
                 <a:sym typeface="Share Tech"/>
               </a:rPr>
-              <a:t>DENGAN PENDEKATAN MACHINE LEARNING</a:t>
-            </a:r>
-            <a:endParaRPr lang="en-ID" sz="2500" b="1" dirty="0">
+              <a:t>DENGAN PENDEKATAN </a:t>
+            </a:r>
+            <a:r>
+              <a:rPr lang="en-US" sz="1600" b="1" i="1" dirty="0">
+                <a:solidFill>
+                  <a:schemeClr val="bg2"/>
+                </a:solidFill>
+                <a:latin typeface="Share Tech"/>
+                <a:sym typeface="Share Tech"/>
+              </a:rPr>
+              <a:t>MACHINE LEARNING</a:t>
+            </a:r>
+            <a:endParaRPr lang="en-ID" sz="1600" b="1" i="1" dirty="0">
               <a:solidFill>
-                <a:schemeClr val="lt1"/>
+                <a:schemeClr val="bg2"/>
               </a:solidFill>
               <a:latin typeface="Share Tech"/>
               <a:sym typeface="Share Tech"/>
@@ -13893,12 +14017,260 @@
           </a:p>
         </p:txBody>
       </p:sp>
+      <p:sp>
+        <p:nvSpPr>
+          <p:cNvPr id="34" name="Google Shape;434;p25">
+            <a:extLst>
+              <a:ext uri="{FF2B5EF4-FFF2-40B4-BE49-F238E27FC236}">
+                <a16:creationId xmlns:a16="http://schemas.microsoft.com/office/drawing/2014/main" id="{66FF9246-06D9-4974-A280-C784E1A1E11E}"/>
+              </a:ext>
+            </a:extLst>
+          </p:cNvPr>
+          <p:cNvSpPr txBox="1">
+            <a:spLocks noGrp="1"/>
+          </p:cNvSpPr>
+          <p:nvPr>
+            <p:ph type="subTitle" idx="1"/>
+          </p:nvPr>
+        </p:nvSpPr>
+        <p:spPr>
+          <a:xfrm>
+            <a:off x="2860541" y="1472481"/>
+            <a:ext cx="3295500" cy="338212"/>
+          </a:xfrm>
+          <a:prstGeom prst="rect">
+            <a:avLst/>
+          </a:prstGeom>
+        </p:spPr>
+        <p:txBody>
+          <a:bodyPr spcFirstLastPara="1" wrap="square" lIns="91425" tIns="91425" rIns="91425" bIns="91425" anchor="t" anchorCtr="0">
+            <a:noAutofit/>
+          </a:bodyPr>
+          <a:lstStyle/>
+          <a:p>
+            <a:pPr marL="0" lvl="0" indent="0" algn="ctr" rtl="0">
+              <a:spcBef>
+                <a:spcPts val="0"/>
+              </a:spcBef>
+              <a:spcAft>
+                <a:spcPts val="0"/>
+              </a:spcAft>
+              <a:buNone/>
+            </a:pPr>
+            <a:r>
+              <a:rPr lang="en" sz="1200" b="1" dirty="0">
+                <a:solidFill>
+                  <a:schemeClr val="bg2"/>
+                </a:solidFill>
+                <a:latin typeface="Share Tech"/>
+                <a:cs typeface="Arial"/>
+                <a:sym typeface="Arial"/>
+              </a:rPr>
+              <a:t>PROYEK II</a:t>
+            </a:r>
+            <a:endParaRPr sz="1200" b="1" dirty="0">
+              <a:solidFill>
+                <a:schemeClr val="bg2"/>
+              </a:solidFill>
+              <a:latin typeface="Share Tech"/>
+              <a:cs typeface="Arial"/>
+              <a:sym typeface="Arial"/>
+            </a:endParaRPr>
+          </a:p>
+        </p:txBody>
+      </p:sp>
+      <p:sp>
+        <p:nvSpPr>
+          <p:cNvPr id="36" name="TextBox 35">
+            <a:extLst>
+              <a:ext uri="{FF2B5EF4-FFF2-40B4-BE49-F238E27FC236}">
+                <a16:creationId xmlns:a16="http://schemas.microsoft.com/office/drawing/2014/main" id="{92B8E3E2-11BC-4FD3-9B68-5D6D6F2ED551}"/>
+              </a:ext>
+            </a:extLst>
+          </p:cNvPr>
+          <p:cNvSpPr txBox="1"/>
+          <p:nvPr/>
+        </p:nvSpPr>
+        <p:spPr>
+          <a:xfrm>
+            <a:off x="2757645" y="3654564"/>
+            <a:ext cx="3714276" cy="954107"/>
+          </a:xfrm>
+          <a:prstGeom prst="rect">
+            <a:avLst/>
+          </a:prstGeom>
+          <a:noFill/>
+        </p:spPr>
+        <p:txBody>
+          <a:bodyPr wrap="square">
+            <a:spAutoFit/>
+          </a:bodyPr>
+          <a:lstStyle/>
+          <a:p>
+            <a:r>
+              <a:rPr lang="en-US" b="1" dirty="0">
+                <a:solidFill>
+                  <a:schemeClr val="bg2"/>
+                </a:solidFill>
+                <a:latin typeface="Share Tech"/>
+                <a:sym typeface="Share Tech"/>
+              </a:rPr>
+              <a:t>PROGRAM DIPLOMA IV TEKNIK INFORMATIKA</a:t>
+            </a:r>
+          </a:p>
+          <a:p>
+            <a:pPr algn="ctr"/>
+            <a:r>
+              <a:rPr lang="en-US" b="1" dirty="0">
+                <a:solidFill>
+                  <a:schemeClr val="bg2"/>
+                </a:solidFill>
+                <a:latin typeface="Share Tech"/>
+                <a:sym typeface="Share Tech"/>
+              </a:rPr>
+              <a:t>POLITEKNIK POS INDONESIA</a:t>
+            </a:r>
+          </a:p>
+          <a:p>
+            <a:pPr algn="ctr"/>
+            <a:r>
+              <a:rPr lang="en-US" b="1" dirty="0">
+                <a:solidFill>
+                  <a:schemeClr val="bg2"/>
+                </a:solidFill>
+                <a:latin typeface="Share Tech"/>
+                <a:sym typeface="Share Tech"/>
+              </a:rPr>
+              <a:t>BANDUNG</a:t>
+            </a:r>
+          </a:p>
+          <a:p>
+            <a:pPr algn="ctr"/>
+            <a:r>
+              <a:rPr lang="en-US" b="1" dirty="0">
+                <a:solidFill>
+                  <a:schemeClr val="bg2"/>
+                </a:solidFill>
+                <a:latin typeface="Share Tech"/>
+                <a:sym typeface="Share Tech"/>
+              </a:rPr>
+              <a:t>2021</a:t>
+            </a:r>
+            <a:endParaRPr lang="en-ID" dirty="0"/>
+          </a:p>
+        </p:txBody>
+      </p:sp>
+      <p:sp>
+        <p:nvSpPr>
+          <p:cNvPr id="38" name="TextBox 37">
+            <a:extLst>
+              <a:ext uri="{FF2B5EF4-FFF2-40B4-BE49-F238E27FC236}">
+                <a16:creationId xmlns:a16="http://schemas.microsoft.com/office/drawing/2014/main" id="{094E96BD-C983-411F-85D8-766E3BD4E19F}"/>
+              </a:ext>
+            </a:extLst>
+          </p:cNvPr>
+          <p:cNvSpPr txBox="1"/>
+          <p:nvPr/>
+        </p:nvSpPr>
+        <p:spPr>
+          <a:xfrm>
+            <a:off x="2282674" y="1930324"/>
+            <a:ext cx="4451234" cy="504625"/>
+          </a:xfrm>
+          <a:prstGeom prst="rect">
+            <a:avLst/>
+          </a:prstGeom>
+          <a:noFill/>
+        </p:spPr>
+        <p:txBody>
+          <a:bodyPr wrap="square">
+            <a:spAutoFit/>
+          </a:bodyPr>
+          <a:lstStyle/>
+          <a:p>
+            <a:pPr algn="ctr">
+              <a:lnSpc>
+                <a:spcPct val="115000"/>
+              </a:lnSpc>
+              <a:spcAft>
+                <a:spcPts val="1000"/>
+              </a:spcAft>
+            </a:pPr>
+            <a:r>
+              <a:rPr lang="en-US" sz="1200" b="1" dirty="0" err="1">
+                <a:solidFill>
+                  <a:schemeClr val="bg2"/>
+                </a:solidFill>
+                <a:latin typeface="Share Tech"/>
+                <a:sym typeface="Maven Pro"/>
+              </a:rPr>
+              <a:t>Bachtiar</a:t>
+            </a:r>
+            <a:r>
+              <a:rPr lang="en-US" sz="1200" b="1" dirty="0">
+                <a:solidFill>
+                  <a:schemeClr val="bg2"/>
+                </a:solidFill>
+                <a:latin typeface="Share Tech"/>
+                <a:sym typeface="Maven Pro"/>
+              </a:rPr>
+              <a:t> Ramadhan (1204077)</a:t>
+            </a:r>
+            <a:br>
+              <a:rPr lang="en-ID" sz="1200" b="1" dirty="0">
+                <a:solidFill>
+                  <a:schemeClr val="bg2"/>
+                </a:solidFill>
+                <a:latin typeface="Share Tech"/>
+                <a:sym typeface="Maven Pro"/>
+              </a:rPr>
+            </a:br>
+            <a:r>
+              <a:rPr lang="en-US" sz="1200" b="1" dirty="0">
+                <a:solidFill>
+                  <a:schemeClr val="bg2"/>
+                </a:solidFill>
+                <a:latin typeface="Share Tech"/>
+                <a:sym typeface="Maven Pro"/>
+              </a:rPr>
+              <a:t>Nur Tri Ramadhanti </a:t>
+            </a:r>
+            <a:r>
+              <a:rPr lang="en-US" sz="1200" b="1" dirty="0" err="1">
+                <a:solidFill>
+                  <a:schemeClr val="bg2"/>
+                </a:solidFill>
+                <a:latin typeface="Share Tech"/>
+                <a:sym typeface="Maven Pro"/>
+              </a:rPr>
+              <a:t>Adiningrum</a:t>
+            </a:r>
+            <a:r>
+              <a:rPr lang="en-US" sz="1200" b="1" dirty="0">
+                <a:solidFill>
+                  <a:schemeClr val="bg2"/>
+                </a:solidFill>
+                <a:latin typeface="Share Tech"/>
+                <a:sym typeface="Maven Pro"/>
+              </a:rPr>
+              <a:t> (1204061)</a:t>
+            </a:r>
+            <a:endParaRPr lang="en-ID" sz="1200" b="1" dirty="0">
+              <a:solidFill>
+                <a:schemeClr val="bg2"/>
+              </a:solidFill>
+              <a:latin typeface="Share Tech"/>
+              <a:sym typeface="Maven Pro"/>
+            </a:endParaRPr>
+          </a:p>
+        </p:txBody>
+      </p:sp>
       <p:pic>
         <p:nvPicPr>
-          <p:cNvPr id="6" name="Picture 5">
+          <p:cNvPr id="40" name="Picture 39">
             <a:extLst>
               <a:ext uri="{FF2B5EF4-FFF2-40B4-BE49-F238E27FC236}">
-                <a16:creationId xmlns:a16="http://schemas.microsoft.com/office/drawing/2014/main" id="{0C5F14CB-48D9-42A7-96D0-23D58AE33C27}"/>
+                <a16:creationId xmlns:a16="http://schemas.microsoft.com/office/drawing/2014/main" id="{613B59D7-E97C-4A05-8E27-214B849D8152}"/>
               </a:ext>
             </a:extLst>
           </p:cNvPr>
@@ -13908,53 +14280,33 @@
           <p:nvPr/>
         </p:nvPicPr>
         <p:blipFill>
-          <a:blip r:embed="rId3">
-            <a:clrChange>
-              <a:clrFrom>
-                <a:srgbClr val="FFFFFF"/>
-              </a:clrFrom>
-              <a:clrTo>
-                <a:srgbClr val="FFFFFF">
-                  <a:alpha val="0"/>
-                </a:srgbClr>
-              </a:clrTo>
-            </a:clrChange>
+          <a:blip r:embed="rId3" cstate="print">
             <a:extLst>
-              <a:ext uri="{BEBA8EAE-BF5A-486C-A8C5-ECC9F3942E4B}">
-                <a14:imgProps xmlns:a14="http://schemas.microsoft.com/office/drawing/2010/main">
-                  <a14:imgLayer r:embed="rId4">
-                    <a14:imgEffect>
-                      <a14:sharpenSoften amount="50000"/>
-                    </a14:imgEffect>
-                    <a14:imgEffect>
-                      <a14:saturation sat="200000"/>
-                    </a14:imgEffect>
-                    <a14:imgEffect>
-                      <a14:brightnessContrast bright="40000"/>
-                    </a14:imgEffect>
-                  </a14:imgLayer>
-                </a14:imgProps>
+              <a:ext uri="{28A0092B-C50C-407E-A947-70E740481C1C}">
+                <a14:useLocalDpi xmlns:a14="http://schemas.microsoft.com/office/drawing/2010/main" val="0"/>
               </a:ext>
             </a:extLst>
           </a:blip>
+          <a:srcRect/>
           <a:stretch>
             <a:fillRect/>
           </a:stretch>
         </p:blipFill>
-        <p:spPr>
+        <p:spPr bwMode="auto">
           <a:xfrm>
-            <a:off x="4123720" y="3139997"/>
-            <a:ext cx="972993" cy="989485"/>
+            <a:off x="4151946" y="2598762"/>
+            <a:ext cx="878949" cy="788603"/>
           </a:xfrm>
           <a:prstGeom prst="rect">
             <a:avLst/>
           </a:prstGeom>
+          <a:noFill/>
         </p:spPr>
       </p:pic>
     </p:spTree>
     <p:extLst>
       <p:ext uri="{BB962C8B-B14F-4D97-AF65-F5344CB8AC3E}">
-        <p14:creationId xmlns:p14="http://schemas.microsoft.com/office/powerpoint/2010/main" val="239244269"/>
+        <p14:creationId xmlns:p14="http://schemas.microsoft.com/office/powerpoint/2010/main" val="3119415228"/>
       </p:ext>
     </p:extLst>
   </p:cSld>
@@ -19935,6 +20287,3612 @@
 </file>
 
 <file path=ppt/slides/slide13.xml><?xml version="1.0" encoding="utf-8"?>
+<p:sld xmlns:a="http://schemas.openxmlformats.org/drawingml/2006/main" xmlns:r="http://schemas.openxmlformats.org/officeDocument/2006/relationships" xmlns:p="http://schemas.openxmlformats.org/presentationml/2006/main">
+  <p:cSld>
+    <p:spTree>
+      <p:nvGrpSpPr>
+        <p:cNvPr id="1" name="Shape 599"/>
+        <p:cNvGrpSpPr/>
+        <p:nvPr/>
+      </p:nvGrpSpPr>
+      <p:grpSpPr>
+        <a:xfrm>
+          <a:off x="0" y="0"/>
+          <a:ext cx="0" cy="0"/>
+          <a:chOff x="0" y="0"/>
+          <a:chExt cx="0" cy="0"/>
+        </a:xfrm>
+      </p:grpSpPr>
+      <p:sp>
+        <p:nvSpPr>
+          <p:cNvPr id="58" name="Rectangle 57">
+            <a:extLst>
+              <a:ext uri="{FF2B5EF4-FFF2-40B4-BE49-F238E27FC236}">
+                <a16:creationId xmlns:a16="http://schemas.microsoft.com/office/drawing/2014/main" id="{B80DFCC9-FC9F-47C1-90EA-962DFADD2704}"/>
+              </a:ext>
+            </a:extLst>
+          </p:cNvPr>
+          <p:cNvSpPr/>
+          <p:nvPr/>
+        </p:nvSpPr>
+        <p:spPr>
+          <a:xfrm>
+            <a:off x="0" y="729906"/>
+            <a:ext cx="9144000" cy="4413594"/>
+          </a:xfrm>
+          <a:prstGeom prst="rect">
+            <a:avLst/>
+          </a:prstGeom>
+          <a:solidFill>
+            <a:schemeClr val="bg1"/>
+          </a:solidFill>
+          <a:ln>
+            <a:solidFill>
+              <a:schemeClr val="bg1"/>
+            </a:solidFill>
+          </a:ln>
+        </p:spPr>
+        <p:style>
+          <a:lnRef idx="2">
+            <a:schemeClr val="accent1">
+              <a:shade val="50000"/>
+            </a:schemeClr>
+          </a:lnRef>
+          <a:fillRef idx="1">
+            <a:schemeClr val="accent1"/>
+          </a:fillRef>
+          <a:effectRef idx="0">
+            <a:schemeClr val="accent1"/>
+          </a:effectRef>
+          <a:fontRef idx="minor">
+            <a:schemeClr val="lt1"/>
+          </a:fontRef>
+        </p:style>
+        <p:txBody>
+          <a:bodyPr rtlCol="0" anchor="ctr"/>
+          <a:lstStyle/>
+          <a:p>
+            <a:pPr algn="ctr"/>
+            <a:endParaRPr lang="en-ID" dirty="0"/>
+          </a:p>
+        </p:txBody>
+      </p:sp>
+      <p:sp>
+        <p:nvSpPr>
+          <p:cNvPr id="604" name="Google Shape;604;p30"/>
+          <p:cNvSpPr txBox="1">
+            <a:spLocks noGrp="1"/>
+          </p:cNvSpPr>
+          <p:nvPr>
+            <p:ph type="ctrTitle"/>
+          </p:nvPr>
+        </p:nvSpPr>
+        <p:spPr>
+          <a:xfrm>
+            <a:off x="456737" y="684423"/>
+            <a:ext cx="3058005" cy="644700"/>
+          </a:xfrm>
+          <a:prstGeom prst="rect">
+            <a:avLst/>
+          </a:prstGeom>
+        </p:spPr>
+        <p:txBody>
+          <a:bodyPr spcFirstLastPara="1" wrap="square" lIns="91425" tIns="91425" rIns="91425" bIns="91425" anchor="b" anchorCtr="0">
+            <a:noAutofit/>
+          </a:bodyPr>
+          <a:lstStyle/>
+          <a:p>
+            <a:pPr marL="0" lvl="0" indent="0" algn="l" rtl="0">
+              <a:spcBef>
+                <a:spcPts val="0"/>
+              </a:spcBef>
+              <a:spcAft>
+                <a:spcPts val="0"/>
+              </a:spcAft>
+              <a:buNone/>
+            </a:pPr>
+            <a:r>
+              <a:rPr lang="en" b="1" dirty="0">
+                <a:solidFill>
+                  <a:schemeClr val="bg2"/>
+                </a:solidFill>
+              </a:rPr>
+              <a:t>KESIMPULAN</a:t>
+            </a:r>
+            <a:endParaRPr b="1" dirty="0">
+              <a:solidFill>
+                <a:schemeClr val="bg2"/>
+              </a:solidFill>
+            </a:endParaRPr>
+          </a:p>
+        </p:txBody>
+      </p:sp>
+      <p:sp>
+        <p:nvSpPr>
+          <p:cNvPr id="61" name="Title 1">
+            <a:extLst>
+              <a:ext uri="{FF2B5EF4-FFF2-40B4-BE49-F238E27FC236}">
+                <a16:creationId xmlns:a16="http://schemas.microsoft.com/office/drawing/2014/main" id="{F1D24330-7718-4C7D-8EAE-07EFD6274AF5}"/>
+              </a:ext>
+            </a:extLst>
+          </p:cNvPr>
+          <p:cNvSpPr txBox="1">
+            <a:spLocks/>
+          </p:cNvSpPr>
+          <p:nvPr/>
+        </p:nvSpPr>
+        <p:spPr>
+          <a:xfrm>
+            <a:off x="591458" y="106623"/>
+            <a:ext cx="3424366" cy="577800"/>
+          </a:xfrm>
+          <a:prstGeom prst="rect">
+            <a:avLst/>
+          </a:prstGeom>
+          <a:noFill/>
+          <a:ln>
+            <a:noFill/>
+          </a:ln>
+        </p:spPr>
+        <p:txBody>
+          <a:bodyPr spcFirstLastPara="1" wrap="square" lIns="91425" tIns="91425" rIns="91425" bIns="91425" anchor="b" anchorCtr="0">
+            <a:noAutofit/>
+          </a:bodyPr>
+          <a:lstStyle>
+            <a:defPPr marR="0" lvl="0" algn="l" rtl="0">
+              <a:lnSpc>
+                <a:spcPct val="100000"/>
+              </a:lnSpc>
+              <a:spcBef>
+                <a:spcPts val="0"/>
+              </a:spcBef>
+              <a:spcAft>
+                <a:spcPts val="0"/>
+              </a:spcAft>
+            </a:defPPr>
+            <a:lvl1pPr marR="0" lvl="0" algn="ctr" rtl="0">
+              <a:lnSpc>
+                <a:spcPct val="100000"/>
+              </a:lnSpc>
+              <a:spcBef>
+                <a:spcPts val="0"/>
+              </a:spcBef>
+              <a:spcAft>
+                <a:spcPts val="0"/>
+              </a:spcAft>
+              <a:buClr>
+                <a:srgbClr val="000000"/>
+              </a:buClr>
+              <a:buSzPts val="1800"/>
+              <a:buFont typeface="Fira Sans Condensed Medium"/>
+              <a:buNone/>
+              <a:defRPr sz="2000" b="0" i="0" u="none" strike="noStrike" cap="none">
+                <a:solidFill>
+                  <a:schemeClr val="lt1"/>
+                </a:solidFill>
+                <a:latin typeface="Share Tech"/>
+                <a:ea typeface="Share Tech"/>
+                <a:cs typeface="Share Tech"/>
+                <a:sym typeface="Share Tech"/>
+              </a:defRPr>
+            </a:lvl1pPr>
+            <a:lvl2pPr marR="0" lvl="1" algn="ctr" rtl="0">
+              <a:lnSpc>
+                <a:spcPct val="100000"/>
+              </a:lnSpc>
+              <a:spcBef>
+                <a:spcPts val="0"/>
+              </a:spcBef>
+              <a:spcAft>
+                <a:spcPts val="0"/>
+              </a:spcAft>
+              <a:buClr>
+                <a:srgbClr val="000000"/>
+              </a:buClr>
+              <a:buSzPts val="1800"/>
+              <a:buFont typeface="Fira Sans Condensed Medium"/>
+              <a:buNone/>
+              <a:defRPr sz="1800" b="0" i="0" u="none" strike="noStrike" cap="none">
+                <a:solidFill>
+                  <a:srgbClr val="000000"/>
+                </a:solidFill>
+                <a:latin typeface="Fira Sans Condensed Medium"/>
+                <a:ea typeface="Fira Sans Condensed Medium"/>
+                <a:cs typeface="Fira Sans Condensed Medium"/>
+                <a:sym typeface="Fira Sans Condensed Medium"/>
+              </a:defRPr>
+            </a:lvl2pPr>
+            <a:lvl3pPr marR="0" lvl="2" algn="ctr" rtl="0">
+              <a:lnSpc>
+                <a:spcPct val="100000"/>
+              </a:lnSpc>
+              <a:spcBef>
+                <a:spcPts val="0"/>
+              </a:spcBef>
+              <a:spcAft>
+                <a:spcPts val="0"/>
+              </a:spcAft>
+              <a:buClr>
+                <a:srgbClr val="000000"/>
+              </a:buClr>
+              <a:buSzPts val="1800"/>
+              <a:buFont typeface="Fira Sans Condensed Medium"/>
+              <a:buNone/>
+              <a:defRPr sz="1800" b="0" i="0" u="none" strike="noStrike" cap="none">
+                <a:solidFill>
+                  <a:srgbClr val="000000"/>
+                </a:solidFill>
+                <a:latin typeface="Fira Sans Condensed Medium"/>
+                <a:ea typeface="Fira Sans Condensed Medium"/>
+                <a:cs typeface="Fira Sans Condensed Medium"/>
+                <a:sym typeface="Fira Sans Condensed Medium"/>
+              </a:defRPr>
+            </a:lvl3pPr>
+            <a:lvl4pPr marR="0" lvl="3" algn="ctr" rtl="0">
+              <a:lnSpc>
+                <a:spcPct val="100000"/>
+              </a:lnSpc>
+              <a:spcBef>
+                <a:spcPts val="0"/>
+              </a:spcBef>
+              <a:spcAft>
+                <a:spcPts val="0"/>
+              </a:spcAft>
+              <a:buClr>
+                <a:srgbClr val="000000"/>
+              </a:buClr>
+              <a:buSzPts val="1800"/>
+              <a:buFont typeface="Fira Sans Condensed Medium"/>
+              <a:buNone/>
+              <a:defRPr sz="1800" b="0" i="0" u="none" strike="noStrike" cap="none">
+                <a:solidFill>
+                  <a:srgbClr val="000000"/>
+                </a:solidFill>
+                <a:latin typeface="Fira Sans Condensed Medium"/>
+                <a:ea typeface="Fira Sans Condensed Medium"/>
+                <a:cs typeface="Fira Sans Condensed Medium"/>
+                <a:sym typeface="Fira Sans Condensed Medium"/>
+              </a:defRPr>
+            </a:lvl4pPr>
+            <a:lvl5pPr marR="0" lvl="4" algn="ctr" rtl="0">
+              <a:lnSpc>
+                <a:spcPct val="100000"/>
+              </a:lnSpc>
+              <a:spcBef>
+                <a:spcPts val="0"/>
+              </a:spcBef>
+              <a:spcAft>
+                <a:spcPts val="0"/>
+              </a:spcAft>
+              <a:buClr>
+                <a:srgbClr val="000000"/>
+              </a:buClr>
+              <a:buSzPts val="1800"/>
+              <a:buFont typeface="Fira Sans Condensed Medium"/>
+              <a:buNone/>
+              <a:defRPr sz="1800" b="0" i="0" u="none" strike="noStrike" cap="none">
+                <a:solidFill>
+                  <a:srgbClr val="000000"/>
+                </a:solidFill>
+                <a:latin typeface="Fira Sans Condensed Medium"/>
+                <a:ea typeface="Fira Sans Condensed Medium"/>
+                <a:cs typeface="Fira Sans Condensed Medium"/>
+                <a:sym typeface="Fira Sans Condensed Medium"/>
+              </a:defRPr>
+            </a:lvl5pPr>
+            <a:lvl6pPr marR="0" lvl="5" algn="ctr" rtl="0">
+              <a:lnSpc>
+                <a:spcPct val="100000"/>
+              </a:lnSpc>
+              <a:spcBef>
+                <a:spcPts val="0"/>
+              </a:spcBef>
+              <a:spcAft>
+                <a:spcPts val="0"/>
+              </a:spcAft>
+              <a:buClr>
+                <a:srgbClr val="000000"/>
+              </a:buClr>
+              <a:buSzPts val="1800"/>
+              <a:buFont typeface="Fira Sans Condensed Medium"/>
+              <a:buNone/>
+              <a:defRPr sz="1800" b="0" i="0" u="none" strike="noStrike" cap="none">
+                <a:solidFill>
+                  <a:srgbClr val="000000"/>
+                </a:solidFill>
+                <a:latin typeface="Fira Sans Condensed Medium"/>
+                <a:ea typeface="Fira Sans Condensed Medium"/>
+                <a:cs typeface="Fira Sans Condensed Medium"/>
+                <a:sym typeface="Fira Sans Condensed Medium"/>
+              </a:defRPr>
+            </a:lvl6pPr>
+            <a:lvl7pPr marR="0" lvl="6" algn="ctr" rtl="0">
+              <a:lnSpc>
+                <a:spcPct val="100000"/>
+              </a:lnSpc>
+              <a:spcBef>
+                <a:spcPts val="0"/>
+              </a:spcBef>
+              <a:spcAft>
+                <a:spcPts val="0"/>
+              </a:spcAft>
+              <a:buClr>
+                <a:srgbClr val="000000"/>
+              </a:buClr>
+              <a:buSzPts val="1800"/>
+              <a:buFont typeface="Fira Sans Condensed Medium"/>
+              <a:buNone/>
+              <a:defRPr sz="1800" b="0" i="0" u="none" strike="noStrike" cap="none">
+                <a:solidFill>
+                  <a:srgbClr val="000000"/>
+                </a:solidFill>
+                <a:latin typeface="Fira Sans Condensed Medium"/>
+                <a:ea typeface="Fira Sans Condensed Medium"/>
+                <a:cs typeface="Fira Sans Condensed Medium"/>
+                <a:sym typeface="Fira Sans Condensed Medium"/>
+              </a:defRPr>
+            </a:lvl7pPr>
+            <a:lvl8pPr marR="0" lvl="7" algn="ctr" rtl="0">
+              <a:lnSpc>
+                <a:spcPct val="100000"/>
+              </a:lnSpc>
+              <a:spcBef>
+                <a:spcPts val="0"/>
+              </a:spcBef>
+              <a:spcAft>
+                <a:spcPts val="0"/>
+              </a:spcAft>
+              <a:buClr>
+                <a:srgbClr val="000000"/>
+              </a:buClr>
+              <a:buSzPts val="1800"/>
+              <a:buFont typeface="Fira Sans Condensed Medium"/>
+              <a:buNone/>
+              <a:defRPr sz="1800" b="0" i="0" u="none" strike="noStrike" cap="none">
+                <a:solidFill>
+                  <a:srgbClr val="000000"/>
+                </a:solidFill>
+                <a:latin typeface="Fira Sans Condensed Medium"/>
+                <a:ea typeface="Fira Sans Condensed Medium"/>
+                <a:cs typeface="Fira Sans Condensed Medium"/>
+                <a:sym typeface="Fira Sans Condensed Medium"/>
+              </a:defRPr>
+            </a:lvl8pPr>
+            <a:lvl9pPr marR="0" lvl="8" algn="ctr" rtl="0">
+              <a:lnSpc>
+                <a:spcPct val="100000"/>
+              </a:lnSpc>
+              <a:spcBef>
+                <a:spcPts val="0"/>
+              </a:spcBef>
+              <a:spcAft>
+                <a:spcPts val="0"/>
+              </a:spcAft>
+              <a:buClr>
+                <a:srgbClr val="000000"/>
+              </a:buClr>
+              <a:buSzPts val="1800"/>
+              <a:buFont typeface="Fira Sans Condensed Medium"/>
+              <a:buNone/>
+              <a:defRPr sz="1800" b="0" i="0" u="none" strike="noStrike" cap="none">
+                <a:solidFill>
+                  <a:srgbClr val="000000"/>
+                </a:solidFill>
+                <a:latin typeface="Fira Sans Condensed Medium"/>
+                <a:ea typeface="Fira Sans Condensed Medium"/>
+                <a:cs typeface="Fira Sans Condensed Medium"/>
+                <a:sym typeface="Fira Sans Condensed Medium"/>
+              </a:defRPr>
+            </a:lvl9pPr>
+          </a:lstStyle>
+          <a:p>
+            <a:pPr algn="l"/>
+            <a:r>
+              <a:rPr lang="en-US" sz="2400" b="1" spc="-5" dirty="0">
+                <a:ea typeface="SimSun" panose="02010600030101010101" pitchFamily="2" charset="-122"/>
+              </a:rPr>
+              <a:t>KESIMPULAN &amp; SARAN</a:t>
+            </a:r>
+            <a:endParaRPr lang="en-ID" sz="3600" b="1" dirty="0"/>
+          </a:p>
+        </p:txBody>
+      </p:sp>
+      <p:sp>
+        <p:nvSpPr>
+          <p:cNvPr id="7" name="Google Shape;604;p30">
+            <a:extLst>
+              <a:ext uri="{FF2B5EF4-FFF2-40B4-BE49-F238E27FC236}">
+                <a16:creationId xmlns:a16="http://schemas.microsoft.com/office/drawing/2014/main" id="{1D71DEC6-2D2D-4087-9866-EA6F98D42FA1}"/>
+              </a:ext>
+            </a:extLst>
+          </p:cNvPr>
+          <p:cNvSpPr txBox="1">
+            <a:spLocks/>
+          </p:cNvSpPr>
+          <p:nvPr/>
+        </p:nvSpPr>
+        <p:spPr>
+          <a:xfrm>
+            <a:off x="5310266" y="787799"/>
+            <a:ext cx="3058005" cy="644700"/>
+          </a:xfrm>
+          <a:prstGeom prst="rect">
+            <a:avLst/>
+          </a:prstGeom>
+          <a:noFill/>
+          <a:ln>
+            <a:noFill/>
+          </a:ln>
+        </p:spPr>
+        <p:txBody>
+          <a:bodyPr spcFirstLastPara="1" wrap="square" lIns="91425" tIns="91425" rIns="91425" bIns="91425" anchor="b" anchorCtr="0">
+            <a:noAutofit/>
+          </a:bodyPr>
+          <a:lstStyle>
+            <a:defPPr marR="0" lvl="0" algn="l" rtl="0">
+              <a:lnSpc>
+                <a:spcPct val="100000"/>
+              </a:lnSpc>
+              <a:spcBef>
+                <a:spcPts val="0"/>
+              </a:spcBef>
+              <a:spcAft>
+                <a:spcPts val="0"/>
+              </a:spcAft>
+            </a:defPPr>
+            <a:lvl1pPr marR="0" lvl="0" algn="ctr" rtl="0">
+              <a:lnSpc>
+                <a:spcPct val="100000"/>
+              </a:lnSpc>
+              <a:spcBef>
+                <a:spcPts val="0"/>
+              </a:spcBef>
+              <a:spcAft>
+                <a:spcPts val="0"/>
+              </a:spcAft>
+              <a:buClr>
+                <a:srgbClr val="000000"/>
+              </a:buClr>
+              <a:buSzPts val="1800"/>
+              <a:buFont typeface="Fira Sans Condensed Medium"/>
+              <a:buNone/>
+              <a:defRPr sz="2000" b="0" i="0" u="none" strike="noStrike" cap="none">
+                <a:solidFill>
+                  <a:schemeClr val="lt1"/>
+                </a:solidFill>
+                <a:latin typeface="Share Tech"/>
+                <a:ea typeface="Share Tech"/>
+                <a:cs typeface="Share Tech"/>
+                <a:sym typeface="Share Tech"/>
+              </a:defRPr>
+            </a:lvl1pPr>
+            <a:lvl2pPr marR="0" lvl="1" algn="ctr" rtl="0">
+              <a:lnSpc>
+                <a:spcPct val="100000"/>
+              </a:lnSpc>
+              <a:spcBef>
+                <a:spcPts val="0"/>
+              </a:spcBef>
+              <a:spcAft>
+                <a:spcPts val="0"/>
+              </a:spcAft>
+              <a:buClr>
+                <a:srgbClr val="000000"/>
+              </a:buClr>
+              <a:buSzPts val="1800"/>
+              <a:buFont typeface="Fira Sans Condensed Medium"/>
+              <a:buNone/>
+              <a:defRPr sz="1800" b="0" i="0" u="none" strike="noStrike" cap="none">
+                <a:solidFill>
+                  <a:srgbClr val="000000"/>
+                </a:solidFill>
+                <a:latin typeface="Fira Sans Condensed Medium"/>
+                <a:ea typeface="Fira Sans Condensed Medium"/>
+                <a:cs typeface="Fira Sans Condensed Medium"/>
+                <a:sym typeface="Fira Sans Condensed Medium"/>
+              </a:defRPr>
+            </a:lvl2pPr>
+            <a:lvl3pPr marR="0" lvl="2" algn="ctr" rtl="0">
+              <a:lnSpc>
+                <a:spcPct val="100000"/>
+              </a:lnSpc>
+              <a:spcBef>
+                <a:spcPts val="0"/>
+              </a:spcBef>
+              <a:spcAft>
+                <a:spcPts val="0"/>
+              </a:spcAft>
+              <a:buClr>
+                <a:srgbClr val="000000"/>
+              </a:buClr>
+              <a:buSzPts val="1800"/>
+              <a:buFont typeface="Fira Sans Condensed Medium"/>
+              <a:buNone/>
+              <a:defRPr sz="1800" b="0" i="0" u="none" strike="noStrike" cap="none">
+                <a:solidFill>
+                  <a:srgbClr val="000000"/>
+                </a:solidFill>
+                <a:latin typeface="Fira Sans Condensed Medium"/>
+                <a:ea typeface="Fira Sans Condensed Medium"/>
+                <a:cs typeface="Fira Sans Condensed Medium"/>
+                <a:sym typeface="Fira Sans Condensed Medium"/>
+              </a:defRPr>
+            </a:lvl3pPr>
+            <a:lvl4pPr marR="0" lvl="3" algn="ctr" rtl="0">
+              <a:lnSpc>
+                <a:spcPct val="100000"/>
+              </a:lnSpc>
+              <a:spcBef>
+                <a:spcPts val="0"/>
+              </a:spcBef>
+              <a:spcAft>
+                <a:spcPts val="0"/>
+              </a:spcAft>
+              <a:buClr>
+                <a:srgbClr val="000000"/>
+              </a:buClr>
+              <a:buSzPts val="1800"/>
+              <a:buFont typeface="Fira Sans Condensed Medium"/>
+              <a:buNone/>
+              <a:defRPr sz="1800" b="0" i="0" u="none" strike="noStrike" cap="none">
+                <a:solidFill>
+                  <a:srgbClr val="000000"/>
+                </a:solidFill>
+                <a:latin typeface="Fira Sans Condensed Medium"/>
+                <a:ea typeface="Fira Sans Condensed Medium"/>
+                <a:cs typeface="Fira Sans Condensed Medium"/>
+                <a:sym typeface="Fira Sans Condensed Medium"/>
+              </a:defRPr>
+            </a:lvl4pPr>
+            <a:lvl5pPr marR="0" lvl="4" algn="ctr" rtl="0">
+              <a:lnSpc>
+                <a:spcPct val="100000"/>
+              </a:lnSpc>
+              <a:spcBef>
+                <a:spcPts val="0"/>
+              </a:spcBef>
+              <a:spcAft>
+                <a:spcPts val="0"/>
+              </a:spcAft>
+              <a:buClr>
+                <a:srgbClr val="000000"/>
+              </a:buClr>
+              <a:buSzPts val="1800"/>
+              <a:buFont typeface="Fira Sans Condensed Medium"/>
+              <a:buNone/>
+              <a:defRPr sz="1800" b="0" i="0" u="none" strike="noStrike" cap="none">
+                <a:solidFill>
+                  <a:srgbClr val="000000"/>
+                </a:solidFill>
+                <a:latin typeface="Fira Sans Condensed Medium"/>
+                <a:ea typeface="Fira Sans Condensed Medium"/>
+                <a:cs typeface="Fira Sans Condensed Medium"/>
+                <a:sym typeface="Fira Sans Condensed Medium"/>
+              </a:defRPr>
+            </a:lvl5pPr>
+            <a:lvl6pPr marR="0" lvl="5" algn="ctr" rtl="0">
+              <a:lnSpc>
+                <a:spcPct val="100000"/>
+              </a:lnSpc>
+              <a:spcBef>
+                <a:spcPts val="0"/>
+              </a:spcBef>
+              <a:spcAft>
+                <a:spcPts val="0"/>
+              </a:spcAft>
+              <a:buClr>
+                <a:srgbClr val="000000"/>
+              </a:buClr>
+              <a:buSzPts val="1800"/>
+              <a:buFont typeface="Fira Sans Condensed Medium"/>
+              <a:buNone/>
+              <a:defRPr sz="1800" b="0" i="0" u="none" strike="noStrike" cap="none">
+                <a:solidFill>
+                  <a:srgbClr val="000000"/>
+                </a:solidFill>
+                <a:latin typeface="Fira Sans Condensed Medium"/>
+                <a:ea typeface="Fira Sans Condensed Medium"/>
+                <a:cs typeface="Fira Sans Condensed Medium"/>
+                <a:sym typeface="Fira Sans Condensed Medium"/>
+              </a:defRPr>
+            </a:lvl6pPr>
+            <a:lvl7pPr marR="0" lvl="6" algn="ctr" rtl="0">
+              <a:lnSpc>
+                <a:spcPct val="100000"/>
+              </a:lnSpc>
+              <a:spcBef>
+                <a:spcPts val="0"/>
+              </a:spcBef>
+              <a:spcAft>
+                <a:spcPts val="0"/>
+              </a:spcAft>
+              <a:buClr>
+                <a:srgbClr val="000000"/>
+              </a:buClr>
+              <a:buSzPts val="1800"/>
+              <a:buFont typeface="Fira Sans Condensed Medium"/>
+              <a:buNone/>
+              <a:defRPr sz="1800" b="0" i="0" u="none" strike="noStrike" cap="none">
+                <a:solidFill>
+                  <a:srgbClr val="000000"/>
+                </a:solidFill>
+                <a:latin typeface="Fira Sans Condensed Medium"/>
+                <a:ea typeface="Fira Sans Condensed Medium"/>
+                <a:cs typeface="Fira Sans Condensed Medium"/>
+                <a:sym typeface="Fira Sans Condensed Medium"/>
+              </a:defRPr>
+            </a:lvl7pPr>
+            <a:lvl8pPr marR="0" lvl="7" algn="ctr" rtl="0">
+              <a:lnSpc>
+                <a:spcPct val="100000"/>
+              </a:lnSpc>
+              <a:spcBef>
+                <a:spcPts val="0"/>
+              </a:spcBef>
+              <a:spcAft>
+                <a:spcPts val="0"/>
+              </a:spcAft>
+              <a:buClr>
+                <a:srgbClr val="000000"/>
+              </a:buClr>
+              <a:buSzPts val="1800"/>
+              <a:buFont typeface="Fira Sans Condensed Medium"/>
+              <a:buNone/>
+              <a:defRPr sz="1800" b="0" i="0" u="none" strike="noStrike" cap="none">
+                <a:solidFill>
+                  <a:srgbClr val="000000"/>
+                </a:solidFill>
+                <a:latin typeface="Fira Sans Condensed Medium"/>
+                <a:ea typeface="Fira Sans Condensed Medium"/>
+                <a:cs typeface="Fira Sans Condensed Medium"/>
+                <a:sym typeface="Fira Sans Condensed Medium"/>
+              </a:defRPr>
+            </a:lvl8pPr>
+            <a:lvl9pPr marR="0" lvl="8" algn="ctr" rtl="0">
+              <a:lnSpc>
+                <a:spcPct val="100000"/>
+              </a:lnSpc>
+              <a:spcBef>
+                <a:spcPts val="0"/>
+              </a:spcBef>
+              <a:spcAft>
+                <a:spcPts val="0"/>
+              </a:spcAft>
+              <a:buClr>
+                <a:srgbClr val="000000"/>
+              </a:buClr>
+              <a:buSzPts val="1800"/>
+              <a:buFont typeface="Fira Sans Condensed Medium"/>
+              <a:buNone/>
+              <a:defRPr sz="1800" b="0" i="0" u="none" strike="noStrike" cap="none">
+                <a:solidFill>
+                  <a:srgbClr val="000000"/>
+                </a:solidFill>
+                <a:latin typeface="Fira Sans Condensed Medium"/>
+                <a:ea typeface="Fira Sans Condensed Medium"/>
+                <a:cs typeface="Fira Sans Condensed Medium"/>
+                <a:sym typeface="Fira Sans Condensed Medium"/>
+              </a:defRPr>
+            </a:lvl9pPr>
+          </a:lstStyle>
+          <a:p>
+            <a:pPr algn="l"/>
+            <a:r>
+              <a:rPr lang="en-ID" b="1" dirty="0">
+                <a:solidFill>
+                  <a:schemeClr val="bg2"/>
+                </a:solidFill>
+              </a:rPr>
+              <a:t>SARAN</a:t>
+            </a:r>
+          </a:p>
+        </p:txBody>
+      </p:sp>
+      <p:sp>
+        <p:nvSpPr>
+          <p:cNvPr id="9" name="TextBox 8">
+            <a:extLst>
+              <a:ext uri="{FF2B5EF4-FFF2-40B4-BE49-F238E27FC236}">
+                <a16:creationId xmlns:a16="http://schemas.microsoft.com/office/drawing/2014/main" id="{615BD9ED-326B-4A35-8EDF-D7E74D5688D4}"/>
+              </a:ext>
+            </a:extLst>
+          </p:cNvPr>
+          <p:cNvSpPr txBox="1"/>
+          <p:nvPr/>
+        </p:nvSpPr>
+        <p:spPr>
+          <a:xfrm>
+            <a:off x="0" y="1432499"/>
+            <a:ext cx="4984229" cy="3380413"/>
+          </a:xfrm>
+          <a:prstGeom prst="rect">
+            <a:avLst/>
+          </a:prstGeom>
+          <a:noFill/>
+        </p:spPr>
+        <p:txBody>
+          <a:bodyPr wrap="square">
+            <a:spAutoFit/>
+          </a:bodyPr>
+          <a:lstStyle/>
+          <a:p>
+            <a:pPr marL="742950" lvl="1" indent="-285750" algn="just">
+              <a:spcAft>
+                <a:spcPts val="800"/>
+              </a:spcAft>
+              <a:buFont typeface="+mj-lt"/>
+              <a:buAutoNum type="arabicPeriod"/>
+            </a:pPr>
+            <a:r>
+              <a:rPr lang="en-US" sz="1100" dirty="0">
+                <a:solidFill>
+                  <a:schemeClr val="bg2"/>
+                </a:solidFill>
+                <a:latin typeface="Share Tech"/>
+                <a:sym typeface="Maven Pro"/>
+              </a:rPr>
+              <a:t>Hasil </a:t>
+            </a:r>
+            <a:r>
+              <a:rPr lang="en-US" sz="1100" dirty="0" err="1">
+                <a:solidFill>
+                  <a:schemeClr val="bg2"/>
+                </a:solidFill>
+                <a:latin typeface="Share Tech"/>
+                <a:sym typeface="Maven Pro"/>
+              </a:rPr>
+              <a:t>dari</a:t>
+            </a:r>
+            <a:r>
+              <a:rPr lang="en-US" sz="1100" dirty="0">
+                <a:solidFill>
+                  <a:schemeClr val="bg2"/>
+                </a:solidFill>
+                <a:latin typeface="Share Tech"/>
+                <a:sym typeface="Maven Pro"/>
+              </a:rPr>
+              <a:t> </a:t>
+            </a:r>
+            <a:r>
+              <a:rPr lang="en-US" sz="1100" dirty="0" err="1">
+                <a:solidFill>
+                  <a:schemeClr val="bg2"/>
+                </a:solidFill>
+                <a:latin typeface="Share Tech"/>
+                <a:sym typeface="Maven Pro"/>
+              </a:rPr>
+              <a:t>analisis</a:t>
+            </a:r>
+            <a:r>
+              <a:rPr lang="en-US" sz="1100" dirty="0">
+                <a:solidFill>
+                  <a:schemeClr val="bg2"/>
+                </a:solidFill>
+                <a:latin typeface="Share Tech"/>
+                <a:sym typeface="Maven Pro"/>
+              </a:rPr>
+              <a:t> </a:t>
+            </a:r>
+            <a:r>
+              <a:rPr lang="en-US" sz="1100" dirty="0" err="1">
+                <a:solidFill>
+                  <a:schemeClr val="bg2"/>
+                </a:solidFill>
+                <a:latin typeface="Share Tech"/>
+                <a:sym typeface="Maven Pro"/>
+              </a:rPr>
+              <a:t>karakteristik</a:t>
+            </a:r>
+            <a:r>
+              <a:rPr lang="en-US" sz="1100" dirty="0">
+                <a:solidFill>
+                  <a:schemeClr val="bg2"/>
+                </a:solidFill>
+                <a:latin typeface="Share Tech"/>
+                <a:sym typeface="Maven Pro"/>
+              </a:rPr>
+              <a:t> data </a:t>
+            </a:r>
+            <a:r>
+              <a:rPr lang="en-US" sz="1100" dirty="0" err="1">
+                <a:solidFill>
+                  <a:schemeClr val="bg2"/>
+                </a:solidFill>
+                <a:latin typeface="Share Tech"/>
+                <a:sym typeface="Maven Pro"/>
+              </a:rPr>
+              <a:t>gaji</a:t>
+            </a:r>
+            <a:r>
+              <a:rPr lang="en-US" sz="1100" dirty="0">
+                <a:solidFill>
+                  <a:schemeClr val="bg2"/>
+                </a:solidFill>
+                <a:latin typeface="Share Tech"/>
+                <a:sym typeface="Maven Pro"/>
+              </a:rPr>
+              <a:t> </a:t>
+            </a:r>
+            <a:r>
+              <a:rPr lang="en-US" sz="1100" dirty="0" err="1">
+                <a:solidFill>
+                  <a:schemeClr val="bg2"/>
+                </a:solidFill>
+                <a:latin typeface="Share Tech"/>
+                <a:sym typeface="Maven Pro"/>
+              </a:rPr>
+              <a:t>karyawan</a:t>
+            </a:r>
+            <a:r>
+              <a:rPr lang="en-US" sz="1100" dirty="0">
+                <a:solidFill>
+                  <a:schemeClr val="bg2"/>
+                </a:solidFill>
+                <a:latin typeface="Share Tech"/>
+                <a:sym typeface="Maven Pro"/>
+              </a:rPr>
+              <a:t>, </a:t>
+            </a:r>
+            <a:r>
+              <a:rPr lang="en-US" sz="1100" dirty="0" err="1">
+                <a:solidFill>
+                  <a:schemeClr val="bg2"/>
+                </a:solidFill>
+                <a:latin typeface="Share Tech"/>
+                <a:sym typeface="Maven Pro"/>
+              </a:rPr>
+              <a:t>didapatkan</a:t>
+            </a:r>
+            <a:r>
+              <a:rPr lang="en-US" sz="1100" dirty="0">
+                <a:solidFill>
+                  <a:schemeClr val="bg2"/>
+                </a:solidFill>
+                <a:latin typeface="Share Tech"/>
+                <a:sym typeface="Maven Pro"/>
+              </a:rPr>
+              <a:t> parameter yang </a:t>
+            </a:r>
+            <a:r>
+              <a:rPr lang="en-US" sz="1100" dirty="0" err="1">
+                <a:solidFill>
+                  <a:schemeClr val="bg2"/>
+                </a:solidFill>
+                <a:latin typeface="Share Tech"/>
+                <a:sym typeface="Maven Pro"/>
+              </a:rPr>
+              <a:t>berkaitan</a:t>
+            </a:r>
+            <a:r>
+              <a:rPr lang="en-US" sz="1100" dirty="0">
+                <a:solidFill>
+                  <a:schemeClr val="bg2"/>
+                </a:solidFill>
+                <a:latin typeface="Share Tech"/>
+                <a:sym typeface="Maven Pro"/>
+              </a:rPr>
+              <a:t> </a:t>
+            </a:r>
+            <a:r>
+              <a:rPr lang="en-US" sz="1100" dirty="0" err="1">
+                <a:solidFill>
+                  <a:schemeClr val="bg2"/>
+                </a:solidFill>
+                <a:latin typeface="Share Tech"/>
+                <a:sym typeface="Maven Pro"/>
+              </a:rPr>
+              <a:t>dengan</a:t>
+            </a:r>
+            <a:r>
+              <a:rPr lang="en-US" sz="1100" dirty="0">
+                <a:solidFill>
+                  <a:schemeClr val="bg2"/>
+                </a:solidFill>
+                <a:latin typeface="Share Tech"/>
+                <a:sym typeface="Maven Pro"/>
+              </a:rPr>
+              <a:t> </a:t>
+            </a:r>
+            <a:r>
+              <a:rPr lang="en-US" sz="1100" dirty="0" err="1">
+                <a:solidFill>
+                  <a:schemeClr val="bg2"/>
+                </a:solidFill>
+                <a:latin typeface="Share Tech"/>
+                <a:sym typeface="Maven Pro"/>
+              </a:rPr>
+              <a:t>gaji</a:t>
+            </a:r>
+            <a:r>
+              <a:rPr lang="en-US" sz="1100" dirty="0">
+                <a:solidFill>
+                  <a:schemeClr val="bg2"/>
+                </a:solidFill>
+                <a:latin typeface="Share Tech"/>
+                <a:sym typeface="Maven Pro"/>
+              </a:rPr>
+              <a:t> </a:t>
+            </a:r>
+            <a:r>
+              <a:rPr lang="en-US" sz="1100" dirty="0" err="1">
+                <a:solidFill>
+                  <a:schemeClr val="bg2"/>
+                </a:solidFill>
+                <a:latin typeface="Share Tech"/>
+                <a:sym typeface="Maven Pro"/>
+              </a:rPr>
+              <a:t>karyawan</a:t>
+            </a:r>
+            <a:r>
+              <a:rPr lang="en-US" sz="1100" dirty="0">
+                <a:solidFill>
+                  <a:schemeClr val="bg2"/>
+                </a:solidFill>
+                <a:latin typeface="Share Tech"/>
+                <a:sym typeface="Maven Pro"/>
+              </a:rPr>
+              <a:t> </a:t>
+            </a:r>
+            <a:r>
+              <a:rPr lang="en-US" sz="1100" dirty="0" err="1">
+                <a:solidFill>
+                  <a:schemeClr val="bg2"/>
+                </a:solidFill>
+                <a:latin typeface="Share Tech"/>
+                <a:sym typeface="Maven Pro"/>
+              </a:rPr>
+              <a:t>yaitu</a:t>
+            </a:r>
+            <a:r>
+              <a:rPr lang="en-US" sz="1100" dirty="0">
+                <a:solidFill>
+                  <a:schemeClr val="bg2"/>
+                </a:solidFill>
+                <a:latin typeface="Share Tech"/>
+                <a:sym typeface="Maven Pro"/>
+              </a:rPr>
+              <a:t> Age, </a:t>
+            </a:r>
+            <a:r>
+              <a:rPr lang="en-US" sz="1100" dirty="0" err="1">
+                <a:solidFill>
+                  <a:schemeClr val="bg2"/>
+                </a:solidFill>
+                <a:latin typeface="Share Tech"/>
+                <a:sym typeface="Maven Pro"/>
+              </a:rPr>
+              <a:t>JobLevel</a:t>
+            </a:r>
+            <a:r>
+              <a:rPr lang="en-US" sz="1100" dirty="0">
+                <a:solidFill>
+                  <a:schemeClr val="bg2"/>
+                </a:solidFill>
+                <a:latin typeface="Share Tech"/>
+                <a:sym typeface="Maven Pro"/>
+              </a:rPr>
+              <a:t>, </a:t>
+            </a:r>
+            <a:r>
+              <a:rPr lang="en-US" sz="1100" dirty="0" err="1">
+                <a:solidFill>
+                  <a:schemeClr val="bg2"/>
+                </a:solidFill>
+                <a:latin typeface="Share Tech"/>
+                <a:sym typeface="Maven Pro"/>
+              </a:rPr>
+              <a:t>TotalWorkingYears</a:t>
+            </a:r>
+            <a:r>
+              <a:rPr lang="en-US" sz="1100" dirty="0">
+                <a:solidFill>
+                  <a:schemeClr val="bg2"/>
+                </a:solidFill>
+                <a:latin typeface="Share Tech"/>
+                <a:sym typeface="Maven Pro"/>
+              </a:rPr>
+              <a:t>, dan </a:t>
+            </a:r>
+            <a:r>
+              <a:rPr lang="en-US" sz="1100" dirty="0" err="1">
+                <a:solidFill>
+                  <a:schemeClr val="bg2"/>
+                </a:solidFill>
+                <a:latin typeface="Share Tech"/>
+                <a:sym typeface="Maven Pro"/>
+              </a:rPr>
+              <a:t>YearsAtCompany</a:t>
+            </a:r>
+            <a:r>
+              <a:rPr lang="en-US" sz="1100" dirty="0">
+                <a:solidFill>
+                  <a:schemeClr val="bg2"/>
+                </a:solidFill>
+                <a:latin typeface="Share Tech"/>
+                <a:sym typeface="Maven Pro"/>
+              </a:rPr>
+              <a:t>. </a:t>
+            </a:r>
+          </a:p>
+          <a:p>
+            <a:pPr marL="742950" lvl="1" indent="-285750" algn="just">
+              <a:spcAft>
+                <a:spcPts val="800"/>
+              </a:spcAft>
+              <a:buFont typeface="+mj-lt"/>
+              <a:buAutoNum type="arabicPeriod"/>
+            </a:pPr>
+            <a:r>
+              <a:rPr lang="en-US" sz="1100" dirty="0">
+                <a:solidFill>
+                  <a:schemeClr val="bg2"/>
+                </a:solidFill>
+                <a:latin typeface="Share Tech"/>
+                <a:sym typeface="Maven Pro"/>
+              </a:rPr>
+              <a:t>Model yang </a:t>
+            </a:r>
+            <a:r>
+              <a:rPr lang="en-US" sz="1100" dirty="0" err="1">
+                <a:solidFill>
+                  <a:schemeClr val="bg2"/>
+                </a:solidFill>
+                <a:latin typeface="Share Tech"/>
+                <a:sym typeface="Maven Pro"/>
+              </a:rPr>
+              <a:t>dibuat</a:t>
+            </a:r>
+            <a:r>
+              <a:rPr lang="en-US" sz="1100" dirty="0">
+                <a:solidFill>
+                  <a:schemeClr val="bg2"/>
+                </a:solidFill>
+                <a:latin typeface="Share Tech"/>
+                <a:sym typeface="Maven Pro"/>
+              </a:rPr>
+              <a:t> </a:t>
+            </a:r>
+            <a:r>
+              <a:rPr lang="en-US" sz="1100" dirty="0" err="1">
+                <a:solidFill>
+                  <a:schemeClr val="bg2"/>
+                </a:solidFill>
+                <a:latin typeface="Share Tech"/>
+                <a:sym typeface="Maven Pro"/>
+              </a:rPr>
+              <a:t>berhasil</a:t>
+            </a:r>
+            <a:r>
+              <a:rPr lang="en-US" sz="1100" dirty="0">
+                <a:solidFill>
+                  <a:schemeClr val="bg2"/>
+                </a:solidFill>
+                <a:latin typeface="Share Tech"/>
+                <a:sym typeface="Maven Pro"/>
+              </a:rPr>
+              <a:t> </a:t>
+            </a:r>
+            <a:r>
+              <a:rPr lang="en-US" sz="1100" dirty="0" err="1">
+                <a:solidFill>
+                  <a:schemeClr val="bg2"/>
+                </a:solidFill>
+                <a:latin typeface="Share Tech"/>
+                <a:sym typeface="Maven Pro"/>
+              </a:rPr>
+              <a:t>melewati</a:t>
+            </a:r>
+            <a:r>
+              <a:rPr lang="en-US" sz="1100" dirty="0">
+                <a:solidFill>
+                  <a:schemeClr val="bg2"/>
+                </a:solidFill>
+                <a:latin typeface="Share Tech"/>
+                <a:sym typeface="Maven Pro"/>
+              </a:rPr>
+              <a:t> </a:t>
+            </a:r>
+            <a:r>
+              <a:rPr lang="en-US" sz="1100" dirty="0" err="1">
+                <a:solidFill>
+                  <a:schemeClr val="bg2"/>
+                </a:solidFill>
+                <a:latin typeface="Share Tech"/>
+                <a:sym typeface="Maven Pro"/>
+              </a:rPr>
+              <a:t>semua</a:t>
+            </a:r>
+            <a:r>
+              <a:rPr lang="en-US" sz="1100" dirty="0">
+                <a:solidFill>
+                  <a:schemeClr val="bg2"/>
+                </a:solidFill>
+                <a:latin typeface="Share Tech"/>
+                <a:sym typeface="Maven Pro"/>
+              </a:rPr>
+              <a:t> </a:t>
+            </a:r>
+            <a:r>
+              <a:rPr lang="en-US" sz="1100" dirty="0" err="1">
+                <a:solidFill>
+                  <a:schemeClr val="bg2"/>
+                </a:solidFill>
+                <a:latin typeface="Share Tech"/>
+                <a:sym typeface="Maven Pro"/>
+              </a:rPr>
+              <a:t>pengujian</a:t>
+            </a:r>
+            <a:r>
+              <a:rPr lang="en-US" sz="1100" dirty="0">
+                <a:solidFill>
+                  <a:schemeClr val="bg2"/>
+                </a:solidFill>
+                <a:latin typeface="Share Tech"/>
+                <a:sym typeface="Maven Pro"/>
+              </a:rPr>
+              <a:t> </a:t>
+            </a:r>
+            <a:r>
+              <a:rPr lang="en-US" sz="1100" dirty="0" err="1">
+                <a:solidFill>
+                  <a:schemeClr val="bg2"/>
+                </a:solidFill>
+                <a:latin typeface="Share Tech"/>
+                <a:sym typeface="Maven Pro"/>
+              </a:rPr>
+              <a:t>dalam</a:t>
+            </a:r>
+            <a:r>
+              <a:rPr lang="en-US" sz="1100" dirty="0">
+                <a:solidFill>
+                  <a:schemeClr val="bg2"/>
+                </a:solidFill>
+                <a:latin typeface="Share Tech"/>
+                <a:sym typeface="Maven Pro"/>
+              </a:rPr>
+              <a:t> </a:t>
+            </a:r>
+            <a:r>
+              <a:rPr lang="en-US" sz="1100" dirty="0" err="1">
+                <a:solidFill>
+                  <a:schemeClr val="bg2"/>
+                </a:solidFill>
+                <a:latin typeface="Share Tech"/>
+                <a:sym typeface="Maven Pro"/>
+              </a:rPr>
+              <a:t>langkah</a:t>
+            </a:r>
+            <a:r>
+              <a:rPr lang="en-US" sz="1100" dirty="0">
+                <a:solidFill>
+                  <a:schemeClr val="bg2"/>
+                </a:solidFill>
+                <a:latin typeface="Share Tech"/>
+                <a:sym typeface="Maven Pro"/>
+              </a:rPr>
+              <a:t> </a:t>
+            </a:r>
+            <a:r>
+              <a:rPr lang="en-US" sz="1100" dirty="0" err="1">
+                <a:solidFill>
+                  <a:schemeClr val="bg2"/>
+                </a:solidFill>
+                <a:latin typeface="Share Tech"/>
+                <a:sym typeface="Maven Pro"/>
+              </a:rPr>
+              <a:t>validasi</a:t>
+            </a:r>
+            <a:r>
+              <a:rPr lang="en-US" sz="1100" dirty="0">
+                <a:solidFill>
+                  <a:schemeClr val="bg2"/>
+                </a:solidFill>
+                <a:latin typeface="Share Tech"/>
+                <a:sym typeface="Maven Pro"/>
+              </a:rPr>
+              <a:t> model.</a:t>
+            </a:r>
+          </a:p>
+          <a:p>
+            <a:pPr marL="742950" lvl="1" indent="-285750" algn="just">
+              <a:spcAft>
+                <a:spcPts val="800"/>
+              </a:spcAft>
+              <a:buFont typeface="+mj-lt"/>
+              <a:buAutoNum type="arabicPeriod"/>
+            </a:pPr>
+            <a:r>
+              <a:rPr lang="en-US" sz="1100" dirty="0" err="1">
+                <a:solidFill>
+                  <a:schemeClr val="bg2"/>
+                </a:solidFill>
+                <a:latin typeface="Share Tech"/>
+                <a:sym typeface="Maven Pro"/>
+              </a:rPr>
+              <a:t>Berdasarkan</a:t>
+            </a:r>
+            <a:r>
+              <a:rPr lang="en-US" sz="1100" dirty="0">
+                <a:solidFill>
+                  <a:schemeClr val="bg2"/>
+                </a:solidFill>
+                <a:latin typeface="Share Tech"/>
+                <a:sym typeface="Maven Pro"/>
+              </a:rPr>
+              <a:t> model yang </a:t>
+            </a:r>
+            <a:r>
+              <a:rPr lang="en-US" sz="1100" dirty="0" err="1">
+                <a:solidFill>
+                  <a:schemeClr val="bg2"/>
+                </a:solidFill>
+                <a:latin typeface="Share Tech"/>
+                <a:sym typeface="Maven Pro"/>
+              </a:rPr>
+              <a:t>diambil</a:t>
+            </a:r>
+            <a:r>
+              <a:rPr lang="en-US" sz="1100" dirty="0">
+                <a:solidFill>
+                  <a:schemeClr val="bg2"/>
+                </a:solidFill>
+                <a:latin typeface="Share Tech"/>
+                <a:sym typeface="Maven Pro"/>
+              </a:rPr>
+              <a:t> </a:t>
+            </a:r>
+            <a:r>
+              <a:rPr lang="en-US" sz="1100" dirty="0" err="1">
+                <a:solidFill>
+                  <a:schemeClr val="bg2"/>
+                </a:solidFill>
+                <a:latin typeface="Share Tech"/>
+                <a:sym typeface="Maven Pro"/>
+              </a:rPr>
+              <a:t>dari</a:t>
+            </a:r>
+            <a:r>
+              <a:rPr lang="en-US" sz="1100" dirty="0">
+                <a:solidFill>
+                  <a:schemeClr val="bg2"/>
+                </a:solidFill>
+                <a:latin typeface="Share Tech"/>
+                <a:sym typeface="Maven Pro"/>
+              </a:rPr>
+              <a:t> model OLS kami </a:t>
+            </a:r>
+            <a:r>
+              <a:rPr lang="en-US" sz="1100" dirty="0" err="1">
+                <a:solidFill>
+                  <a:schemeClr val="bg2"/>
+                </a:solidFill>
+                <a:latin typeface="Share Tech"/>
+                <a:sym typeface="Maven Pro"/>
+              </a:rPr>
+              <a:t>mendapatkan</a:t>
+            </a:r>
+            <a:r>
+              <a:rPr lang="en-US" sz="1100" dirty="0">
+                <a:solidFill>
+                  <a:schemeClr val="bg2"/>
+                </a:solidFill>
+                <a:latin typeface="Share Tech"/>
+                <a:sym typeface="Maven Pro"/>
+              </a:rPr>
+              <a:t> </a:t>
+            </a:r>
+            <a:r>
+              <a:rPr lang="en-US" sz="1100" dirty="0" err="1">
+                <a:solidFill>
+                  <a:schemeClr val="bg2"/>
+                </a:solidFill>
+                <a:latin typeface="Share Tech"/>
+                <a:sym typeface="Maven Pro"/>
+              </a:rPr>
+              <a:t>nilai</a:t>
+            </a:r>
+            <a:r>
+              <a:rPr lang="en-US" sz="1100" dirty="0">
+                <a:solidFill>
+                  <a:schemeClr val="bg2"/>
+                </a:solidFill>
+                <a:latin typeface="Share Tech"/>
+                <a:sym typeface="Maven Pro"/>
+              </a:rPr>
+              <a:t> </a:t>
+            </a:r>
+            <a:r>
+              <a:rPr lang="en-US" sz="1100" dirty="0" err="1">
+                <a:solidFill>
+                  <a:schemeClr val="bg2"/>
+                </a:solidFill>
+                <a:latin typeface="Share Tech"/>
+                <a:sym typeface="Maven Pro"/>
+              </a:rPr>
+              <a:t>akurasi</a:t>
+            </a:r>
+            <a:r>
+              <a:rPr lang="en-US" sz="1100" dirty="0">
+                <a:solidFill>
+                  <a:schemeClr val="bg2"/>
+                </a:solidFill>
+                <a:latin typeface="Share Tech"/>
+                <a:sym typeface="Maven Pro"/>
+              </a:rPr>
+              <a:t> </a:t>
+            </a:r>
+            <a:r>
+              <a:rPr lang="en-US" sz="1100" dirty="0" err="1">
+                <a:solidFill>
+                  <a:schemeClr val="bg2"/>
+                </a:solidFill>
+                <a:latin typeface="Share Tech"/>
+                <a:sym typeface="Maven Pro"/>
+              </a:rPr>
+              <a:t>sebesar</a:t>
+            </a:r>
+            <a:r>
+              <a:rPr lang="en-US" sz="1100" dirty="0">
+                <a:solidFill>
+                  <a:schemeClr val="bg2"/>
+                </a:solidFill>
+                <a:latin typeface="Share Tech"/>
+                <a:sym typeface="Maven Pro"/>
+              </a:rPr>
+              <a:t> 0,909. </a:t>
+            </a:r>
+            <a:r>
+              <a:rPr lang="en-US" sz="1100" dirty="0" err="1">
+                <a:solidFill>
+                  <a:schemeClr val="bg2"/>
+                </a:solidFill>
+                <a:latin typeface="Share Tech"/>
+                <a:sym typeface="Maven Pro"/>
+              </a:rPr>
+              <a:t>Akurasi</a:t>
+            </a:r>
+            <a:r>
+              <a:rPr lang="en-US" sz="1100" dirty="0">
+                <a:solidFill>
+                  <a:schemeClr val="bg2"/>
+                </a:solidFill>
+                <a:latin typeface="Share Tech"/>
+                <a:sym typeface="Maven Pro"/>
+              </a:rPr>
+              <a:t> </a:t>
+            </a:r>
+            <a:r>
+              <a:rPr lang="en-US" sz="1100" dirty="0" err="1">
+                <a:solidFill>
+                  <a:schemeClr val="bg2"/>
+                </a:solidFill>
+                <a:latin typeface="Share Tech"/>
+                <a:sym typeface="Maven Pro"/>
+              </a:rPr>
+              <a:t>tersebut</a:t>
+            </a:r>
+            <a:r>
+              <a:rPr lang="en-US" sz="1100" dirty="0">
+                <a:solidFill>
+                  <a:schemeClr val="bg2"/>
+                </a:solidFill>
+                <a:latin typeface="Share Tech"/>
+                <a:sym typeface="Maven Pro"/>
+              </a:rPr>
+              <a:t> </a:t>
+            </a:r>
+            <a:r>
+              <a:rPr lang="en-US" sz="1100" dirty="0" err="1">
+                <a:solidFill>
+                  <a:schemeClr val="bg2"/>
+                </a:solidFill>
+                <a:latin typeface="Share Tech"/>
+                <a:sym typeface="Maven Pro"/>
+              </a:rPr>
+              <a:t>merupakan</a:t>
+            </a:r>
+            <a:r>
+              <a:rPr lang="en-US" sz="1100" dirty="0">
+                <a:solidFill>
+                  <a:schemeClr val="bg2"/>
+                </a:solidFill>
+                <a:latin typeface="Share Tech"/>
+                <a:sym typeface="Maven Pro"/>
+              </a:rPr>
+              <a:t> </a:t>
+            </a:r>
+            <a:r>
+              <a:rPr lang="en-US" sz="1100" dirty="0" err="1">
+                <a:solidFill>
+                  <a:schemeClr val="bg2"/>
+                </a:solidFill>
+                <a:latin typeface="Share Tech"/>
+                <a:sym typeface="Maven Pro"/>
+              </a:rPr>
+              <a:t>nilai</a:t>
+            </a:r>
+            <a:r>
+              <a:rPr lang="en-US" sz="1100" dirty="0">
+                <a:solidFill>
+                  <a:schemeClr val="bg2"/>
+                </a:solidFill>
+                <a:latin typeface="Share Tech"/>
+                <a:sym typeface="Maven Pro"/>
+              </a:rPr>
+              <a:t> </a:t>
+            </a:r>
+            <a:r>
+              <a:rPr lang="en-US" sz="1100" dirty="0" err="1">
+                <a:solidFill>
+                  <a:schemeClr val="bg2"/>
+                </a:solidFill>
+                <a:latin typeface="Share Tech"/>
+                <a:sym typeface="Maven Pro"/>
+              </a:rPr>
+              <a:t>akurasi</a:t>
+            </a:r>
+            <a:r>
+              <a:rPr lang="en-US" sz="1100" dirty="0">
+                <a:solidFill>
+                  <a:schemeClr val="bg2"/>
+                </a:solidFill>
+                <a:latin typeface="Share Tech"/>
+                <a:sym typeface="Maven Pro"/>
+              </a:rPr>
+              <a:t> yang </a:t>
+            </a:r>
+            <a:r>
+              <a:rPr lang="en-US" sz="1100" dirty="0" err="1">
+                <a:solidFill>
+                  <a:schemeClr val="bg2"/>
+                </a:solidFill>
+                <a:latin typeface="Share Tech"/>
+                <a:sym typeface="Maven Pro"/>
+              </a:rPr>
+              <a:t>baik</a:t>
+            </a:r>
+            <a:r>
+              <a:rPr lang="en-US" sz="1100" dirty="0">
+                <a:solidFill>
+                  <a:schemeClr val="bg2"/>
+                </a:solidFill>
+                <a:latin typeface="Share Tech"/>
+                <a:sym typeface="Maven Pro"/>
+              </a:rPr>
+              <a:t>, </a:t>
+            </a:r>
+            <a:r>
+              <a:rPr lang="en-US" sz="1100" dirty="0" err="1">
+                <a:solidFill>
+                  <a:schemeClr val="bg2"/>
+                </a:solidFill>
+                <a:latin typeface="Share Tech"/>
+                <a:sym typeface="Maven Pro"/>
+              </a:rPr>
+              <a:t>sehingga</a:t>
+            </a:r>
+            <a:r>
+              <a:rPr lang="en-US" sz="1100" dirty="0">
+                <a:solidFill>
+                  <a:schemeClr val="bg2"/>
+                </a:solidFill>
+                <a:latin typeface="Share Tech"/>
+                <a:sym typeface="Maven Pro"/>
+              </a:rPr>
+              <a:t> </a:t>
+            </a:r>
+            <a:r>
+              <a:rPr lang="en-US" sz="1100" dirty="0" err="1">
+                <a:solidFill>
+                  <a:schemeClr val="bg2"/>
+                </a:solidFill>
+                <a:latin typeface="Share Tech"/>
+                <a:sym typeface="Maven Pro"/>
+              </a:rPr>
+              <a:t>dapat</a:t>
+            </a:r>
+            <a:r>
+              <a:rPr lang="en-US" sz="1100" dirty="0">
+                <a:solidFill>
+                  <a:schemeClr val="bg2"/>
+                </a:solidFill>
+                <a:latin typeface="Share Tech"/>
+                <a:sym typeface="Maven Pro"/>
+              </a:rPr>
+              <a:t> </a:t>
+            </a:r>
+            <a:r>
+              <a:rPr lang="en-US" sz="1100" dirty="0" err="1">
+                <a:solidFill>
+                  <a:schemeClr val="bg2"/>
+                </a:solidFill>
+                <a:latin typeface="Share Tech"/>
+                <a:sym typeface="Maven Pro"/>
+              </a:rPr>
+              <a:t>dikatakan</a:t>
+            </a:r>
+            <a:r>
+              <a:rPr lang="en-US" sz="1100" dirty="0">
+                <a:solidFill>
+                  <a:schemeClr val="bg2"/>
+                </a:solidFill>
+                <a:latin typeface="Share Tech"/>
+                <a:sym typeface="Maven Pro"/>
+              </a:rPr>
+              <a:t> model machine learning </a:t>
+            </a:r>
+            <a:r>
+              <a:rPr lang="en-US" sz="1100" dirty="0" err="1">
+                <a:solidFill>
+                  <a:schemeClr val="bg2"/>
+                </a:solidFill>
+                <a:latin typeface="Share Tech"/>
+                <a:sym typeface="Maven Pro"/>
+              </a:rPr>
+              <a:t>dapat</a:t>
+            </a:r>
+            <a:r>
+              <a:rPr lang="en-US" sz="1100" dirty="0">
+                <a:solidFill>
+                  <a:schemeClr val="bg2"/>
+                </a:solidFill>
+                <a:latin typeface="Share Tech"/>
+                <a:sym typeface="Maven Pro"/>
+              </a:rPr>
+              <a:t> </a:t>
+            </a:r>
+            <a:r>
+              <a:rPr lang="en-US" sz="1100" dirty="0" err="1">
+                <a:solidFill>
+                  <a:schemeClr val="bg2"/>
+                </a:solidFill>
+                <a:latin typeface="Share Tech"/>
+                <a:sym typeface="Maven Pro"/>
+              </a:rPr>
+              <a:t>berperforma</a:t>
+            </a:r>
+            <a:r>
+              <a:rPr lang="en-US" sz="1100" dirty="0">
+                <a:solidFill>
+                  <a:schemeClr val="bg2"/>
+                </a:solidFill>
+                <a:latin typeface="Share Tech"/>
+                <a:sym typeface="Maven Pro"/>
+              </a:rPr>
+              <a:t> </a:t>
+            </a:r>
+            <a:r>
+              <a:rPr lang="en-US" sz="1100" dirty="0" err="1">
+                <a:solidFill>
+                  <a:schemeClr val="bg2"/>
+                </a:solidFill>
+                <a:latin typeface="Share Tech"/>
+                <a:sym typeface="Maven Pro"/>
+              </a:rPr>
+              <a:t>baik</a:t>
+            </a:r>
+            <a:r>
+              <a:rPr lang="en-US" sz="1100" dirty="0">
+                <a:solidFill>
+                  <a:schemeClr val="bg2"/>
+                </a:solidFill>
+                <a:latin typeface="Share Tech"/>
+                <a:sym typeface="Maven Pro"/>
+              </a:rPr>
+              <a:t> </a:t>
+            </a:r>
+            <a:r>
+              <a:rPr lang="en-US" sz="1100" dirty="0" err="1">
+                <a:solidFill>
+                  <a:schemeClr val="bg2"/>
+                </a:solidFill>
+                <a:latin typeface="Share Tech"/>
+                <a:sym typeface="Maven Pro"/>
+              </a:rPr>
+              <a:t>untuk</a:t>
+            </a:r>
+            <a:r>
+              <a:rPr lang="en-US" sz="1100" dirty="0">
+                <a:solidFill>
+                  <a:schemeClr val="bg2"/>
+                </a:solidFill>
+                <a:latin typeface="Share Tech"/>
+                <a:sym typeface="Maven Pro"/>
+              </a:rPr>
+              <a:t> </a:t>
+            </a:r>
+            <a:r>
+              <a:rPr lang="en-US" sz="1100" dirty="0" err="1">
+                <a:solidFill>
+                  <a:schemeClr val="bg2"/>
+                </a:solidFill>
+                <a:latin typeface="Share Tech"/>
+                <a:sym typeface="Maven Pro"/>
+              </a:rPr>
+              <a:t>memprediksi</a:t>
+            </a:r>
+            <a:r>
+              <a:rPr lang="en-US" sz="1100" dirty="0">
+                <a:solidFill>
+                  <a:schemeClr val="bg2"/>
+                </a:solidFill>
+                <a:latin typeface="Share Tech"/>
+                <a:sym typeface="Maven Pro"/>
+              </a:rPr>
+              <a:t> </a:t>
+            </a:r>
+            <a:r>
+              <a:rPr lang="en-US" sz="1100" dirty="0" err="1">
+                <a:solidFill>
+                  <a:schemeClr val="bg2"/>
+                </a:solidFill>
+                <a:latin typeface="Share Tech"/>
+                <a:sym typeface="Maven Pro"/>
+              </a:rPr>
+              <a:t>gaji</a:t>
+            </a:r>
+            <a:r>
+              <a:rPr lang="en-US" sz="1100" dirty="0">
+                <a:solidFill>
+                  <a:schemeClr val="bg2"/>
+                </a:solidFill>
+                <a:latin typeface="Share Tech"/>
+                <a:sym typeface="Maven Pro"/>
+              </a:rPr>
+              <a:t>.</a:t>
+            </a:r>
+            <a:endParaRPr lang="en-ID" sz="1100" dirty="0">
+              <a:solidFill>
+                <a:schemeClr val="bg2"/>
+              </a:solidFill>
+              <a:latin typeface="Share Tech"/>
+              <a:sym typeface="Maven Pro"/>
+            </a:endParaRPr>
+          </a:p>
+          <a:p>
+            <a:pPr marL="742950" lvl="1" indent="-285750" algn="just">
+              <a:spcAft>
+                <a:spcPts val="800"/>
+              </a:spcAft>
+              <a:buFont typeface="+mj-lt"/>
+              <a:buAutoNum type="arabicPeriod"/>
+            </a:pPr>
+            <a:r>
+              <a:rPr lang="en-US" sz="1100" dirty="0" err="1">
+                <a:solidFill>
+                  <a:schemeClr val="bg2"/>
+                </a:solidFill>
+                <a:latin typeface="Share Tech"/>
+                <a:sym typeface="Maven Pro"/>
+              </a:rPr>
+              <a:t>Berdasakan</a:t>
+            </a:r>
+            <a:r>
+              <a:rPr lang="en-US" sz="1100" dirty="0">
+                <a:solidFill>
+                  <a:schemeClr val="bg2"/>
+                </a:solidFill>
+                <a:latin typeface="Share Tech"/>
+                <a:sym typeface="Maven Pro"/>
+              </a:rPr>
+              <a:t> uji </a:t>
+            </a:r>
+            <a:r>
+              <a:rPr lang="en-US" sz="1100" dirty="0" err="1">
+                <a:solidFill>
+                  <a:schemeClr val="bg2"/>
+                </a:solidFill>
+                <a:latin typeface="Share Tech"/>
+                <a:sym typeface="Maven Pro"/>
+              </a:rPr>
+              <a:t>validitas</a:t>
+            </a:r>
+            <a:r>
+              <a:rPr lang="en-US" sz="1100" dirty="0">
+                <a:solidFill>
+                  <a:schemeClr val="bg2"/>
+                </a:solidFill>
+                <a:latin typeface="Share Tech"/>
+                <a:sym typeface="Maven Pro"/>
+              </a:rPr>
+              <a:t>, </a:t>
+            </a:r>
+            <a:r>
+              <a:rPr lang="en-US" sz="1100" dirty="0" err="1">
+                <a:solidFill>
+                  <a:schemeClr val="bg2"/>
+                </a:solidFill>
+                <a:latin typeface="Share Tech"/>
+                <a:sym typeface="Maven Pro"/>
+              </a:rPr>
+              <a:t>nilai</a:t>
+            </a:r>
+            <a:r>
+              <a:rPr lang="en-US" sz="1100" dirty="0">
+                <a:solidFill>
+                  <a:schemeClr val="bg2"/>
+                </a:solidFill>
+                <a:latin typeface="Share Tech"/>
+                <a:sym typeface="Maven Pro"/>
+              </a:rPr>
+              <a:t> </a:t>
+            </a:r>
+            <a:r>
+              <a:rPr lang="en-US" sz="1100" dirty="0" err="1">
+                <a:solidFill>
+                  <a:schemeClr val="bg2"/>
+                </a:solidFill>
+                <a:latin typeface="Share Tech"/>
+                <a:sym typeface="Maven Pro"/>
+              </a:rPr>
+              <a:t>akurasi</a:t>
+            </a:r>
+            <a:r>
+              <a:rPr lang="en-US" sz="1100" dirty="0">
+                <a:solidFill>
+                  <a:schemeClr val="bg2"/>
+                </a:solidFill>
+                <a:latin typeface="Share Tech"/>
+                <a:sym typeface="Maven Pro"/>
+              </a:rPr>
+              <a:t> 0,909 </a:t>
+            </a:r>
+            <a:r>
+              <a:rPr lang="en-US" sz="1100" dirty="0" err="1">
+                <a:solidFill>
+                  <a:schemeClr val="bg2"/>
+                </a:solidFill>
+                <a:latin typeface="Share Tech"/>
+                <a:sym typeface="Maven Pro"/>
+              </a:rPr>
+              <a:t>menunjukkan</a:t>
+            </a:r>
+            <a:r>
+              <a:rPr lang="en-US" sz="1100" dirty="0">
+                <a:solidFill>
+                  <a:schemeClr val="bg2"/>
+                </a:solidFill>
+                <a:latin typeface="Share Tech"/>
+                <a:sym typeface="Maven Pro"/>
+              </a:rPr>
+              <a:t> </a:t>
+            </a:r>
+            <a:r>
+              <a:rPr lang="en-US" sz="1100" dirty="0" err="1">
+                <a:solidFill>
+                  <a:schemeClr val="bg2"/>
+                </a:solidFill>
+                <a:latin typeface="Share Tech"/>
+                <a:sym typeface="Maven Pro"/>
+              </a:rPr>
+              <a:t>bahwa</a:t>
+            </a:r>
+            <a:r>
+              <a:rPr lang="en-US" sz="1100" dirty="0">
+                <a:solidFill>
+                  <a:schemeClr val="bg2"/>
+                </a:solidFill>
+                <a:latin typeface="Share Tech"/>
+                <a:sym typeface="Maven Pro"/>
+              </a:rPr>
+              <a:t> </a:t>
+            </a:r>
+            <a:r>
+              <a:rPr lang="en-US" sz="1100" dirty="0" err="1">
+                <a:solidFill>
+                  <a:schemeClr val="bg2"/>
+                </a:solidFill>
+                <a:latin typeface="Share Tech"/>
+                <a:sym typeface="Maven Pro"/>
+              </a:rPr>
+              <a:t>MonthlyIncome</a:t>
+            </a:r>
+            <a:r>
+              <a:rPr lang="en-US" sz="1100" dirty="0">
+                <a:solidFill>
+                  <a:schemeClr val="bg2"/>
+                </a:solidFill>
+                <a:latin typeface="Share Tech"/>
+                <a:sym typeface="Maven Pro"/>
+              </a:rPr>
+              <a:t> </a:t>
+            </a:r>
+            <a:r>
+              <a:rPr lang="en-US" sz="1100" dirty="0" err="1">
+                <a:solidFill>
+                  <a:schemeClr val="bg2"/>
+                </a:solidFill>
+                <a:latin typeface="Share Tech"/>
+                <a:sym typeface="Maven Pro"/>
+              </a:rPr>
+              <a:t>dipengaruhi</a:t>
+            </a:r>
+            <a:r>
+              <a:rPr lang="en-US" sz="1100" dirty="0">
+                <a:solidFill>
+                  <a:schemeClr val="bg2"/>
+                </a:solidFill>
+                <a:latin typeface="Share Tech"/>
+                <a:sym typeface="Maven Pro"/>
+              </a:rPr>
+              <a:t> oleh </a:t>
+            </a:r>
+            <a:r>
+              <a:rPr lang="en-US" sz="1100" dirty="0" err="1">
+                <a:solidFill>
+                  <a:schemeClr val="bg2"/>
+                </a:solidFill>
+                <a:latin typeface="Share Tech"/>
+                <a:sym typeface="Maven Pro"/>
+              </a:rPr>
+              <a:t>faktor</a:t>
+            </a:r>
+            <a:r>
+              <a:rPr lang="en-US" sz="1100" dirty="0">
+                <a:solidFill>
+                  <a:schemeClr val="bg2"/>
+                </a:solidFill>
+                <a:latin typeface="Share Tech"/>
+                <a:sym typeface="Maven Pro"/>
+              </a:rPr>
+              <a:t> </a:t>
+            </a:r>
+            <a:r>
+              <a:rPr lang="en-US" sz="1100" dirty="0" err="1">
+                <a:solidFill>
+                  <a:schemeClr val="bg2"/>
+                </a:solidFill>
+                <a:latin typeface="Share Tech"/>
+                <a:sym typeface="Maven Pro"/>
+              </a:rPr>
+              <a:t>independen</a:t>
+            </a:r>
+            <a:r>
+              <a:rPr lang="en-US" sz="1100" dirty="0">
+                <a:solidFill>
+                  <a:schemeClr val="bg2"/>
+                </a:solidFill>
+                <a:latin typeface="Share Tech"/>
+                <a:sym typeface="Maven Pro"/>
+              </a:rPr>
+              <a:t> (Age, </a:t>
+            </a:r>
+            <a:r>
+              <a:rPr lang="en-US" sz="1100" dirty="0" err="1">
+                <a:solidFill>
+                  <a:schemeClr val="bg2"/>
+                </a:solidFill>
+                <a:latin typeface="Share Tech"/>
+                <a:sym typeface="Maven Pro"/>
+              </a:rPr>
+              <a:t>YearsAtCompany</a:t>
+            </a:r>
+            <a:r>
+              <a:rPr lang="en-US" sz="1100" dirty="0">
+                <a:solidFill>
+                  <a:schemeClr val="bg2"/>
+                </a:solidFill>
+                <a:latin typeface="Share Tech"/>
+                <a:sym typeface="Maven Pro"/>
+              </a:rPr>
+              <a:t>) </a:t>
+            </a:r>
+            <a:r>
+              <a:rPr lang="en-US" sz="1100" dirty="0" err="1">
+                <a:solidFill>
+                  <a:schemeClr val="bg2"/>
+                </a:solidFill>
+                <a:latin typeface="Share Tech"/>
+                <a:sym typeface="Maven Pro"/>
+              </a:rPr>
+              <a:t>sebesar</a:t>
+            </a:r>
+            <a:r>
+              <a:rPr lang="en-US" sz="1100" dirty="0">
+                <a:solidFill>
+                  <a:schemeClr val="bg2"/>
+                </a:solidFill>
+                <a:latin typeface="Share Tech"/>
+                <a:sym typeface="Maven Pro"/>
+              </a:rPr>
+              <a:t> 0,909 </a:t>
+            </a:r>
+            <a:r>
+              <a:rPr lang="en-US" sz="1100" dirty="0" err="1">
+                <a:solidFill>
+                  <a:schemeClr val="bg2"/>
+                </a:solidFill>
+                <a:latin typeface="Share Tech"/>
+                <a:sym typeface="Maven Pro"/>
+              </a:rPr>
+              <a:t>atau</a:t>
+            </a:r>
+            <a:r>
+              <a:rPr lang="en-US" sz="1100" dirty="0">
+                <a:solidFill>
+                  <a:schemeClr val="bg2"/>
+                </a:solidFill>
+                <a:latin typeface="Share Tech"/>
+                <a:sym typeface="Maven Pro"/>
+              </a:rPr>
+              <a:t> 90,9%. Nilai </a:t>
+            </a:r>
+            <a:r>
+              <a:rPr lang="en-US" sz="1100" dirty="0" err="1">
+                <a:solidFill>
+                  <a:schemeClr val="bg2"/>
+                </a:solidFill>
+                <a:latin typeface="Share Tech"/>
+                <a:sym typeface="Maven Pro"/>
+              </a:rPr>
+              <a:t>sisa</a:t>
+            </a:r>
+            <a:r>
+              <a:rPr lang="en-US" sz="1100" dirty="0">
+                <a:solidFill>
+                  <a:schemeClr val="bg2"/>
+                </a:solidFill>
+                <a:latin typeface="Share Tech"/>
+                <a:sym typeface="Maven Pro"/>
+              </a:rPr>
+              <a:t> </a:t>
+            </a:r>
+            <a:r>
+              <a:rPr lang="en-US" sz="1100" dirty="0" err="1">
+                <a:solidFill>
+                  <a:schemeClr val="bg2"/>
+                </a:solidFill>
+                <a:latin typeface="Share Tech"/>
+                <a:sym typeface="Maven Pro"/>
+              </a:rPr>
+              <a:t>dari</a:t>
+            </a:r>
+            <a:r>
+              <a:rPr lang="en-US" sz="1100" dirty="0">
+                <a:solidFill>
+                  <a:schemeClr val="bg2"/>
+                </a:solidFill>
+                <a:latin typeface="Share Tech"/>
+                <a:sym typeface="Maven Pro"/>
+              </a:rPr>
+              <a:t> </a:t>
+            </a:r>
+            <a:r>
+              <a:rPr lang="en-US" sz="1100" dirty="0" err="1">
+                <a:solidFill>
+                  <a:schemeClr val="bg2"/>
+                </a:solidFill>
+                <a:latin typeface="Share Tech"/>
+                <a:sym typeface="Maven Pro"/>
+              </a:rPr>
+              <a:t>akurasi</a:t>
+            </a:r>
+            <a:r>
+              <a:rPr lang="en-US" sz="1100" dirty="0">
+                <a:solidFill>
+                  <a:schemeClr val="bg2"/>
+                </a:solidFill>
+                <a:latin typeface="Share Tech"/>
+                <a:sym typeface="Maven Pro"/>
+              </a:rPr>
+              <a:t> </a:t>
+            </a:r>
+            <a:r>
+              <a:rPr lang="en-US" sz="1100" dirty="0" err="1">
+                <a:solidFill>
+                  <a:schemeClr val="bg2"/>
+                </a:solidFill>
+                <a:latin typeface="Share Tech"/>
+                <a:sym typeface="Maven Pro"/>
+              </a:rPr>
+              <a:t>tersebut</a:t>
+            </a:r>
+            <a:r>
+              <a:rPr lang="en-US" sz="1100" dirty="0">
+                <a:solidFill>
+                  <a:schemeClr val="bg2"/>
+                </a:solidFill>
+                <a:latin typeface="Share Tech"/>
+                <a:sym typeface="Maven Pro"/>
+              </a:rPr>
+              <a:t> </a:t>
+            </a:r>
+            <a:r>
+              <a:rPr lang="en-US" sz="1100" dirty="0" err="1">
+                <a:solidFill>
+                  <a:schemeClr val="bg2"/>
+                </a:solidFill>
+                <a:latin typeface="Share Tech"/>
+                <a:sym typeface="Maven Pro"/>
+              </a:rPr>
+              <a:t>adalah</a:t>
+            </a:r>
+            <a:r>
+              <a:rPr lang="en-US" sz="1100" dirty="0">
+                <a:solidFill>
+                  <a:schemeClr val="bg2"/>
+                </a:solidFill>
+                <a:latin typeface="Share Tech"/>
+                <a:sym typeface="Maven Pro"/>
+              </a:rPr>
+              <a:t> 0,091 </a:t>
+            </a:r>
+            <a:r>
+              <a:rPr lang="en-US" sz="1100" dirty="0" err="1">
+                <a:solidFill>
+                  <a:schemeClr val="bg2"/>
+                </a:solidFill>
+                <a:latin typeface="Share Tech"/>
+                <a:sym typeface="Maven Pro"/>
+              </a:rPr>
+              <a:t>atau</a:t>
+            </a:r>
+            <a:r>
+              <a:rPr lang="en-US" sz="1100" dirty="0">
+                <a:solidFill>
+                  <a:schemeClr val="bg2"/>
+                </a:solidFill>
+                <a:latin typeface="Share Tech"/>
+                <a:sym typeface="Maven Pro"/>
+              </a:rPr>
+              <a:t> 9,1% yang </a:t>
+            </a:r>
+            <a:r>
+              <a:rPr lang="en-US" sz="1100" dirty="0" err="1">
+                <a:solidFill>
+                  <a:schemeClr val="bg2"/>
+                </a:solidFill>
+                <a:latin typeface="Share Tech"/>
+                <a:sym typeface="Maven Pro"/>
+              </a:rPr>
+              <a:t>artinya</a:t>
+            </a:r>
+            <a:r>
+              <a:rPr lang="en-US" sz="1100" dirty="0">
+                <a:solidFill>
+                  <a:schemeClr val="bg2"/>
+                </a:solidFill>
+                <a:latin typeface="Share Tech"/>
+                <a:sym typeface="Maven Pro"/>
+              </a:rPr>
+              <a:t> </a:t>
+            </a:r>
+            <a:r>
+              <a:rPr lang="en-US" sz="1100" dirty="0" err="1">
+                <a:solidFill>
+                  <a:schemeClr val="bg2"/>
+                </a:solidFill>
+                <a:latin typeface="Share Tech"/>
+                <a:sym typeface="Maven Pro"/>
+              </a:rPr>
+              <a:t>MonthlyIncome</a:t>
+            </a:r>
+            <a:r>
+              <a:rPr lang="en-US" sz="1100" dirty="0">
+                <a:solidFill>
+                  <a:schemeClr val="bg2"/>
+                </a:solidFill>
+                <a:latin typeface="Share Tech"/>
+                <a:sym typeface="Maven Pro"/>
+              </a:rPr>
+              <a:t> </a:t>
+            </a:r>
+            <a:r>
+              <a:rPr lang="en-US" sz="1100" dirty="0" err="1">
+                <a:solidFill>
+                  <a:schemeClr val="bg2"/>
+                </a:solidFill>
+                <a:latin typeface="Share Tech"/>
+                <a:sym typeface="Maven Pro"/>
+              </a:rPr>
+              <a:t>dipengaruhi</a:t>
+            </a:r>
+            <a:r>
+              <a:rPr lang="en-US" sz="1100" dirty="0">
+                <a:solidFill>
+                  <a:schemeClr val="bg2"/>
+                </a:solidFill>
+                <a:latin typeface="Share Tech"/>
+                <a:sym typeface="Maven Pro"/>
+              </a:rPr>
+              <a:t> oleh </a:t>
+            </a:r>
+            <a:r>
+              <a:rPr lang="en-US" sz="1100" dirty="0" err="1">
+                <a:solidFill>
+                  <a:schemeClr val="bg2"/>
+                </a:solidFill>
+                <a:latin typeface="Share Tech"/>
+                <a:sym typeface="Maven Pro"/>
+              </a:rPr>
+              <a:t>faktor</a:t>
+            </a:r>
+            <a:r>
+              <a:rPr lang="en-US" sz="1100" dirty="0">
+                <a:solidFill>
+                  <a:schemeClr val="bg2"/>
+                </a:solidFill>
+                <a:latin typeface="Share Tech"/>
+                <a:sym typeface="Maven Pro"/>
+              </a:rPr>
+              <a:t> lain yang </a:t>
+            </a:r>
+            <a:r>
+              <a:rPr lang="en-US" sz="1100" dirty="0" err="1">
+                <a:solidFill>
+                  <a:schemeClr val="bg2"/>
+                </a:solidFill>
+                <a:latin typeface="Share Tech"/>
+                <a:sym typeface="Maven Pro"/>
+              </a:rPr>
+              <a:t>tidak</a:t>
+            </a:r>
+            <a:r>
+              <a:rPr lang="en-US" sz="1100" dirty="0">
+                <a:solidFill>
+                  <a:schemeClr val="bg2"/>
+                </a:solidFill>
+                <a:latin typeface="Share Tech"/>
+                <a:sym typeface="Maven Pro"/>
+              </a:rPr>
+              <a:t> </a:t>
+            </a:r>
+            <a:r>
+              <a:rPr lang="en-US" sz="1100" dirty="0" err="1">
+                <a:solidFill>
+                  <a:schemeClr val="bg2"/>
+                </a:solidFill>
+                <a:latin typeface="Share Tech"/>
+                <a:sym typeface="Maven Pro"/>
+              </a:rPr>
+              <a:t>diketahui</a:t>
+            </a:r>
+            <a:r>
+              <a:rPr lang="en-US" sz="1100" dirty="0">
+                <a:solidFill>
+                  <a:schemeClr val="bg2"/>
+                </a:solidFill>
+                <a:latin typeface="Share Tech"/>
+                <a:sym typeface="Maven Pro"/>
+              </a:rPr>
+              <a:t> </a:t>
+            </a:r>
+            <a:r>
+              <a:rPr lang="en-US" sz="1100" dirty="0" err="1">
+                <a:solidFill>
+                  <a:schemeClr val="bg2"/>
+                </a:solidFill>
+                <a:latin typeface="Share Tech"/>
+                <a:sym typeface="Maven Pro"/>
+              </a:rPr>
+              <a:t>sebesar</a:t>
+            </a:r>
+            <a:r>
+              <a:rPr lang="en-US" sz="1100" dirty="0">
+                <a:solidFill>
+                  <a:schemeClr val="bg2"/>
+                </a:solidFill>
+                <a:latin typeface="Share Tech"/>
+                <a:sym typeface="Maven Pro"/>
+              </a:rPr>
+              <a:t> 9,1%.</a:t>
+            </a:r>
+            <a:endParaRPr lang="en-ID" sz="1100" dirty="0">
+              <a:solidFill>
+                <a:schemeClr val="bg2"/>
+              </a:solidFill>
+              <a:latin typeface="Share Tech"/>
+              <a:sym typeface="Maven Pro"/>
+            </a:endParaRPr>
+          </a:p>
+          <a:p>
+            <a:pPr marL="742950" lvl="1" indent="-285750" algn="just">
+              <a:spcAft>
+                <a:spcPts val="800"/>
+              </a:spcAft>
+              <a:buFont typeface="+mj-lt"/>
+              <a:buAutoNum type="arabicPeriod"/>
+            </a:pPr>
+            <a:r>
+              <a:rPr lang="en-US" sz="1100" dirty="0" err="1">
+                <a:solidFill>
+                  <a:schemeClr val="bg2"/>
+                </a:solidFill>
+                <a:latin typeface="Share Tech"/>
+                <a:sym typeface="Maven Pro"/>
+              </a:rPr>
+              <a:t>Visualisasi</a:t>
+            </a:r>
+            <a:r>
+              <a:rPr lang="en-US" sz="1100" dirty="0">
+                <a:solidFill>
+                  <a:schemeClr val="bg2"/>
+                </a:solidFill>
+                <a:latin typeface="Share Tech"/>
+                <a:sym typeface="Maven Pro"/>
+              </a:rPr>
+              <a:t> data </a:t>
+            </a:r>
+            <a:r>
+              <a:rPr lang="en-US" sz="1100" dirty="0" err="1">
+                <a:solidFill>
+                  <a:schemeClr val="bg2"/>
+                </a:solidFill>
+                <a:latin typeface="Share Tech"/>
+                <a:sym typeface="Maven Pro"/>
+              </a:rPr>
+              <a:t>dari</a:t>
+            </a:r>
+            <a:r>
+              <a:rPr lang="en-US" sz="1100" dirty="0">
+                <a:solidFill>
+                  <a:schemeClr val="bg2"/>
+                </a:solidFill>
+                <a:latin typeface="Share Tech"/>
+                <a:sym typeface="Maven Pro"/>
+              </a:rPr>
+              <a:t> </a:t>
+            </a:r>
+            <a:r>
+              <a:rPr lang="en-US" sz="1100" dirty="0" err="1">
+                <a:solidFill>
+                  <a:schemeClr val="bg2"/>
+                </a:solidFill>
+                <a:latin typeface="Share Tech"/>
+                <a:sym typeface="Maven Pro"/>
+              </a:rPr>
+              <a:t>hasil</a:t>
+            </a:r>
+            <a:r>
+              <a:rPr lang="en-US" sz="1100" dirty="0">
+                <a:solidFill>
+                  <a:schemeClr val="bg2"/>
+                </a:solidFill>
+                <a:latin typeface="Share Tech"/>
+                <a:sym typeface="Maven Pro"/>
+              </a:rPr>
+              <a:t> model </a:t>
+            </a:r>
+            <a:r>
+              <a:rPr lang="en-US" sz="1100" dirty="0" err="1">
+                <a:solidFill>
+                  <a:schemeClr val="bg2"/>
+                </a:solidFill>
+                <a:latin typeface="Share Tech"/>
+                <a:sym typeface="Maven Pro"/>
+              </a:rPr>
+              <a:t>prediksi</a:t>
+            </a:r>
+            <a:r>
+              <a:rPr lang="en-US" sz="1100" dirty="0">
+                <a:solidFill>
+                  <a:schemeClr val="bg2"/>
+                </a:solidFill>
+                <a:latin typeface="Share Tech"/>
+                <a:sym typeface="Maven Pro"/>
+              </a:rPr>
+              <a:t> </a:t>
+            </a:r>
+            <a:r>
+              <a:rPr lang="en-US" sz="1100" dirty="0" err="1">
+                <a:solidFill>
+                  <a:schemeClr val="bg2"/>
+                </a:solidFill>
+                <a:latin typeface="Share Tech"/>
+                <a:sym typeface="Maven Pro"/>
+              </a:rPr>
+              <a:t>gaji</a:t>
+            </a:r>
+            <a:r>
+              <a:rPr lang="en-US" sz="1100" dirty="0">
+                <a:solidFill>
+                  <a:schemeClr val="bg2"/>
+                </a:solidFill>
+                <a:latin typeface="Share Tech"/>
+                <a:sym typeface="Maven Pro"/>
+              </a:rPr>
+              <a:t> </a:t>
+            </a:r>
+            <a:r>
+              <a:rPr lang="en-US" sz="1100" dirty="0" err="1">
+                <a:solidFill>
+                  <a:schemeClr val="bg2"/>
+                </a:solidFill>
+                <a:latin typeface="Share Tech"/>
+                <a:sym typeface="Maven Pro"/>
+              </a:rPr>
+              <a:t>karyawan</a:t>
+            </a:r>
+            <a:r>
+              <a:rPr lang="en-US" sz="1100" dirty="0">
+                <a:solidFill>
+                  <a:schemeClr val="bg2"/>
+                </a:solidFill>
+                <a:latin typeface="Share Tech"/>
+                <a:sym typeface="Maven Pro"/>
+              </a:rPr>
+              <a:t> </a:t>
+            </a:r>
+            <a:r>
+              <a:rPr lang="en-US" sz="1100" dirty="0" err="1">
+                <a:solidFill>
+                  <a:schemeClr val="bg2"/>
+                </a:solidFill>
+                <a:latin typeface="Share Tech"/>
+                <a:sym typeface="Maven Pro"/>
+              </a:rPr>
+              <a:t>dapat</a:t>
+            </a:r>
+            <a:r>
+              <a:rPr lang="en-US" sz="1100" dirty="0">
+                <a:solidFill>
+                  <a:schemeClr val="bg2"/>
+                </a:solidFill>
+                <a:latin typeface="Share Tech"/>
+                <a:sym typeface="Maven Pro"/>
+              </a:rPr>
+              <a:t> </a:t>
+            </a:r>
+            <a:r>
+              <a:rPr lang="en-US" sz="1100" dirty="0" err="1">
+                <a:solidFill>
+                  <a:schemeClr val="bg2"/>
+                </a:solidFill>
+                <a:latin typeface="Share Tech"/>
+                <a:sym typeface="Maven Pro"/>
+              </a:rPr>
+              <a:t>digunakan</a:t>
+            </a:r>
+            <a:r>
+              <a:rPr lang="en-US" sz="1100" dirty="0">
+                <a:solidFill>
+                  <a:schemeClr val="bg2"/>
+                </a:solidFill>
+                <a:latin typeface="Share Tech"/>
+                <a:sym typeface="Maven Pro"/>
+              </a:rPr>
+              <a:t> </a:t>
+            </a:r>
+            <a:r>
+              <a:rPr lang="en-US" sz="1100" dirty="0" err="1">
+                <a:solidFill>
+                  <a:schemeClr val="bg2"/>
+                </a:solidFill>
+                <a:latin typeface="Share Tech"/>
+                <a:sym typeface="Maven Pro"/>
+              </a:rPr>
+              <a:t>menjadi</a:t>
+            </a:r>
+            <a:r>
+              <a:rPr lang="en-US" sz="1100" dirty="0">
+                <a:solidFill>
+                  <a:schemeClr val="bg2"/>
+                </a:solidFill>
+                <a:latin typeface="Share Tech"/>
+                <a:sym typeface="Maven Pro"/>
+              </a:rPr>
+              <a:t> </a:t>
+            </a:r>
+            <a:r>
+              <a:rPr lang="en-US" sz="1100" dirty="0" err="1">
+                <a:solidFill>
+                  <a:schemeClr val="bg2"/>
+                </a:solidFill>
+                <a:latin typeface="Share Tech"/>
+                <a:sym typeface="Maven Pro"/>
+              </a:rPr>
+              <a:t>bentuk</a:t>
+            </a:r>
+            <a:r>
+              <a:rPr lang="en-US" sz="1100" dirty="0">
+                <a:solidFill>
+                  <a:schemeClr val="bg2"/>
+                </a:solidFill>
+                <a:latin typeface="Share Tech"/>
+                <a:sym typeface="Maven Pro"/>
+              </a:rPr>
+              <a:t> </a:t>
+            </a:r>
+            <a:r>
+              <a:rPr lang="en-US" sz="1100" dirty="0" err="1">
+                <a:solidFill>
+                  <a:schemeClr val="bg2"/>
+                </a:solidFill>
+                <a:latin typeface="Share Tech"/>
+                <a:sym typeface="Maven Pro"/>
+              </a:rPr>
+              <a:t>aplikasi</a:t>
+            </a:r>
+            <a:r>
+              <a:rPr lang="en-US" sz="1100" dirty="0">
+                <a:solidFill>
+                  <a:schemeClr val="bg2"/>
+                </a:solidFill>
+                <a:latin typeface="Share Tech"/>
+                <a:sym typeface="Maven Pro"/>
+              </a:rPr>
+              <a:t> </a:t>
+            </a:r>
+            <a:r>
+              <a:rPr lang="en-US" sz="1100" dirty="0" err="1">
+                <a:solidFill>
+                  <a:schemeClr val="bg2"/>
+                </a:solidFill>
+                <a:latin typeface="Share Tech"/>
+                <a:sym typeface="Maven Pro"/>
+              </a:rPr>
+              <a:t>berbasis</a:t>
+            </a:r>
+            <a:r>
+              <a:rPr lang="en-US" sz="1100" dirty="0">
+                <a:solidFill>
+                  <a:schemeClr val="bg2"/>
+                </a:solidFill>
+                <a:latin typeface="Share Tech"/>
+                <a:sym typeface="Maven Pro"/>
+              </a:rPr>
+              <a:t> web base </a:t>
+            </a:r>
+            <a:r>
+              <a:rPr lang="en-US" sz="1100" dirty="0" err="1">
+                <a:solidFill>
+                  <a:schemeClr val="bg2"/>
+                </a:solidFill>
+                <a:latin typeface="Share Tech"/>
+                <a:sym typeface="Maven Pro"/>
+              </a:rPr>
+              <a:t>dengan</a:t>
+            </a:r>
+            <a:r>
+              <a:rPr lang="en-US" sz="1100" dirty="0">
+                <a:solidFill>
+                  <a:schemeClr val="bg2"/>
+                </a:solidFill>
+                <a:latin typeface="Share Tech"/>
+                <a:sym typeface="Maven Pro"/>
+              </a:rPr>
+              <a:t> </a:t>
+            </a:r>
+            <a:r>
+              <a:rPr lang="en-US" sz="1100" dirty="0" err="1">
+                <a:solidFill>
+                  <a:schemeClr val="bg2"/>
+                </a:solidFill>
+                <a:latin typeface="Share Tech"/>
+                <a:sym typeface="Maven Pro"/>
+              </a:rPr>
+              <a:t>menggunakan</a:t>
+            </a:r>
+            <a:r>
+              <a:rPr lang="en-US" sz="1100" dirty="0">
+                <a:solidFill>
+                  <a:schemeClr val="bg2"/>
+                </a:solidFill>
+                <a:latin typeface="Share Tech"/>
+                <a:sym typeface="Maven Pro"/>
+              </a:rPr>
+              <a:t> </a:t>
+            </a:r>
+            <a:r>
+              <a:rPr lang="en-US" sz="1100" i="1" dirty="0">
+                <a:solidFill>
+                  <a:schemeClr val="bg2"/>
+                </a:solidFill>
+                <a:latin typeface="Share Tech"/>
+                <a:sym typeface="Maven Pro"/>
+              </a:rPr>
+              <a:t>framework</a:t>
+            </a:r>
+            <a:r>
+              <a:rPr lang="en-US" sz="1100" dirty="0">
+                <a:solidFill>
+                  <a:schemeClr val="bg2"/>
+                </a:solidFill>
+                <a:latin typeface="Share Tech"/>
+                <a:sym typeface="Maven Pro"/>
+              </a:rPr>
+              <a:t> Django.</a:t>
+            </a:r>
+            <a:endParaRPr lang="en-ID" sz="1100" dirty="0">
+              <a:solidFill>
+                <a:schemeClr val="bg2"/>
+              </a:solidFill>
+              <a:latin typeface="Share Tech"/>
+              <a:sym typeface="Maven Pro"/>
+            </a:endParaRPr>
+          </a:p>
+        </p:txBody>
+      </p:sp>
+      <p:sp>
+        <p:nvSpPr>
+          <p:cNvPr id="13" name="TextBox 12">
+            <a:extLst>
+              <a:ext uri="{FF2B5EF4-FFF2-40B4-BE49-F238E27FC236}">
+                <a16:creationId xmlns:a16="http://schemas.microsoft.com/office/drawing/2014/main" id="{670A97A6-E0E7-4FE5-A224-0C747D7DC88D}"/>
+              </a:ext>
+            </a:extLst>
+          </p:cNvPr>
+          <p:cNvSpPr txBox="1"/>
+          <p:nvPr/>
+        </p:nvSpPr>
+        <p:spPr>
+          <a:xfrm>
+            <a:off x="5310266" y="1432499"/>
+            <a:ext cx="3507697" cy="1379865"/>
+          </a:xfrm>
+          <a:prstGeom prst="rect">
+            <a:avLst/>
+          </a:prstGeom>
+          <a:noFill/>
+        </p:spPr>
+        <p:txBody>
+          <a:bodyPr wrap="square">
+            <a:spAutoFit/>
+          </a:bodyPr>
+          <a:lstStyle/>
+          <a:p>
+            <a:pPr marL="342900" lvl="0" indent="-342900" algn="just">
+              <a:spcAft>
+                <a:spcPts val="800"/>
+              </a:spcAft>
+              <a:buFont typeface="+mj-lt"/>
+              <a:buAutoNum type="arabicPeriod"/>
+            </a:pPr>
+            <a:r>
+              <a:rPr lang="en-US" sz="1100" dirty="0" err="1">
+                <a:solidFill>
+                  <a:schemeClr val="bg2"/>
+                </a:solidFill>
+                <a:latin typeface="Share Tech"/>
+              </a:rPr>
+              <a:t>Pembuatan</a:t>
+            </a:r>
+            <a:r>
+              <a:rPr lang="en-US" sz="1100" dirty="0">
+                <a:solidFill>
+                  <a:schemeClr val="bg2"/>
+                </a:solidFill>
+                <a:latin typeface="Share Tech"/>
+              </a:rPr>
+              <a:t> model </a:t>
+            </a:r>
+            <a:r>
+              <a:rPr lang="en-US" sz="1100" dirty="0" err="1">
+                <a:solidFill>
+                  <a:schemeClr val="bg2"/>
+                </a:solidFill>
+                <a:latin typeface="Share Tech"/>
+              </a:rPr>
+              <a:t>prediksi</a:t>
+            </a:r>
+            <a:r>
+              <a:rPr lang="en-US" sz="1100" dirty="0">
+                <a:solidFill>
+                  <a:schemeClr val="bg2"/>
+                </a:solidFill>
+                <a:latin typeface="Share Tech"/>
+              </a:rPr>
+              <a:t> yang </a:t>
+            </a:r>
+            <a:r>
+              <a:rPr lang="en-US" sz="1100" dirty="0" err="1">
+                <a:solidFill>
+                  <a:schemeClr val="bg2"/>
+                </a:solidFill>
+                <a:latin typeface="Share Tech"/>
+              </a:rPr>
+              <a:t>digunakan</a:t>
+            </a:r>
+            <a:r>
+              <a:rPr lang="en-US" sz="1100" dirty="0">
+                <a:solidFill>
+                  <a:schemeClr val="bg2"/>
+                </a:solidFill>
+                <a:latin typeface="Share Tech"/>
+              </a:rPr>
+              <a:t> </a:t>
+            </a:r>
+            <a:r>
+              <a:rPr lang="en-US" sz="1100" dirty="0" err="1">
+                <a:solidFill>
+                  <a:schemeClr val="bg2"/>
+                </a:solidFill>
+                <a:latin typeface="Share Tech"/>
+              </a:rPr>
+              <a:t>dapat</a:t>
+            </a:r>
+            <a:r>
+              <a:rPr lang="en-US" sz="1100" dirty="0">
+                <a:solidFill>
+                  <a:schemeClr val="bg2"/>
+                </a:solidFill>
+                <a:latin typeface="Share Tech"/>
+              </a:rPr>
+              <a:t> </a:t>
+            </a:r>
+            <a:r>
+              <a:rPr lang="en-US" sz="1100" dirty="0" err="1">
+                <a:solidFill>
+                  <a:schemeClr val="bg2"/>
+                </a:solidFill>
+                <a:latin typeface="Share Tech"/>
+              </a:rPr>
+              <a:t>lebih</a:t>
+            </a:r>
+            <a:r>
+              <a:rPr lang="en-US" sz="1100" dirty="0">
+                <a:solidFill>
+                  <a:schemeClr val="bg2"/>
+                </a:solidFill>
+                <a:latin typeface="Share Tech"/>
+              </a:rPr>
+              <a:t> </a:t>
+            </a:r>
+            <a:r>
+              <a:rPr lang="en-US" sz="1100" dirty="0" err="1">
+                <a:solidFill>
+                  <a:schemeClr val="bg2"/>
+                </a:solidFill>
+                <a:latin typeface="Share Tech"/>
+              </a:rPr>
+              <a:t>beragam</a:t>
+            </a:r>
+            <a:r>
+              <a:rPr lang="en-US" sz="1100" dirty="0">
+                <a:solidFill>
+                  <a:schemeClr val="bg2"/>
+                </a:solidFill>
+                <a:latin typeface="Share Tech"/>
+              </a:rPr>
+              <a:t> </a:t>
+            </a:r>
+            <a:r>
+              <a:rPr lang="en-US" sz="1100" dirty="0" err="1">
+                <a:solidFill>
+                  <a:schemeClr val="bg2"/>
+                </a:solidFill>
+                <a:latin typeface="Share Tech"/>
+              </a:rPr>
+              <a:t>untuk</a:t>
+            </a:r>
+            <a:r>
+              <a:rPr lang="en-US" sz="1100" dirty="0">
+                <a:solidFill>
+                  <a:schemeClr val="bg2"/>
+                </a:solidFill>
+                <a:latin typeface="Share Tech"/>
+              </a:rPr>
+              <a:t> </a:t>
+            </a:r>
+            <a:r>
+              <a:rPr lang="en-US" sz="1100" dirty="0" err="1">
+                <a:solidFill>
+                  <a:schemeClr val="bg2"/>
+                </a:solidFill>
+                <a:latin typeface="Share Tech"/>
+              </a:rPr>
+              <a:t>membandingkan</a:t>
+            </a:r>
+            <a:r>
+              <a:rPr lang="en-US" sz="1100" dirty="0">
+                <a:solidFill>
+                  <a:schemeClr val="bg2"/>
+                </a:solidFill>
+                <a:latin typeface="Share Tech"/>
+              </a:rPr>
+              <a:t> </a:t>
+            </a:r>
+            <a:r>
+              <a:rPr lang="en-US" sz="1100" dirty="0" err="1">
+                <a:solidFill>
+                  <a:schemeClr val="bg2"/>
+                </a:solidFill>
+                <a:latin typeface="Share Tech"/>
+              </a:rPr>
+              <a:t>performa</a:t>
+            </a:r>
+            <a:r>
+              <a:rPr lang="en-US" sz="1100" dirty="0">
+                <a:solidFill>
+                  <a:schemeClr val="bg2"/>
+                </a:solidFill>
+                <a:latin typeface="Share Tech"/>
+              </a:rPr>
+              <a:t> </a:t>
+            </a:r>
+            <a:r>
+              <a:rPr lang="en-US" sz="1100" dirty="0" err="1">
+                <a:solidFill>
+                  <a:schemeClr val="bg2"/>
+                </a:solidFill>
+                <a:latin typeface="Share Tech"/>
+              </a:rPr>
+              <a:t>antara</a:t>
+            </a:r>
+            <a:r>
+              <a:rPr lang="en-US" sz="1100" dirty="0">
+                <a:solidFill>
+                  <a:schemeClr val="bg2"/>
+                </a:solidFill>
+                <a:latin typeface="Share Tech"/>
+              </a:rPr>
+              <a:t> model </a:t>
+            </a:r>
+            <a:r>
+              <a:rPr lang="en-US" sz="1100" dirty="0" err="1">
+                <a:solidFill>
+                  <a:schemeClr val="bg2"/>
+                </a:solidFill>
+                <a:latin typeface="Share Tech"/>
+              </a:rPr>
+              <a:t>satu</a:t>
+            </a:r>
+            <a:r>
+              <a:rPr lang="en-US" sz="1100" dirty="0">
+                <a:solidFill>
+                  <a:schemeClr val="bg2"/>
+                </a:solidFill>
+                <a:latin typeface="Share Tech"/>
+              </a:rPr>
+              <a:t> </a:t>
+            </a:r>
+            <a:r>
+              <a:rPr lang="en-US" sz="1100" dirty="0" err="1">
+                <a:solidFill>
+                  <a:schemeClr val="bg2"/>
+                </a:solidFill>
+                <a:latin typeface="Share Tech"/>
+              </a:rPr>
+              <a:t>dengan</a:t>
+            </a:r>
+            <a:r>
+              <a:rPr lang="en-US" sz="1100" dirty="0">
+                <a:solidFill>
+                  <a:schemeClr val="bg2"/>
+                </a:solidFill>
+                <a:latin typeface="Share Tech"/>
+              </a:rPr>
+              <a:t> model yang </a:t>
+            </a:r>
+            <a:r>
+              <a:rPr lang="en-US" sz="1100" dirty="0" err="1">
+                <a:solidFill>
+                  <a:schemeClr val="bg2"/>
+                </a:solidFill>
+                <a:latin typeface="Share Tech"/>
+              </a:rPr>
+              <a:t>lainnya</a:t>
+            </a:r>
+            <a:r>
+              <a:rPr lang="en-US" sz="1100" dirty="0">
+                <a:solidFill>
+                  <a:schemeClr val="bg2"/>
+                </a:solidFill>
+                <a:latin typeface="Share Tech"/>
+              </a:rPr>
+              <a:t>.</a:t>
+            </a:r>
+            <a:endParaRPr lang="en-ID" sz="1100" dirty="0">
+              <a:solidFill>
+                <a:schemeClr val="bg2"/>
+              </a:solidFill>
+              <a:latin typeface="Share Tech"/>
+            </a:endParaRPr>
+          </a:p>
+          <a:p>
+            <a:pPr marL="342900" lvl="0" indent="-342900" algn="just">
+              <a:spcAft>
+                <a:spcPts val="800"/>
+              </a:spcAft>
+              <a:buFont typeface="+mj-lt"/>
+              <a:buAutoNum type="arabicPeriod"/>
+            </a:pPr>
+            <a:r>
+              <a:rPr lang="en-US" sz="1100" dirty="0" err="1">
+                <a:solidFill>
+                  <a:schemeClr val="bg2"/>
+                </a:solidFill>
+                <a:latin typeface="Share Tech"/>
+              </a:rPr>
+              <a:t>Sumber</a:t>
+            </a:r>
+            <a:r>
+              <a:rPr lang="en-US" sz="1100" dirty="0">
+                <a:solidFill>
+                  <a:schemeClr val="bg2"/>
+                </a:solidFill>
+                <a:latin typeface="Share Tech"/>
+              </a:rPr>
+              <a:t> data yang </a:t>
+            </a:r>
+            <a:r>
+              <a:rPr lang="en-US" sz="1100" dirty="0" err="1">
+                <a:solidFill>
+                  <a:schemeClr val="bg2"/>
+                </a:solidFill>
+                <a:latin typeface="Share Tech"/>
+              </a:rPr>
+              <a:t>digunakan</a:t>
+            </a:r>
+            <a:r>
+              <a:rPr lang="en-US" sz="1100" dirty="0">
+                <a:solidFill>
+                  <a:schemeClr val="bg2"/>
+                </a:solidFill>
+                <a:latin typeface="Share Tech"/>
+              </a:rPr>
+              <a:t> </a:t>
+            </a:r>
+            <a:r>
+              <a:rPr lang="en-US" sz="1100" dirty="0" err="1">
+                <a:solidFill>
+                  <a:schemeClr val="bg2"/>
+                </a:solidFill>
+                <a:latin typeface="Share Tech"/>
+              </a:rPr>
+              <a:t>kurang</a:t>
+            </a:r>
+            <a:r>
+              <a:rPr lang="en-US" sz="1100" dirty="0">
+                <a:solidFill>
+                  <a:schemeClr val="bg2"/>
+                </a:solidFill>
+                <a:latin typeface="Share Tech"/>
+              </a:rPr>
+              <a:t> </a:t>
+            </a:r>
+            <a:r>
+              <a:rPr lang="en-US" sz="1100" dirty="0" err="1">
+                <a:solidFill>
+                  <a:schemeClr val="bg2"/>
+                </a:solidFill>
+                <a:latin typeface="Share Tech"/>
+              </a:rPr>
+              <a:t>maksimal</a:t>
+            </a:r>
+            <a:r>
+              <a:rPr lang="en-US" sz="1100" dirty="0">
+                <a:solidFill>
+                  <a:schemeClr val="bg2"/>
+                </a:solidFill>
+                <a:latin typeface="Share Tech"/>
+              </a:rPr>
+              <a:t>. Pada </a:t>
+            </a:r>
+            <a:r>
+              <a:rPr lang="en-US" sz="1100" dirty="0" err="1">
+                <a:solidFill>
+                  <a:schemeClr val="bg2"/>
+                </a:solidFill>
+                <a:latin typeface="Share Tech"/>
+              </a:rPr>
+              <a:t>penelitian</a:t>
+            </a:r>
+            <a:r>
+              <a:rPr lang="en-US" sz="1100" dirty="0">
+                <a:solidFill>
+                  <a:schemeClr val="bg2"/>
+                </a:solidFill>
+                <a:latin typeface="Share Tech"/>
+              </a:rPr>
+              <a:t> </a:t>
+            </a:r>
+            <a:r>
+              <a:rPr lang="en-US" sz="1100" dirty="0" err="1">
+                <a:solidFill>
+                  <a:schemeClr val="bg2"/>
+                </a:solidFill>
+                <a:latin typeface="Share Tech"/>
+              </a:rPr>
+              <a:t>ini</a:t>
+            </a:r>
+            <a:r>
+              <a:rPr lang="en-US" sz="1100" dirty="0">
+                <a:solidFill>
+                  <a:schemeClr val="bg2"/>
+                </a:solidFill>
+                <a:latin typeface="Share Tech"/>
+              </a:rPr>
+              <a:t>, </a:t>
+            </a:r>
+            <a:r>
+              <a:rPr lang="en-US" sz="1100" dirty="0" err="1">
+                <a:solidFill>
+                  <a:schemeClr val="bg2"/>
+                </a:solidFill>
+                <a:latin typeface="Share Tech"/>
+              </a:rPr>
+              <a:t>hanya</a:t>
+            </a:r>
+            <a:r>
+              <a:rPr lang="en-US" sz="1100" dirty="0">
+                <a:solidFill>
+                  <a:schemeClr val="bg2"/>
+                </a:solidFill>
+                <a:latin typeface="Share Tech"/>
+              </a:rPr>
+              <a:t> </a:t>
+            </a:r>
+            <a:r>
+              <a:rPr lang="en-US" sz="1100" dirty="0" err="1">
+                <a:solidFill>
+                  <a:schemeClr val="bg2"/>
+                </a:solidFill>
+                <a:latin typeface="Share Tech"/>
+              </a:rPr>
+              <a:t>didapatkan</a:t>
+            </a:r>
+            <a:r>
+              <a:rPr lang="en-US" sz="1100" dirty="0">
+                <a:solidFill>
+                  <a:schemeClr val="bg2"/>
+                </a:solidFill>
+                <a:latin typeface="Share Tech"/>
+              </a:rPr>
+              <a:t> real yang </a:t>
+            </a:r>
+            <a:r>
+              <a:rPr lang="en-US" sz="1100" dirty="0" err="1">
+                <a:solidFill>
+                  <a:schemeClr val="bg2"/>
+                </a:solidFill>
+                <a:latin typeface="Share Tech"/>
+              </a:rPr>
+              <a:t>berasal</a:t>
+            </a:r>
+            <a:r>
+              <a:rPr lang="en-US" sz="1100" dirty="0">
+                <a:solidFill>
+                  <a:schemeClr val="bg2"/>
+                </a:solidFill>
+                <a:latin typeface="Share Tech"/>
+              </a:rPr>
+              <a:t> </a:t>
+            </a:r>
+            <a:r>
+              <a:rPr lang="en-US" sz="1100" dirty="0" err="1">
+                <a:solidFill>
+                  <a:schemeClr val="bg2"/>
+                </a:solidFill>
+                <a:latin typeface="Share Tech"/>
+              </a:rPr>
+              <a:t>dari</a:t>
+            </a:r>
+            <a:r>
+              <a:rPr lang="en-US" sz="1100" dirty="0">
+                <a:solidFill>
+                  <a:schemeClr val="bg2"/>
+                </a:solidFill>
+                <a:latin typeface="Share Tech"/>
+              </a:rPr>
+              <a:t> Kaggle. </a:t>
+            </a:r>
+            <a:r>
+              <a:rPr lang="en-US" sz="1100" dirty="0" err="1">
+                <a:solidFill>
+                  <a:schemeClr val="bg2"/>
+                </a:solidFill>
+                <a:latin typeface="Share Tech"/>
+              </a:rPr>
+              <a:t>Diharapkan</a:t>
+            </a:r>
+            <a:r>
+              <a:rPr lang="en-US" sz="1100" dirty="0">
+                <a:solidFill>
+                  <a:schemeClr val="bg2"/>
+                </a:solidFill>
+                <a:latin typeface="Share Tech"/>
+              </a:rPr>
+              <a:t> </a:t>
+            </a:r>
+            <a:r>
+              <a:rPr lang="en-US" sz="1100" dirty="0" err="1">
+                <a:solidFill>
+                  <a:schemeClr val="bg2"/>
+                </a:solidFill>
+                <a:latin typeface="Share Tech"/>
+              </a:rPr>
+              <a:t>kedepannya</a:t>
+            </a:r>
+            <a:r>
+              <a:rPr lang="en-US" sz="1100" dirty="0">
+                <a:solidFill>
+                  <a:schemeClr val="bg2"/>
+                </a:solidFill>
+                <a:latin typeface="Share Tech"/>
+              </a:rPr>
+              <a:t> </a:t>
+            </a:r>
+            <a:r>
+              <a:rPr lang="en-US" sz="1100" dirty="0" err="1">
+                <a:solidFill>
+                  <a:schemeClr val="bg2"/>
+                </a:solidFill>
+                <a:latin typeface="Share Tech"/>
+              </a:rPr>
+              <a:t>dapat</a:t>
+            </a:r>
+            <a:r>
+              <a:rPr lang="en-US" sz="1100" dirty="0">
+                <a:solidFill>
+                  <a:schemeClr val="bg2"/>
+                </a:solidFill>
+                <a:latin typeface="Share Tech"/>
+              </a:rPr>
+              <a:t> </a:t>
+            </a:r>
+            <a:r>
+              <a:rPr lang="en-US" sz="1100" dirty="0" err="1">
+                <a:solidFill>
+                  <a:schemeClr val="bg2"/>
+                </a:solidFill>
+                <a:latin typeface="Share Tech"/>
+              </a:rPr>
+              <a:t>menggunakan</a:t>
+            </a:r>
+            <a:r>
+              <a:rPr lang="en-US" sz="1100" dirty="0">
+                <a:solidFill>
+                  <a:schemeClr val="bg2"/>
+                </a:solidFill>
+                <a:latin typeface="Share Tech"/>
+              </a:rPr>
+              <a:t> data real </a:t>
+            </a:r>
+            <a:r>
+              <a:rPr lang="en-US" sz="1100" dirty="0" err="1">
+                <a:solidFill>
+                  <a:schemeClr val="bg2"/>
+                </a:solidFill>
+                <a:latin typeface="Share Tech"/>
+              </a:rPr>
+              <a:t>langsung</a:t>
+            </a:r>
+            <a:r>
+              <a:rPr lang="en-US" sz="1100" dirty="0">
+                <a:solidFill>
+                  <a:schemeClr val="bg2"/>
+                </a:solidFill>
+                <a:latin typeface="Share Tech"/>
+              </a:rPr>
+              <a:t> </a:t>
+            </a:r>
+            <a:r>
+              <a:rPr lang="en-US" sz="1100" dirty="0" err="1">
+                <a:solidFill>
+                  <a:schemeClr val="bg2"/>
+                </a:solidFill>
+                <a:latin typeface="Share Tech"/>
+              </a:rPr>
+              <a:t>dari</a:t>
+            </a:r>
+            <a:r>
+              <a:rPr lang="en-US" sz="1100" dirty="0">
+                <a:solidFill>
+                  <a:schemeClr val="bg2"/>
+                </a:solidFill>
+                <a:latin typeface="Share Tech"/>
+              </a:rPr>
+              <a:t> </a:t>
+            </a:r>
+            <a:r>
+              <a:rPr lang="en-US" sz="1100" dirty="0" err="1">
+                <a:solidFill>
+                  <a:schemeClr val="bg2"/>
+                </a:solidFill>
+                <a:latin typeface="Share Tech"/>
+              </a:rPr>
+              <a:t>perusahaan</a:t>
+            </a:r>
+            <a:r>
+              <a:rPr lang="en-US" sz="1100" dirty="0">
+                <a:solidFill>
+                  <a:schemeClr val="bg2"/>
+                </a:solidFill>
+                <a:latin typeface="Share Tech"/>
+              </a:rPr>
+              <a:t>.</a:t>
+            </a:r>
+            <a:endParaRPr lang="en-ID" sz="1100" dirty="0">
+              <a:solidFill>
+                <a:schemeClr val="bg2"/>
+              </a:solidFill>
+              <a:latin typeface="Share Tech"/>
+            </a:endParaRPr>
+          </a:p>
+        </p:txBody>
+      </p:sp>
+    </p:spTree>
+    <p:extLst>
+      <p:ext uri="{BB962C8B-B14F-4D97-AF65-F5344CB8AC3E}">
+        <p14:creationId xmlns:p14="http://schemas.microsoft.com/office/powerpoint/2010/main" val="1689988032"/>
+      </p:ext>
+    </p:extLst>
+  </p:cSld>
+  <p:clrMapOvr>
+    <a:masterClrMapping/>
+  </p:clrMapOvr>
+  <p:timing>
+    <p:tnLst>
+      <p:par>
+        <p:cTn id="1" dur="indefinite" restart="never" nodeType="tmRoot">
+          <p:childTnLst>
+            <p:seq concurrent="1" nextAc="seek">
+              <p:cTn id="2" dur="indefinite" nodeType="mainSeq">
+                <p:childTnLst>
+                  <p:par>
+                    <p:cTn id="3" fill="hold">
+                      <p:stCondLst>
+                        <p:cond delay="indefinite"/>
+                      </p:stCondLst>
+                      <p:childTnLst>
+                        <p:par>
+                          <p:cTn id="4" fill="hold">
+                            <p:stCondLst>
+                              <p:cond delay="0"/>
+                            </p:stCondLst>
+                            <p:childTnLst>
+                              <p:par>
+                                <p:cTn id="5" presetID="10" presetClass="entr" presetSubtype="0" fill="hold" grpId="0" nodeType="clickEffect">
+                                  <p:stCondLst>
+                                    <p:cond delay="0"/>
+                                  </p:stCondLst>
+                                  <p:childTnLst>
+                                    <p:set>
+                                      <p:cBhvr>
+                                        <p:cTn id="6" dur="1" fill="hold">
+                                          <p:stCondLst>
+                                            <p:cond delay="0"/>
+                                          </p:stCondLst>
+                                        </p:cTn>
+                                        <p:tgtEl>
+                                          <p:spTgt spid="604"/>
+                                        </p:tgtEl>
+                                        <p:attrNameLst>
+                                          <p:attrName>style.visibility</p:attrName>
+                                        </p:attrNameLst>
+                                      </p:cBhvr>
+                                      <p:to>
+                                        <p:strVal val="visible"/>
+                                      </p:to>
+                                    </p:set>
+                                    <p:animEffect transition="in" filter="fade">
+                                      <p:cBhvr>
+                                        <p:cTn id="7" dur="500"/>
+                                        <p:tgtEl>
+                                          <p:spTgt spid="604"/>
+                                        </p:tgtEl>
+                                      </p:cBhvr>
+                                    </p:animEffect>
+                                  </p:childTnLst>
+                                </p:cTn>
+                              </p:par>
+                            </p:childTnLst>
+                          </p:cTn>
+                        </p:par>
+                      </p:childTnLst>
+                    </p:cTn>
+                  </p:par>
+                  <p:par>
+                    <p:cTn id="8" fill="hold">
+                      <p:stCondLst>
+                        <p:cond delay="indefinite"/>
+                      </p:stCondLst>
+                      <p:childTnLst>
+                        <p:par>
+                          <p:cTn id="9" fill="hold">
+                            <p:stCondLst>
+                              <p:cond delay="0"/>
+                            </p:stCondLst>
+                            <p:childTnLst>
+                              <p:par>
+                                <p:cTn id="10" presetID="10" presetClass="entr" presetSubtype="0" fill="hold" nodeType="clickEffect">
+                                  <p:stCondLst>
+                                    <p:cond delay="0"/>
+                                  </p:stCondLst>
+                                  <p:childTnLst>
+                                    <p:set>
+                                      <p:cBhvr>
+                                        <p:cTn id="11" dur="1" fill="hold">
+                                          <p:stCondLst>
+                                            <p:cond delay="0"/>
+                                          </p:stCondLst>
+                                        </p:cTn>
+                                        <p:tgtEl>
+                                          <p:spTgt spid="9">
+                                            <p:txEl>
+                                              <p:pRg st="0" end="0"/>
+                                            </p:txEl>
+                                          </p:spTgt>
+                                        </p:tgtEl>
+                                        <p:attrNameLst>
+                                          <p:attrName>style.visibility</p:attrName>
+                                        </p:attrNameLst>
+                                      </p:cBhvr>
+                                      <p:to>
+                                        <p:strVal val="visible"/>
+                                      </p:to>
+                                    </p:set>
+                                    <p:animEffect transition="in" filter="fade">
+                                      <p:cBhvr>
+                                        <p:cTn id="12" dur="500"/>
+                                        <p:tgtEl>
+                                          <p:spTgt spid="9">
+                                            <p:txEl>
+                                              <p:pRg st="0" end="0"/>
+                                            </p:txEl>
+                                          </p:spTgt>
+                                        </p:tgtEl>
+                                      </p:cBhvr>
+                                    </p:animEffect>
+                                  </p:childTnLst>
+                                </p:cTn>
+                              </p:par>
+                              <p:par>
+                                <p:cTn id="13" presetID="10" presetClass="entr" presetSubtype="0" fill="hold" nodeType="withEffect">
+                                  <p:stCondLst>
+                                    <p:cond delay="0"/>
+                                  </p:stCondLst>
+                                  <p:childTnLst>
+                                    <p:set>
+                                      <p:cBhvr>
+                                        <p:cTn id="14" dur="1" fill="hold">
+                                          <p:stCondLst>
+                                            <p:cond delay="0"/>
+                                          </p:stCondLst>
+                                        </p:cTn>
+                                        <p:tgtEl>
+                                          <p:spTgt spid="9">
+                                            <p:txEl>
+                                              <p:pRg st="1" end="1"/>
+                                            </p:txEl>
+                                          </p:spTgt>
+                                        </p:tgtEl>
+                                        <p:attrNameLst>
+                                          <p:attrName>style.visibility</p:attrName>
+                                        </p:attrNameLst>
+                                      </p:cBhvr>
+                                      <p:to>
+                                        <p:strVal val="visible"/>
+                                      </p:to>
+                                    </p:set>
+                                    <p:animEffect transition="in" filter="fade">
+                                      <p:cBhvr>
+                                        <p:cTn id="15" dur="500"/>
+                                        <p:tgtEl>
+                                          <p:spTgt spid="9">
+                                            <p:txEl>
+                                              <p:pRg st="1" end="1"/>
+                                            </p:txEl>
+                                          </p:spTgt>
+                                        </p:tgtEl>
+                                      </p:cBhvr>
+                                    </p:animEffect>
+                                  </p:childTnLst>
+                                </p:cTn>
+                              </p:par>
+                              <p:par>
+                                <p:cTn id="16" presetID="10" presetClass="entr" presetSubtype="0" fill="hold" nodeType="withEffect">
+                                  <p:stCondLst>
+                                    <p:cond delay="0"/>
+                                  </p:stCondLst>
+                                  <p:childTnLst>
+                                    <p:set>
+                                      <p:cBhvr>
+                                        <p:cTn id="17" dur="1" fill="hold">
+                                          <p:stCondLst>
+                                            <p:cond delay="0"/>
+                                          </p:stCondLst>
+                                        </p:cTn>
+                                        <p:tgtEl>
+                                          <p:spTgt spid="9">
+                                            <p:txEl>
+                                              <p:pRg st="2" end="2"/>
+                                            </p:txEl>
+                                          </p:spTgt>
+                                        </p:tgtEl>
+                                        <p:attrNameLst>
+                                          <p:attrName>style.visibility</p:attrName>
+                                        </p:attrNameLst>
+                                      </p:cBhvr>
+                                      <p:to>
+                                        <p:strVal val="visible"/>
+                                      </p:to>
+                                    </p:set>
+                                    <p:animEffect transition="in" filter="fade">
+                                      <p:cBhvr>
+                                        <p:cTn id="18" dur="500"/>
+                                        <p:tgtEl>
+                                          <p:spTgt spid="9">
+                                            <p:txEl>
+                                              <p:pRg st="2" end="2"/>
+                                            </p:txEl>
+                                          </p:spTgt>
+                                        </p:tgtEl>
+                                      </p:cBhvr>
+                                    </p:animEffect>
+                                  </p:childTnLst>
+                                </p:cTn>
+                              </p:par>
+                              <p:par>
+                                <p:cTn id="19" presetID="10" presetClass="entr" presetSubtype="0" fill="hold" nodeType="withEffect">
+                                  <p:stCondLst>
+                                    <p:cond delay="0"/>
+                                  </p:stCondLst>
+                                  <p:childTnLst>
+                                    <p:set>
+                                      <p:cBhvr>
+                                        <p:cTn id="20" dur="1" fill="hold">
+                                          <p:stCondLst>
+                                            <p:cond delay="0"/>
+                                          </p:stCondLst>
+                                        </p:cTn>
+                                        <p:tgtEl>
+                                          <p:spTgt spid="9">
+                                            <p:txEl>
+                                              <p:pRg st="3" end="3"/>
+                                            </p:txEl>
+                                          </p:spTgt>
+                                        </p:tgtEl>
+                                        <p:attrNameLst>
+                                          <p:attrName>style.visibility</p:attrName>
+                                        </p:attrNameLst>
+                                      </p:cBhvr>
+                                      <p:to>
+                                        <p:strVal val="visible"/>
+                                      </p:to>
+                                    </p:set>
+                                    <p:animEffect transition="in" filter="fade">
+                                      <p:cBhvr>
+                                        <p:cTn id="21" dur="500"/>
+                                        <p:tgtEl>
+                                          <p:spTgt spid="9">
+                                            <p:txEl>
+                                              <p:pRg st="3" end="3"/>
+                                            </p:txEl>
+                                          </p:spTgt>
+                                        </p:tgtEl>
+                                      </p:cBhvr>
+                                    </p:animEffect>
+                                  </p:childTnLst>
+                                </p:cTn>
+                              </p:par>
+                              <p:par>
+                                <p:cTn id="22" presetID="10" presetClass="entr" presetSubtype="0" fill="hold" nodeType="withEffect">
+                                  <p:stCondLst>
+                                    <p:cond delay="0"/>
+                                  </p:stCondLst>
+                                  <p:childTnLst>
+                                    <p:set>
+                                      <p:cBhvr>
+                                        <p:cTn id="23" dur="1" fill="hold">
+                                          <p:stCondLst>
+                                            <p:cond delay="0"/>
+                                          </p:stCondLst>
+                                        </p:cTn>
+                                        <p:tgtEl>
+                                          <p:spTgt spid="9">
+                                            <p:txEl>
+                                              <p:pRg st="4" end="4"/>
+                                            </p:txEl>
+                                          </p:spTgt>
+                                        </p:tgtEl>
+                                        <p:attrNameLst>
+                                          <p:attrName>style.visibility</p:attrName>
+                                        </p:attrNameLst>
+                                      </p:cBhvr>
+                                      <p:to>
+                                        <p:strVal val="visible"/>
+                                      </p:to>
+                                    </p:set>
+                                    <p:animEffect transition="in" filter="fade">
+                                      <p:cBhvr>
+                                        <p:cTn id="24" dur="500"/>
+                                        <p:tgtEl>
+                                          <p:spTgt spid="9">
+                                            <p:txEl>
+                                              <p:pRg st="4" end="4"/>
+                                            </p:txEl>
+                                          </p:spTgt>
+                                        </p:tgtEl>
+                                      </p:cBhvr>
+                                    </p:animEffect>
+                                  </p:childTnLst>
+                                </p:cTn>
+                              </p:par>
+                            </p:childTnLst>
+                          </p:cTn>
+                        </p:par>
+                      </p:childTnLst>
+                    </p:cTn>
+                  </p:par>
+                  <p:par>
+                    <p:cTn id="25" fill="hold">
+                      <p:stCondLst>
+                        <p:cond delay="indefinite"/>
+                      </p:stCondLst>
+                      <p:childTnLst>
+                        <p:par>
+                          <p:cTn id="26" fill="hold">
+                            <p:stCondLst>
+                              <p:cond delay="0"/>
+                            </p:stCondLst>
+                            <p:childTnLst>
+                              <p:par>
+                                <p:cTn id="27" presetID="10" presetClass="entr" presetSubtype="0" fill="hold" grpId="0" nodeType="clickEffect">
+                                  <p:stCondLst>
+                                    <p:cond delay="0"/>
+                                  </p:stCondLst>
+                                  <p:childTnLst>
+                                    <p:set>
+                                      <p:cBhvr>
+                                        <p:cTn id="28" dur="1" fill="hold">
+                                          <p:stCondLst>
+                                            <p:cond delay="0"/>
+                                          </p:stCondLst>
+                                        </p:cTn>
+                                        <p:tgtEl>
+                                          <p:spTgt spid="7"/>
+                                        </p:tgtEl>
+                                        <p:attrNameLst>
+                                          <p:attrName>style.visibility</p:attrName>
+                                        </p:attrNameLst>
+                                      </p:cBhvr>
+                                      <p:to>
+                                        <p:strVal val="visible"/>
+                                      </p:to>
+                                    </p:set>
+                                    <p:animEffect transition="in" filter="fade">
+                                      <p:cBhvr>
+                                        <p:cTn id="29" dur="500"/>
+                                        <p:tgtEl>
+                                          <p:spTgt spid="7"/>
+                                        </p:tgtEl>
+                                      </p:cBhvr>
+                                    </p:animEffect>
+                                  </p:childTnLst>
+                                </p:cTn>
+                              </p:par>
+                            </p:childTnLst>
+                          </p:cTn>
+                        </p:par>
+                      </p:childTnLst>
+                    </p:cTn>
+                  </p:par>
+                  <p:par>
+                    <p:cTn id="30" fill="hold">
+                      <p:stCondLst>
+                        <p:cond delay="indefinite"/>
+                      </p:stCondLst>
+                      <p:childTnLst>
+                        <p:par>
+                          <p:cTn id="31" fill="hold">
+                            <p:stCondLst>
+                              <p:cond delay="0"/>
+                            </p:stCondLst>
+                            <p:childTnLst>
+                              <p:par>
+                                <p:cTn id="32" presetID="10" presetClass="entr" presetSubtype="0" fill="hold" nodeType="clickEffect">
+                                  <p:stCondLst>
+                                    <p:cond delay="0"/>
+                                  </p:stCondLst>
+                                  <p:childTnLst>
+                                    <p:set>
+                                      <p:cBhvr>
+                                        <p:cTn id="33" dur="1" fill="hold">
+                                          <p:stCondLst>
+                                            <p:cond delay="0"/>
+                                          </p:stCondLst>
+                                        </p:cTn>
+                                        <p:tgtEl>
+                                          <p:spTgt spid="13">
+                                            <p:txEl>
+                                              <p:pRg st="0" end="0"/>
+                                            </p:txEl>
+                                          </p:spTgt>
+                                        </p:tgtEl>
+                                        <p:attrNameLst>
+                                          <p:attrName>style.visibility</p:attrName>
+                                        </p:attrNameLst>
+                                      </p:cBhvr>
+                                      <p:to>
+                                        <p:strVal val="visible"/>
+                                      </p:to>
+                                    </p:set>
+                                    <p:animEffect transition="in" filter="fade">
+                                      <p:cBhvr>
+                                        <p:cTn id="34" dur="500"/>
+                                        <p:tgtEl>
+                                          <p:spTgt spid="13">
+                                            <p:txEl>
+                                              <p:pRg st="0" end="0"/>
+                                            </p:txEl>
+                                          </p:spTgt>
+                                        </p:tgtEl>
+                                      </p:cBhvr>
+                                    </p:animEffect>
+                                  </p:childTnLst>
+                                </p:cTn>
+                              </p:par>
+                              <p:par>
+                                <p:cTn id="35" presetID="10" presetClass="entr" presetSubtype="0" fill="hold" nodeType="withEffect">
+                                  <p:stCondLst>
+                                    <p:cond delay="0"/>
+                                  </p:stCondLst>
+                                  <p:childTnLst>
+                                    <p:set>
+                                      <p:cBhvr>
+                                        <p:cTn id="36" dur="1" fill="hold">
+                                          <p:stCondLst>
+                                            <p:cond delay="0"/>
+                                          </p:stCondLst>
+                                        </p:cTn>
+                                        <p:tgtEl>
+                                          <p:spTgt spid="13">
+                                            <p:txEl>
+                                              <p:pRg st="1" end="1"/>
+                                            </p:txEl>
+                                          </p:spTgt>
+                                        </p:tgtEl>
+                                        <p:attrNameLst>
+                                          <p:attrName>style.visibility</p:attrName>
+                                        </p:attrNameLst>
+                                      </p:cBhvr>
+                                      <p:to>
+                                        <p:strVal val="visible"/>
+                                      </p:to>
+                                    </p:set>
+                                    <p:animEffect transition="in" filter="fade">
+                                      <p:cBhvr>
+                                        <p:cTn id="37" dur="500"/>
+                                        <p:tgtEl>
+                                          <p:spTgt spid="13">
+                                            <p:txEl>
+                                              <p:pRg st="1" end="1"/>
+                                            </p:txEl>
+                                          </p:spTgt>
+                                        </p:tgtEl>
+                                      </p:cBhvr>
+                                    </p:animEffect>
+                                  </p:childTnLst>
+                                </p:cTn>
+                              </p:par>
+                            </p:childTnLst>
+                          </p:cTn>
+                        </p:par>
+                      </p:childTnLst>
+                    </p:cTn>
+                  </p:par>
+                </p:childTnLst>
+              </p:cTn>
+              <p:prevCondLst>
+                <p:cond evt="onPrev" delay="0">
+                  <p:tgtEl>
+                    <p:sldTgt/>
+                  </p:tgtEl>
+                </p:cond>
+              </p:prevCondLst>
+              <p:nextCondLst>
+                <p:cond evt="onNext" delay="0">
+                  <p:tgtEl>
+                    <p:sldTgt/>
+                  </p:tgtEl>
+                </p:cond>
+              </p:nextCondLst>
+            </p:seq>
+          </p:childTnLst>
+        </p:cTn>
+      </p:par>
+    </p:tnLst>
+    <p:bldLst>
+      <p:bldP spid="604" grpId="0"/>
+      <p:bldP spid="7" grpId="0"/>
+    </p:bldLst>
+  </p:timing>
+</p:sld>
+</file>
+
+<file path=ppt/slides/slide14.xml><?xml version="1.0" encoding="utf-8"?>
 <p:sld xmlns:a="http://schemas.openxmlformats.org/drawingml/2006/main" xmlns:r="http://schemas.openxmlformats.org/officeDocument/2006/relationships" xmlns:p="http://schemas.openxmlformats.org/presentationml/2006/main">
   <p:cSld>
     <p:spTree>
@@ -28857,7 +32815,7 @@
         </p:blipFill>
         <p:spPr>
           <a:xfrm>
-            <a:off x="2417067" y="1221684"/>
+            <a:off x="2304640" y="1219879"/>
             <a:ext cx="4309865" cy="3253766"/>
           </a:xfrm>
           <a:prstGeom prst="rect">
@@ -28881,8 +32839,8 @@
         </p:nvSpPr>
         <p:spPr>
           <a:xfrm>
-            <a:off x="591457" y="106623"/>
-            <a:ext cx="4520369" cy="577800"/>
+            <a:off x="591458" y="106623"/>
+            <a:ext cx="3141094" cy="577800"/>
           </a:xfrm>
           <a:prstGeom prst="rect">
             <a:avLst/>
@@ -29155,6 +33113,1523 @@
           </a:p>
         </p:txBody>
       </p:sp>
+      <p:sp>
+        <p:nvSpPr>
+          <p:cNvPr id="5" name="Title 1">
+            <a:extLst>
+              <a:ext uri="{FF2B5EF4-FFF2-40B4-BE49-F238E27FC236}">
+                <a16:creationId xmlns:a16="http://schemas.microsoft.com/office/drawing/2014/main" id="{956E8412-AAB8-40D9-A4F7-26B9638F5C0D}"/>
+              </a:ext>
+            </a:extLst>
+          </p:cNvPr>
+          <p:cNvSpPr txBox="1">
+            <a:spLocks/>
+          </p:cNvSpPr>
+          <p:nvPr/>
+        </p:nvSpPr>
+        <p:spPr>
+          <a:xfrm>
+            <a:off x="509011" y="1032501"/>
+            <a:ext cx="2183209" cy="577800"/>
+          </a:xfrm>
+          <a:prstGeom prst="rect">
+            <a:avLst/>
+          </a:prstGeom>
+          <a:noFill/>
+          <a:ln>
+            <a:noFill/>
+          </a:ln>
+        </p:spPr>
+        <p:txBody>
+          <a:bodyPr spcFirstLastPara="1" wrap="square" lIns="91425" tIns="91425" rIns="91425" bIns="91425" anchor="b" anchorCtr="0">
+            <a:noAutofit/>
+          </a:bodyPr>
+          <a:lstStyle>
+            <a:defPPr marR="0" lvl="0" algn="l" rtl="0">
+              <a:lnSpc>
+                <a:spcPct val="100000"/>
+              </a:lnSpc>
+              <a:spcBef>
+                <a:spcPts val="0"/>
+              </a:spcBef>
+              <a:spcAft>
+                <a:spcPts val="0"/>
+              </a:spcAft>
+            </a:defPPr>
+            <a:lvl1pPr marR="0" lvl="0" algn="ctr" rtl="0">
+              <a:lnSpc>
+                <a:spcPct val="100000"/>
+              </a:lnSpc>
+              <a:spcBef>
+                <a:spcPts val="0"/>
+              </a:spcBef>
+              <a:spcAft>
+                <a:spcPts val="0"/>
+              </a:spcAft>
+              <a:buClr>
+                <a:srgbClr val="000000"/>
+              </a:buClr>
+              <a:buSzPts val="1800"/>
+              <a:buFont typeface="Fira Sans Condensed Medium"/>
+              <a:buNone/>
+              <a:defRPr sz="2000" b="0" i="0" u="none" strike="noStrike" cap="none">
+                <a:solidFill>
+                  <a:schemeClr val="lt1"/>
+                </a:solidFill>
+                <a:latin typeface="Share Tech"/>
+                <a:ea typeface="Share Tech"/>
+                <a:cs typeface="Share Tech"/>
+                <a:sym typeface="Share Tech"/>
+              </a:defRPr>
+            </a:lvl1pPr>
+            <a:lvl2pPr marR="0" lvl="1" algn="ctr" rtl="0">
+              <a:lnSpc>
+                <a:spcPct val="100000"/>
+              </a:lnSpc>
+              <a:spcBef>
+                <a:spcPts val="0"/>
+              </a:spcBef>
+              <a:spcAft>
+                <a:spcPts val="0"/>
+              </a:spcAft>
+              <a:buClr>
+                <a:srgbClr val="000000"/>
+              </a:buClr>
+              <a:buSzPts val="1800"/>
+              <a:buFont typeface="Fira Sans Condensed Medium"/>
+              <a:buNone/>
+              <a:defRPr sz="1800" b="0" i="0" u="none" strike="noStrike" cap="none">
+                <a:solidFill>
+                  <a:srgbClr val="000000"/>
+                </a:solidFill>
+                <a:latin typeface="Fira Sans Condensed Medium"/>
+                <a:ea typeface="Fira Sans Condensed Medium"/>
+                <a:cs typeface="Fira Sans Condensed Medium"/>
+                <a:sym typeface="Fira Sans Condensed Medium"/>
+              </a:defRPr>
+            </a:lvl2pPr>
+            <a:lvl3pPr marR="0" lvl="2" algn="ctr" rtl="0">
+              <a:lnSpc>
+                <a:spcPct val="100000"/>
+              </a:lnSpc>
+              <a:spcBef>
+                <a:spcPts val="0"/>
+              </a:spcBef>
+              <a:spcAft>
+                <a:spcPts val="0"/>
+              </a:spcAft>
+              <a:buClr>
+                <a:srgbClr val="000000"/>
+              </a:buClr>
+              <a:buSzPts val="1800"/>
+              <a:buFont typeface="Fira Sans Condensed Medium"/>
+              <a:buNone/>
+              <a:defRPr sz="1800" b="0" i="0" u="none" strike="noStrike" cap="none">
+                <a:solidFill>
+                  <a:srgbClr val="000000"/>
+                </a:solidFill>
+                <a:latin typeface="Fira Sans Condensed Medium"/>
+                <a:ea typeface="Fira Sans Condensed Medium"/>
+                <a:cs typeface="Fira Sans Condensed Medium"/>
+                <a:sym typeface="Fira Sans Condensed Medium"/>
+              </a:defRPr>
+            </a:lvl3pPr>
+            <a:lvl4pPr marR="0" lvl="3" algn="ctr" rtl="0">
+              <a:lnSpc>
+                <a:spcPct val="100000"/>
+              </a:lnSpc>
+              <a:spcBef>
+                <a:spcPts val="0"/>
+              </a:spcBef>
+              <a:spcAft>
+                <a:spcPts val="0"/>
+              </a:spcAft>
+              <a:buClr>
+                <a:srgbClr val="000000"/>
+              </a:buClr>
+              <a:buSzPts val="1800"/>
+              <a:buFont typeface="Fira Sans Condensed Medium"/>
+              <a:buNone/>
+              <a:defRPr sz="1800" b="0" i="0" u="none" strike="noStrike" cap="none">
+                <a:solidFill>
+                  <a:srgbClr val="000000"/>
+                </a:solidFill>
+                <a:latin typeface="Fira Sans Condensed Medium"/>
+                <a:ea typeface="Fira Sans Condensed Medium"/>
+                <a:cs typeface="Fira Sans Condensed Medium"/>
+                <a:sym typeface="Fira Sans Condensed Medium"/>
+              </a:defRPr>
+            </a:lvl4pPr>
+            <a:lvl5pPr marR="0" lvl="4" algn="ctr" rtl="0">
+              <a:lnSpc>
+                <a:spcPct val="100000"/>
+              </a:lnSpc>
+              <a:spcBef>
+                <a:spcPts val="0"/>
+              </a:spcBef>
+              <a:spcAft>
+                <a:spcPts val="0"/>
+              </a:spcAft>
+              <a:buClr>
+                <a:srgbClr val="000000"/>
+              </a:buClr>
+              <a:buSzPts val="1800"/>
+              <a:buFont typeface="Fira Sans Condensed Medium"/>
+              <a:buNone/>
+              <a:defRPr sz="1800" b="0" i="0" u="none" strike="noStrike" cap="none">
+                <a:solidFill>
+                  <a:srgbClr val="000000"/>
+                </a:solidFill>
+                <a:latin typeface="Fira Sans Condensed Medium"/>
+                <a:ea typeface="Fira Sans Condensed Medium"/>
+                <a:cs typeface="Fira Sans Condensed Medium"/>
+                <a:sym typeface="Fira Sans Condensed Medium"/>
+              </a:defRPr>
+            </a:lvl5pPr>
+            <a:lvl6pPr marR="0" lvl="5" algn="ctr" rtl="0">
+              <a:lnSpc>
+                <a:spcPct val="100000"/>
+              </a:lnSpc>
+              <a:spcBef>
+                <a:spcPts val="0"/>
+              </a:spcBef>
+              <a:spcAft>
+                <a:spcPts val="0"/>
+              </a:spcAft>
+              <a:buClr>
+                <a:srgbClr val="000000"/>
+              </a:buClr>
+              <a:buSzPts val="1800"/>
+              <a:buFont typeface="Fira Sans Condensed Medium"/>
+              <a:buNone/>
+              <a:defRPr sz="1800" b="0" i="0" u="none" strike="noStrike" cap="none">
+                <a:solidFill>
+                  <a:srgbClr val="000000"/>
+                </a:solidFill>
+                <a:latin typeface="Fira Sans Condensed Medium"/>
+                <a:ea typeface="Fira Sans Condensed Medium"/>
+                <a:cs typeface="Fira Sans Condensed Medium"/>
+                <a:sym typeface="Fira Sans Condensed Medium"/>
+              </a:defRPr>
+            </a:lvl6pPr>
+            <a:lvl7pPr marR="0" lvl="6" algn="ctr" rtl="0">
+              <a:lnSpc>
+                <a:spcPct val="100000"/>
+              </a:lnSpc>
+              <a:spcBef>
+                <a:spcPts val="0"/>
+              </a:spcBef>
+              <a:spcAft>
+                <a:spcPts val="0"/>
+              </a:spcAft>
+              <a:buClr>
+                <a:srgbClr val="000000"/>
+              </a:buClr>
+              <a:buSzPts val="1800"/>
+              <a:buFont typeface="Fira Sans Condensed Medium"/>
+              <a:buNone/>
+              <a:defRPr sz="1800" b="0" i="0" u="none" strike="noStrike" cap="none">
+                <a:solidFill>
+                  <a:srgbClr val="000000"/>
+                </a:solidFill>
+                <a:latin typeface="Fira Sans Condensed Medium"/>
+                <a:ea typeface="Fira Sans Condensed Medium"/>
+                <a:cs typeface="Fira Sans Condensed Medium"/>
+                <a:sym typeface="Fira Sans Condensed Medium"/>
+              </a:defRPr>
+            </a:lvl7pPr>
+            <a:lvl8pPr marR="0" lvl="7" algn="ctr" rtl="0">
+              <a:lnSpc>
+                <a:spcPct val="100000"/>
+              </a:lnSpc>
+              <a:spcBef>
+                <a:spcPts val="0"/>
+              </a:spcBef>
+              <a:spcAft>
+                <a:spcPts val="0"/>
+              </a:spcAft>
+              <a:buClr>
+                <a:srgbClr val="000000"/>
+              </a:buClr>
+              <a:buSzPts val="1800"/>
+              <a:buFont typeface="Fira Sans Condensed Medium"/>
+              <a:buNone/>
+              <a:defRPr sz="1800" b="0" i="0" u="none" strike="noStrike" cap="none">
+                <a:solidFill>
+                  <a:srgbClr val="000000"/>
+                </a:solidFill>
+                <a:latin typeface="Fira Sans Condensed Medium"/>
+                <a:ea typeface="Fira Sans Condensed Medium"/>
+                <a:cs typeface="Fira Sans Condensed Medium"/>
+                <a:sym typeface="Fira Sans Condensed Medium"/>
+              </a:defRPr>
+            </a:lvl8pPr>
+            <a:lvl9pPr marR="0" lvl="8" algn="ctr" rtl="0">
+              <a:lnSpc>
+                <a:spcPct val="100000"/>
+              </a:lnSpc>
+              <a:spcBef>
+                <a:spcPts val="0"/>
+              </a:spcBef>
+              <a:spcAft>
+                <a:spcPts val="0"/>
+              </a:spcAft>
+              <a:buClr>
+                <a:srgbClr val="000000"/>
+              </a:buClr>
+              <a:buSzPts val="1800"/>
+              <a:buFont typeface="Fira Sans Condensed Medium"/>
+              <a:buNone/>
+              <a:defRPr sz="1800" b="0" i="0" u="none" strike="noStrike" cap="none">
+                <a:solidFill>
+                  <a:srgbClr val="000000"/>
+                </a:solidFill>
+                <a:latin typeface="Fira Sans Condensed Medium"/>
+                <a:ea typeface="Fira Sans Condensed Medium"/>
+                <a:cs typeface="Fira Sans Condensed Medium"/>
+                <a:sym typeface="Fira Sans Condensed Medium"/>
+              </a:defRPr>
+            </a:lvl9pPr>
+          </a:lstStyle>
+          <a:p>
+            <a:pPr algn="r"/>
+            <a:r>
+              <a:rPr lang="en-US" sz="1400" b="1" spc="-5" dirty="0" err="1">
+                <a:solidFill>
+                  <a:srgbClr val="002845"/>
+                </a:solidFill>
+                <a:ea typeface="SimSun" panose="02010600030101010101" pitchFamily="2" charset="-122"/>
+              </a:rPr>
+              <a:t>Prediksi</a:t>
+            </a:r>
+            <a:r>
+              <a:rPr lang="en-US" sz="1400" b="1" spc="-5" dirty="0">
+                <a:solidFill>
+                  <a:srgbClr val="002845"/>
+                </a:solidFill>
+                <a:ea typeface="SimSun" panose="02010600030101010101" pitchFamily="2" charset="-122"/>
+              </a:rPr>
+              <a:t> </a:t>
+            </a:r>
+            <a:r>
+              <a:rPr lang="en-US" sz="1400" b="1" spc="-5" dirty="0" err="1">
+                <a:solidFill>
+                  <a:srgbClr val="002845"/>
+                </a:solidFill>
+                <a:ea typeface="SimSun" panose="02010600030101010101" pitchFamily="2" charset="-122"/>
+              </a:rPr>
+              <a:t>gaji</a:t>
+            </a:r>
+            <a:r>
+              <a:rPr lang="en-US" sz="1400" b="1" spc="-5" dirty="0">
+                <a:solidFill>
+                  <a:srgbClr val="002845"/>
+                </a:solidFill>
+                <a:ea typeface="SimSun" panose="02010600030101010101" pitchFamily="2" charset="-122"/>
+              </a:rPr>
+              <a:t> </a:t>
+            </a:r>
+            <a:r>
+              <a:rPr lang="en-US" sz="1400" b="1" spc="-5" dirty="0" err="1">
+                <a:solidFill>
+                  <a:srgbClr val="002845"/>
+                </a:solidFill>
+                <a:ea typeface="SimSun" panose="02010600030101010101" pitchFamily="2" charset="-122"/>
+              </a:rPr>
+              <a:t>berdasarkan</a:t>
+            </a:r>
+            <a:r>
+              <a:rPr lang="en-US" sz="1400" b="1" spc="-5" dirty="0">
+                <a:solidFill>
+                  <a:srgbClr val="002845"/>
+                </a:solidFill>
+                <a:ea typeface="SimSun" panose="02010600030101010101" pitchFamily="2" charset="-122"/>
+              </a:rPr>
+              <a:t> </a:t>
+            </a:r>
+            <a:r>
+              <a:rPr lang="en-US" sz="1400" b="1" spc="-5" dirty="0" err="1">
+                <a:solidFill>
+                  <a:srgbClr val="002845"/>
+                </a:solidFill>
+                <a:ea typeface="SimSun" panose="02010600030101010101" pitchFamily="2" charset="-122"/>
+              </a:rPr>
+              <a:t>faktor-faktor</a:t>
+            </a:r>
+            <a:r>
+              <a:rPr lang="en-US" sz="1400" b="1" spc="-5" dirty="0">
+                <a:solidFill>
+                  <a:srgbClr val="002845"/>
+                </a:solidFill>
+                <a:ea typeface="SimSun" panose="02010600030101010101" pitchFamily="2" charset="-122"/>
+              </a:rPr>
+              <a:t> </a:t>
+            </a:r>
+            <a:r>
+              <a:rPr lang="en-US" sz="1400" b="1" spc="-5" dirty="0" err="1">
+                <a:solidFill>
+                  <a:srgbClr val="002845"/>
+                </a:solidFill>
+                <a:ea typeface="SimSun" panose="02010600030101010101" pitchFamily="2" charset="-122"/>
+              </a:rPr>
+              <a:t>spesifik</a:t>
+            </a:r>
+            <a:endParaRPr lang="en-ID" b="1" dirty="0">
+              <a:solidFill>
+                <a:srgbClr val="002845"/>
+              </a:solidFill>
+            </a:endParaRPr>
+          </a:p>
+        </p:txBody>
+      </p:sp>
+      <p:sp>
+        <p:nvSpPr>
+          <p:cNvPr id="6" name="Title 1">
+            <a:extLst>
+              <a:ext uri="{FF2B5EF4-FFF2-40B4-BE49-F238E27FC236}">
+                <a16:creationId xmlns:a16="http://schemas.microsoft.com/office/drawing/2014/main" id="{EA805F5D-306C-4AD8-B780-01901AF6F14C}"/>
+              </a:ext>
+            </a:extLst>
+          </p:cNvPr>
+          <p:cNvSpPr txBox="1">
+            <a:spLocks/>
+          </p:cNvSpPr>
+          <p:nvPr/>
+        </p:nvSpPr>
+        <p:spPr>
+          <a:xfrm>
+            <a:off x="5997910" y="1122442"/>
+            <a:ext cx="2183209" cy="577800"/>
+          </a:xfrm>
+          <a:prstGeom prst="rect">
+            <a:avLst/>
+          </a:prstGeom>
+          <a:noFill/>
+          <a:ln>
+            <a:noFill/>
+          </a:ln>
+        </p:spPr>
+        <p:txBody>
+          <a:bodyPr spcFirstLastPara="1" wrap="square" lIns="91425" tIns="91425" rIns="91425" bIns="91425" anchor="b" anchorCtr="0">
+            <a:noAutofit/>
+          </a:bodyPr>
+          <a:lstStyle>
+            <a:defPPr marR="0" lvl="0" algn="l" rtl="0">
+              <a:lnSpc>
+                <a:spcPct val="100000"/>
+              </a:lnSpc>
+              <a:spcBef>
+                <a:spcPts val="0"/>
+              </a:spcBef>
+              <a:spcAft>
+                <a:spcPts val="0"/>
+              </a:spcAft>
+            </a:defPPr>
+            <a:lvl1pPr marR="0" lvl="0" algn="ctr" rtl="0">
+              <a:lnSpc>
+                <a:spcPct val="100000"/>
+              </a:lnSpc>
+              <a:spcBef>
+                <a:spcPts val="0"/>
+              </a:spcBef>
+              <a:spcAft>
+                <a:spcPts val="0"/>
+              </a:spcAft>
+              <a:buClr>
+                <a:srgbClr val="000000"/>
+              </a:buClr>
+              <a:buSzPts val="1800"/>
+              <a:buFont typeface="Fira Sans Condensed Medium"/>
+              <a:buNone/>
+              <a:defRPr sz="2000" b="0" i="0" u="none" strike="noStrike" cap="none">
+                <a:solidFill>
+                  <a:schemeClr val="lt1"/>
+                </a:solidFill>
+                <a:latin typeface="Share Tech"/>
+                <a:ea typeface="Share Tech"/>
+                <a:cs typeface="Share Tech"/>
+                <a:sym typeface="Share Tech"/>
+              </a:defRPr>
+            </a:lvl1pPr>
+            <a:lvl2pPr marR="0" lvl="1" algn="ctr" rtl="0">
+              <a:lnSpc>
+                <a:spcPct val="100000"/>
+              </a:lnSpc>
+              <a:spcBef>
+                <a:spcPts val="0"/>
+              </a:spcBef>
+              <a:spcAft>
+                <a:spcPts val="0"/>
+              </a:spcAft>
+              <a:buClr>
+                <a:srgbClr val="000000"/>
+              </a:buClr>
+              <a:buSzPts val="1800"/>
+              <a:buFont typeface="Fira Sans Condensed Medium"/>
+              <a:buNone/>
+              <a:defRPr sz="1800" b="0" i="0" u="none" strike="noStrike" cap="none">
+                <a:solidFill>
+                  <a:srgbClr val="000000"/>
+                </a:solidFill>
+                <a:latin typeface="Fira Sans Condensed Medium"/>
+                <a:ea typeface="Fira Sans Condensed Medium"/>
+                <a:cs typeface="Fira Sans Condensed Medium"/>
+                <a:sym typeface="Fira Sans Condensed Medium"/>
+              </a:defRPr>
+            </a:lvl2pPr>
+            <a:lvl3pPr marR="0" lvl="2" algn="ctr" rtl="0">
+              <a:lnSpc>
+                <a:spcPct val="100000"/>
+              </a:lnSpc>
+              <a:spcBef>
+                <a:spcPts val="0"/>
+              </a:spcBef>
+              <a:spcAft>
+                <a:spcPts val="0"/>
+              </a:spcAft>
+              <a:buClr>
+                <a:srgbClr val="000000"/>
+              </a:buClr>
+              <a:buSzPts val="1800"/>
+              <a:buFont typeface="Fira Sans Condensed Medium"/>
+              <a:buNone/>
+              <a:defRPr sz="1800" b="0" i="0" u="none" strike="noStrike" cap="none">
+                <a:solidFill>
+                  <a:srgbClr val="000000"/>
+                </a:solidFill>
+                <a:latin typeface="Fira Sans Condensed Medium"/>
+                <a:ea typeface="Fira Sans Condensed Medium"/>
+                <a:cs typeface="Fira Sans Condensed Medium"/>
+                <a:sym typeface="Fira Sans Condensed Medium"/>
+              </a:defRPr>
+            </a:lvl3pPr>
+            <a:lvl4pPr marR="0" lvl="3" algn="ctr" rtl="0">
+              <a:lnSpc>
+                <a:spcPct val="100000"/>
+              </a:lnSpc>
+              <a:spcBef>
+                <a:spcPts val="0"/>
+              </a:spcBef>
+              <a:spcAft>
+                <a:spcPts val="0"/>
+              </a:spcAft>
+              <a:buClr>
+                <a:srgbClr val="000000"/>
+              </a:buClr>
+              <a:buSzPts val="1800"/>
+              <a:buFont typeface="Fira Sans Condensed Medium"/>
+              <a:buNone/>
+              <a:defRPr sz="1800" b="0" i="0" u="none" strike="noStrike" cap="none">
+                <a:solidFill>
+                  <a:srgbClr val="000000"/>
+                </a:solidFill>
+                <a:latin typeface="Fira Sans Condensed Medium"/>
+                <a:ea typeface="Fira Sans Condensed Medium"/>
+                <a:cs typeface="Fira Sans Condensed Medium"/>
+                <a:sym typeface="Fira Sans Condensed Medium"/>
+              </a:defRPr>
+            </a:lvl4pPr>
+            <a:lvl5pPr marR="0" lvl="4" algn="ctr" rtl="0">
+              <a:lnSpc>
+                <a:spcPct val="100000"/>
+              </a:lnSpc>
+              <a:spcBef>
+                <a:spcPts val="0"/>
+              </a:spcBef>
+              <a:spcAft>
+                <a:spcPts val="0"/>
+              </a:spcAft>
+              <a:buClr>
+                <a:srgbClr val="000000"/>
+              </a:buClr>
+              <a:buSzPts val="1800"/>
+              <a:buFont typeface="Fira Sans Condensed Medium"/>
+              <a:buNone/>
+              <a:defRPr sz="1800" b="0" i="0" u="none" strike="noStrike" cap="none">
+                <a:solidFill>
+                  <a:srgbClr val="000000"/>
+                </a:solidFill>
+                <a:latin typeface="Fira Sans Condensed Medium"/>
+                <a:ea typeface="Fira Sans Condensed Medium"/>
+                <a:cs typeface="Fira Sans Condensed Medium"/>
+                <a:sym typeface="Fira Sans Condensed Medium"/>
+              </a:defRPr>
+            </a:lvl5pPr>
+            <a:lvl6pPr marR="0" lvl="5" algn="ctr" rtl="0">
+              <a:lnSpc>
+                <a:spcPct val="100000"/>
+              </a:lnSpc>
+              <a:spcBef>
+                <a:spcPts val="0"/>
+              </a:spcBef>
+              <a:spcAft>
+                <a:spcPts val="0"/>
+              </a:spcAft>
+              <a:buClr>
+                <a:srgbClr val="000000"/>
+              </a:buClr>
+              <a:buSzPts val="1800"/>
+              <a:buFont typeface="Fira Sans Condensed Medium"/>
+              <a:buNone/>
+              <a:defRPr sz="1800" b="0" i="0" u="none" strike="noStrike" cap="none">
+                <a:solidFill>
+                  <a:srgbClr val="000000"/>
+                </a:solidFill>
+                <a:latin typeface="Fira Sans Condensed Medium"/>
+                <a:ea typeface="Fira Sans Condensed Medium"/>
+                <a:cs typeface="Fira Sans Condensed Medium"/>
+                <a:sym typeface="Fira Sans Condensed Medium"/>
+              </a:defRPr>
+            </a:lvl6pPr>
+            <a:lvl7pPr marR="0" lvl="6" algn="ctr" rtl="0">
+              <a:lnSpc>
+                <a:spcPct val="100000"/>
+              </a:lnSpc>
+              <a:spcBef>
+                <a:spcPts val="0"/>
+              </a:spcBef>
+              <a:spcAft>
+                <a:spcPts val="0"/>
+              </a:spcAft>
+              <a:buClr>
+                <a:srgbClr val="000000"/>
+              </a:buClr>
+              <a:buSzPts val="1800"/>
+              <a:buFont typeface="Fira Sans Condensed Medium"/>
+              <a:buNone/>
+              <a:defRPr sz="1800" b="0" i="0" u="none" strike="noStrike" cap="none">
+                <a:solidFill>
+                  <a:srgbClr val="000000"/>
+                </a:solidFill>
+                <a:latin typeface="Fira Sans Condensed Medium"/>
+                <a:ea typeface="Fira Sans Condensed Medium"/>
+                <a:cs typeface="Fira Sans Condensed Medium"/>
+                <a:sym typeface="Fira Sans Condensed Medium"/>
+              </a:defRPr>
+            </a:lvl7pPr>
+            <a:lvl8pPr marR="0" lvl="7" algn="ctr" rtl="0">
+              <a:lnSpc>
+                <a:spcPct val="100000"/>
+              </a:lnSpc>
+              <a:spcBef>
+                <a:spcPts val="0"/>
+              </a:spcBef>
+              <a:spcAft>
+                <a:spcPts val="0"/>
+              </a:spcAft>
+              <a:buClr>
+                <a:srgbClr val="000000"/>
+              </a:buClr>
+              <a:buSzPts val="1800"/>
+              <a:buFont typeface="Fira Sans Condensed Medium"/>
+              <a:buNone/>
+              <a:defRPr sz="1800" b="0" i="0" u="none" strike="noStrike" cap="none">
+                <a:solidFill>
+                  <a:srgbClr val="000000"/>
+                </a:solidFill>
+                <a:latin typeface="Fira Sans Condensed Medium"/>
+                <a:ea typeface="Fira Sans Condensed Medium"/>
+                <a:cs typeface="Fira Sans Condensed Medium"/>
+                <a:sym typeface="Fira Sans Condensed Medium"/>
+              </a:defRPr>
+            </a:lvl8pPr>
+            <a:lvl9pPr marR="0" lvl="8" algn="ctr" rtl="0">
+              <a:lnSpc>
+                <a:spcPct val="100000"/>
+              </a:lnSpc>
+              <a:spcBef>
+                <a:spcPts val="0"/>
+              </a:spcBef>
+              <a:spcAft>
+                <a:spcPts val="0"/>
+              </a:spcAft>
+              <a:buClr>
+                <a:srgbClr val="000000"/>
+              </a:buClr>
+              <a:buSzPts val="1800"/>
+              <a:buFont typeface="Fira Sans Condensed Medium"/>
+              <a:buNone/>
+              <a:defRPr sz="1800" b="0" i="0" u="none" strike="noStrike" cap="none">
+                <a:solidFill>
+                  <a:srgbClr val="000000"/>
+                </a:solidFill>
+                <a:latin typeface="Fira Sans Condensed Medium"/>
+                <a:ea typeface="Fira Sans Condensed Medium"/>
+                <a:cs typeface="Fira Sans Condensed Medium"/>
+                <a:sym typeface="Fira Sans Condensed Medium"/>
+              </a:defRPr>
+            </a:lvl9pPr>
+          </a:lstStyle>
+          <a:p>
+            <a:pPr algn="l"/>
+            <a:r>
+              <a:rPr lang="en-ID" sz="1400" b="1" spc="-5" dirty="0" err="1">
+                <a:solidFill>
+                  <a:srgbClr val="002845"/>
+                </a:solidFill>
+                <a:ea typeface="SimSun" panose="02010600030101010101" pitchFamily="2" charset="-122"/>
+              </a:rPr>
+              <a:t>Pemahaman</a:t>
+            </a:r>
+            <a:r>
+              <a:rPr lang="en-ID" sz="1400" b="1" spc="-5" dirty="0">
+                <a:solidFill>
+                  <a:srgbClr val="002845"/>
+                </a:solidFill>
+                <a:ea typeface="SimSun" panose="02010600030101010101" pitchFamily="2" charset="-122"/>
+              </a:rPr>
+              <a:t> data </a:t>
+            </a:r>
+            <a:r>
+              <a:rPr lang="en-ID" sz="1400" b="1" spc="-5" dirty="0" err="1">
+                <a:solidFill>
+                  <a:srgbClr val="002845"/>
+                </a:solidFill>
+                <a:ea typeface="SimSun" panose="02010600030101010101" pitchFamily="2" charset="-122"/>
+              </a:rPr>
+              <a:t>mengacu</a:t>
+            </a:r>
+            <a:r>
+              <a:rPr lang="en-ID" sz="1400" b="1" spc="-5" dirty="0">
+                <a:solidFill>
+                  <a:srgbClr val="002845"/>
+                </a:solidFill>
+                <a:ea typeface="SimSun" panose="02010600030101010101" pitchFamily="2" charset="-122"/>
+              </a:rPr>
+              <a:t> pada data </a:t>
+            </a:r>
+            <a:r>
+              <a:rPr lang="en-ID" sz="1400" b="1" spc="-5" dirty="0" err="1">
+                <a:solidFill>
+                  <a:srgbClr val="002845"/>
+                </a:solidFill>
+                <a:ea typeface="SimSun" panose="02010600030101010101" pitchFamily="2" charset="-122"/>
+              </a:rPr>
+              <a:t>kepegawaian</a:t>
+            </a:r>
+            <a:endParaRPr lang="en-ID" sz="1400" b="1" spc="-5" dirty="0">
+              <a:solidFill>
+                <a:srgbClr val="002845"/>
+              </a:solidFill>
+              <a:ea typeface="SimSun" panose="02010600030101010101" pitchFamily="2" charset="-122"/>
+            </a:endParaRPr>
+          </a:p>
+        </p:txBody>
+      </p:sp>
+      <p:sp>
+        <p:nvSpPr>
+          <p:cNvPr id="7" name="Title 1">
+            <a:extLst>
+              <a:ext uri="{FF2B5EF4-FFF2-40B4-BE49-F238E27FC236}">
+                <a16:creationId xmlns:a16="http://schemas.microsoft.com/office/drawing/2014/main" id="{18FA96CA-5C38-4FF0-8779-EF9666506F07}"/>
+              </a:ext>
+            </a:extLst>
+          </p:cNvPr>
+          <p:cNvSpPr txBox="1">
+            <a:spLocks/>
+          </p:cNvSpPr>
+          <p:nvPr/>
+        </p:nvSpPr>
+        <p:spPr>
+          <a:xfrm>
+            <a:off x="6690621" y="1993950"/>
+            <a:ext cx="2183209" cy="577800"/>
+          </a:xfrm>
+          <a:prstGeom prst="rect">
+            <a:avLst/>
+          </a:prstGeom>
+          <a:noFill/>
+          <a:ln>
+            <a:noFill/>
+          </a:ln>
+        </p:spPr>
+        <p:txBody>
+          <a:bodyPr spcFirstLastPara="1" wrap="square" lIns="91425" tIns="91425" rIns="91425" bIns="91425" anchor="b" anchorCtr="0">
+            <a:noAutofit/>
+          </a:bodyPr>
+          <a:lstStyle>
+            <a:defPPr marR="0" lvl="0" algn="l" rtl="0">
+              <a:lnSpc>
+                <a:spcPct val="100000"/>
+              </a:lnSpc>
+              <a:spcBef>
+                <a:spcPts val="0"/>
+              </a:spcBef>
+              <a:spcAft>
+                <a:spcPts val="0"/>
+              </a:spcAft>
+            </a:defPPr>
+            <a:lvl1pPr marR="0" lvl="0" algn="ctr" rtl="0">
+              <a:lnSpc>
+                <a:spcPct val="100000"/>
+              </a:lnSpc>
+              <a:spcBef>
+                <a:spcPts val="0"/>
+              </a:spcBef>
+              <a:spcAft>
+                <a:spcPts val="0"/>
+              </a:spcAft>
+              <a:buClr>
+                <a:srgbClr val="000000"/>
+              </a:buClr>
+              <a:buSzPts val="1800"/>
+              <a:buFont typeface="Fira Sans Condensed Medium"/>
+              <a:buNone/>
+              <a:defRPr sz="2000" b="0" i="0" u="none" strike="noStrike" cap="none">
+                <a:solidFill>
+                  <a:schemeClr val="lt1"/>
+                </a:solidFill>
+                <a:latin typeface="Share Tech"/>
+                <a:ea typeface="Share Tech"/>
+                <a:cs typeface="Share Tech"/>
+                <a:sym typeface="Share Tech"/>
+              </a:defRPr>
+            </a:lvl1pPr>
+            <a:lvl2pPr marR="0" lvl="1" algn="ctr" rtl="0">
+              <a:lnSpc>
+                <a:spcPct val="100000"/>
+              </a:lnSpc>
+              <a:spcBef>
+                <a:spcPts val="0"/>
+              </a:spcBef>
+              <a:spcAft>
+                <a:spcPts val="0"/>
+              </a:spcAft>
+              <a:buClr>
+                <a:srgbClr val="000000"/>
+              </a:buClr>
+              <a:buSzPts val="1800"/>
+              <a:buFont typeface="Fira Sans Condensed Medium"/>
+              <a:buNone/>
+              <a:defRPr sz="1800" b="0" i="0" u="none" strike="noStrike" cap="none">
+                <a:solidFill>
+                  <a:srgbClr val="000000"/>
+                </a:solidFill>
+                <a:latin typeface="Fira Sans Condensed Medium"/>
+                <a:ea typeface="Fira Sans Condensed Medium"/>
+                <a:cs typeface="Fira Sans Condensed Medium"/>
+                <a:sym typeface="Fira Sans Condensed Medium"/>
+              </a:defRPr>
+            </a:lvl2pPr>
+            <a:lvl3pPr marR="0" lvl="2" algn="ctr" rtl="0">
+              <a:lnSpc>
+                <a:spcPct val="100000"/>
+              </a:lnSpc>
+              <a:spcBef>
+                <a:spcPts val="0"/>
+              </a:spcBef>
+              <a:spcAft>
+                <a:spcPts val="0"/>
+              </a:spcAft>
+              <a:buClr>
+                <a:srgbClr val="000000"/>
+              </a:buClr>
+              <a:buSzPts val="1800"/>
+              <a:buFont typeface="Fira Sans Condensed Medium"/>
+              <a:buNone/>
+              <a:defRPr sz="1800" b="0" i="0" u="none" strike="noStrike" cap="none">
+                <a:solidFill>
+                  <a:srgbClr val="000000"/>
+                </a:solidFill>
+                <a:latin typeface="Fira Sans Condensed Medium"/>
+                <a:ea typeface="Fira Sans Condensed Medium"/>
+                <a:cs typeface="Fira Sans Condensed Medium"/>
+                <a:sym typeface="Fira Sans Condensed Medium"/>
+              </a:defRPr>
+            </a:lvl3pPr>
+            <a:lvl4pPr marR="0" lvl="3" algn="ctr" rtl="0">
+              <a:lnSpc>
+                <a:spcPct val="100000"/>
+              </a:lnSpc>
+              <a:spcBef>
+                <a:spcPts val="0"/>
+              </a:spcBef>
+              <a:spcAft>
+                <a:spcPts val="0"/>
+              </a:spcAft>
+              <a:buClr>
+                <a:srgbClr val="000000"/>
+              </a:buClr>
+              <a:buSzPts val="1800"/>
+              <a:buFont typeface="Fira Sans Condensed Medium"/>
+              <a:buNone/>
+              <a:defRPr sz="1800" b="0" i="0" u="none" strike="noStrike" cap="none">
+                <a:solidFill>
+                  <a:srgbClr val="000000"/>
+                </a:solidFill>
+                <a:latin typeface="Fira Sans Condensed Medium"/>
+                <a:ea typeface="Fira Sans Condensed Medium"/>
+                <a:cs typeface="Fira Sans Condensed Medium"/>
+                <a:sym typeface="Fira Sans Condensed Medium"/>
+              </a:defRPr>
+            </a:lvl4pPr>
+            <a:lvl5pPr marR="0" lvl="4" algn="ctr" rtl="0">
+              <a:lnSpc>
+                <a:spcPct val="100000"/>
+              </a:lnSpc>
+              <a:spcBef>
+                <a:spcPts val="0"/>
+              </a:spcBef>
+              <a:spcAft>
+                <a:spcPts val="0"/>
+              </a:spcAft>
+              <a:buClr>
+                <a:srgbClr val="000000"/>
+              </a:buClr>
+              <a:buSzPts val="1800"/>
+              <a:buFont typeface="Fira Sans Condensed Medium"/>
+              <a:buNone/>
+              <a:defRPr sz="1800" b="0" i="0" u="none" strike="noStrike" cap="none">
+                <a:solidFill>
+                  <a:srgbClr val="000000"/>
+                </a:solidFill>
+                <a:latin typeface="Fira Sans Condensed Medium"/>
+                <a:ea typeface="Fira Sans Condensed Medium"/>
+                <a:cs typeface="Fira Sans Condensed Medium"/>
+                <a:sym typeface="Fira Sans Condensed Medium"/>
+              </a:defRPr>
+            </a:lvl5pPr>
+            <a:lvl6pPr marR="0" lvl="5" algn="ctr" rtl="0">
+              <a:lnSpc>
+                <a:spcPct val="100000"/>
+              </a:lnSpc>
+              <a:spcBef>
+                <a:spcPts val="0"/>
+              </a:spcBef>
+              <a:spcAft>
+                <a:spcPts val="0"/>
+              </a:spcAft>
+              <a:buClr>
+                <a:srgbClr val="000000"/>
+              </a:buClr>
+              <a:buSzPts val="1800"/>
+              <a:buFont typeface="Fira Sans Condensed Medium"/>
+              <a:buNone/>
+              <a:defRPr sz="1800" b="0" i="0" u="none" strike="noStrike" cap="none">
+                <a:solidFill>
+                  <a:srgbClr val="000000"/>
+                </a:solidFill>
+                <a:latin typeface="Fira Sans Condensed Medium"/>
+                <a:ea typeface="Fira Sans Condensed Medium"/>
+                <a:cs typeface="Fira Sans Condensed Medium"/>
+                <a:sym typeface="Fira Sans Condensed Medium"/>
+              </a:defRPr>
+            </a:lvl6pPr>
+            <a:lvl7pPr marR="0" lvl="6" algn="ctr" rtl="0">
+              <a:lnSpc>
+                <a:spcPct val="100000"/>
+              </a:lnSpc>
+              <a:spcBef>
+                <a:spcPts val="0"/>
+              </a:spcBef>
+              <a:spcAft>
+                <a:spcPts val="0"/>
+              </a:spcAft>
+              <a:buClr>
+                <a:srgbClr val="000000"/>
+              </a:buClr>
+              <a:buSzPts val="1800"/>
+              <a:buFont typeface="Fira Sans Condensed Medium"/>
+              <a:buNone/>
+              <a:defRPr sz="1800" b="0" i="0" u="none" strike="noStrike" cap="none">
+                <a:solidFill>
+                  <a:srgbClr val="000000"/>
+                </a:solidFill>
+                <a:latin typeface="Fira Sans Condensed Medium"/>
+                <a:ea typeface="Fira Sans Condensed Medium"/>
+                <a:cs typeface="Fira Sans Condensed Medium"/>
+                <a:sym typeface="Fira Sans Condensed Medium"/>
+              </a:defRPr>
+            </a:lvl7pPr>
+            <a:lvl8pPr marR="0" lvl="7" algn="ctr" rtl="0">
+              <a:lnSpc>
+                <a:spcPct val="100000"/>
+              </a:lnSpc>
+              <a:spcBef>
+                <a:spcPts val="0"/>
+              </a:spcBef>
+              <a:spcAft>
+                <a:spcPts val="0"/>
+              </a:spcAft>
+              <a:buClr>
+                <a:srgbClr val="000000"/>
+              </a:buClr>
+              <a:buSzPts val="1800"/>
+              <a:buFont typeface="Fira Sans Condensed Medium"/>
+              <a:buNone/>
+              <a:defRPr sz="1800" b="0" i="0" u="none" strike="noStrike" cap="none">
+                <a:solidFill>
+                  <a:srgbClr val="000000"/>
+                </a:solidFill>
+                <a:latin typeface="Fira Sans Condensed Medium"/>
+                <a:ea typeface="Fira Sans Condensed Medium"/>
+                <a:cs typeface="Fira Sans Condensed Medium"/>
+                <a:sym typeface="Fira Sans Condensed Medium"/>
+              </a:defRPr>
+            </a:lvl8pPr>
+            <a:lvl9pPr marR="0" lvl="8" algn="ctr" rtl="0">
+              <a:lnSpc>
+                <a:spcPct val="100000"/>
+              </a:lnSpc>
+              <a:spcBef>
+                <a:spcPts val="0"/>
+              </a:spcBef>
+              <a:spcAft>
+                <a:spcPts val="0"/>
+              </a:spcAft>
+              <a:buClr>
+                <a:srgbClr val="000000"/>
+              </a:buClr>
+              <a:buSzPts val="1800"/>
+              <a:buFont typeface="Fira Sans Condensed Medium"/>
+              <a:buNone/>
+              <a:defRPr sz="1800" b="0" i="0" u="none" strike="noStrike" cap="none">
+                <a:solidFill>
+                  <a:srgbClr val="000000"/>
+                </a:solidFill>
+                <a:latin typeface="Fira Sans Condensed Medium"/>
+                <a:ea typeface="Fira Sans Condensed Medium"/>
+                <a:cs typeface="Fira Sans Condensed Medium"/>
+                <a:sym typeface="Fira Sans Condensed Medium"/>
+              </a:defRPr>
+            </a:lvl9pPr>
+          </a:lstStyle>
+          <a:p>
+            <a:pPr algn="l"/>
+            <a:r>
+              <a:rPr lang="en-ID" sz="1400" b="1" spc="-5" dirty="0" err="1">
+                <a:solidFill>
+                  <a:srgbClr val="002845"/>
+                </a:solidFill>
+                <a:ea typeface="SimSun" panose="02010600030101010101" pitchFamily="2" charset="-122"/>
+              </a:rPr>
+              <a:t>Memperbaiki</a:t>
+            </a:r>
+            <a:r>
+              <a:rPr lang="en-ID" sz="1400" b="1" spc="-5" dirty="0">
+                <a:solidFill>
+                  <a:srgbClr val="002845"/>
+                </a:solidFill>
+                <a:ea typeface="SimSun" panose="02010600030101010101" pitchFamily="2" charset="-122"/>
+              </a:rPr>
+              <a:t> </a:t>
+            </a:r>
+            <a:r>
+              <a:rPr lang="en-ID" sz="1400" b="1" spc="-5" dirty="0" err="1">
+                <a:solidFill>
+                  <a:srgbClr val="002845"/>
+                </a:solidFill>
+                <a:ea typeface="SimSun" panose="02010600030101010101" pitchFamily="2" charset="-122"/>
+              </a:rPr>
+              <a:t>masalah</a:t>
+            </a:r>
+            <a:r>
+              <a:rPr lang="en-ID" sz="1400" b="1" spc="-5" dirty="0">
+                <a:solidFill>
+                  <a:srgbClr val="002845"/>
+                </a:solidFill>
+                <a:ea typeface="SimSun" panose="02010600030101010101" pitchFamily="2" charset="-122"/>
+              </a:rPr>
+              <a:t> yang </a:t>
+            </a:r>
+            <a:r>
+              <a:rPr lang="en-ID" sz="1400" b="1" spc="-5" dirty="0" err="1">
+                <a:solidFill>
+                  <a:srgbClr val="002845"/>
+                </a:solidFill>
+                <a:ea typeface="SimSun" panose="02010600030101010101" pitchFamily="2" charset="-122"/>
+              </a:rPr>
+              <a:t>terdapat</a:t>
+            </a:r>
+            <a:r>
+              <a:rPr lang="en-ID" sz="1400" b="1" spc="-5" dirty="0">
+                <a:solidFill>
+                  <a:srgbClr val="002845"/>
+                </a:solidFill>
+                <a:ea typeface="SimSun" panose="02010600030101010101" pitchFamily="2" charset="-122"/>
+              </a:rPr>
+              <a:t> pada data</a:t>
+            </a:r>
+          </a:p>
+        </p:txBody>
+      </p:sp>
+      <p:sp>
+        <p:nvSpPr>
+          <p:cNvPr id="11" name="TextBox 10">
+            <a:extLst>
+              <a:ext uri="{FF2B5EF4-FFF2-40B4-BE49-F238E27FC236}">
+                <a16:creationId xmlns:a16="http://schemas.microsoft.com/office/drawing/2014/main" id="{E32F72E8-E357-437F-B343-7D6C3082C134}"/>
+              </a:ext>
+            </a:extLst>
+          </p:cNvPr>
+          <p:cNvSpPr txBox="1"/>
+          <p:nvPr/>
+        </p:nvSpPr>
+        <p:spPr>
+          <a:xfrm>
+            <a:off x="6093502" y="3554289"/>
+            <a:ext cx="2908091" cy="738664"/>
+          </a:xfrm>
+          <a:prstGeom prst="rect">
+            <a:avLst/>
+          </a:prstGeom>
+          <a:noFill/>
+        </p:spPr>
+        <p:txBody>
+          <a:bodyPr wrap="square">
+            <a:spAutoFit/>
+          </a:bodyPr>
+          <a:lstStyle/>
+          <a:p>
+            <a:r>
+              <a:rPr lang="en-ID" b="1" spc="-5" dirty="0" err="1">
+                <a:solidFill>
+                  <a:srgbClr val="002845"/>
+                </a:solidFill>
+                <a:latin typeface="Share Tech"/>
+                <a:ea typeface="SimSun" panose="02010600030101010101" pitchFamily="2" charset="-122"/>
+                <a:sym typeface="Share Tech"/>
+              </a:rPr>
+              <a:t>Pemilihan</a:t>
+            </a:r>
+            <a:r>
+              <a:rPr lang="en-ID" b="1" spc="-5" dirty="0">
+                <a:solidFill>
+                  <a:srgbClr val="002845"/>
+                </a:solidFill>
+                <a:latin typeface="Share Tech"/>
+                <a:ea typeface="SimSun" panose="02010600030101010101" pitchFamily="2" charset="-122"/>
+                <a:sym typeface="Share Tech"/>
+              </a:rPr>
+              <a:t> </a:t>
+            </a:r>
+            <a:r>
+              <a:rPr lang="en-ID" b="1" spc="-5" dirty="0" err="1">
+                <a:solidFill>
+                  <a:srgbClr val="002845"/>
+                </a:solidFill>
+                <a:latin typeface="Share Tech"/>
+                <a:ea typeface="SimSun" panose="02010600030101010101" pitchFamily="2" charset="-122"/>
+                <a:sym typeface="Share Tech"/>
+              </a:rPr>
+              <a:t>teknik</a:t>
+            </a:r>
+            <a:r>
+              <a:rPr lang="en-ID" b="1" spc="-5" dirty="0">
+                <a:solidFill>
+                  <a:srgbClr val="002845"/>
+                </a:solidFill>
+                <a:latin typeface="Share Tech"/>
+                <a:ea typeface="SimSun" panose="02010600030101010101" pitchFamily="2" charset="-122"/>
+                <a:sym typeface="Share Tech"/>
+              </a:rPr>
+              <a:t> data mining dan </a:t>
+            </a:r>
+            <a:r>
+              <a:rPr lang="en-ID" b="1" spc="-5" dirty="0" err="1">
+                <a:solidFill>
+                  <a:srgbClr val="002845"/>
+                </a:solidFill>
+                <a:latin typeface="Share Tech"/>
+                <a:ea typeface="SimSun" panose="02010600030101010101" pitchFamily="2" charset="-122"/>
+                <a:sym typeface="Share Tech"/>
+              </a:rPr>
+              <a:t>menentukan</a:t>
+            </a:r>
+            <a:r>
+              <a:rPr lang="en-ID" b="1" spc="-5" dirty="0">
+                <a:solidFill>
+                  <a:srgbClr val="002845"/>
+                </a:solidFill>
+                <a:latin typeface="Share Tech"/>
+                <a:ea typeface="SimSun" panose="02010600030101010101" pitchFamily="2" charset="-122"/>
+                <a:sym typeface="Share Tech"/>
+              </a:rPr>
+              <a:t> parameter </a:t>
+            </a:r>
+            <a:r>
+              <a:rPr lang="en-ID" b="1" spc="-5" dirty="0" err="1">
+                <a:solidFill>
+                  <a:srgbClr val="002845"/>
+                </a:solidFill>
+                <a:latin typeface="Share Tech"/>
+                <a:ea typeface="SimSun" panose="02010600030101010101" pitchFamily="2" charset="-122"/>
+                <a:sym typeface="Share Tech"/>
+              </a:rPr>
+              <a:t>dengan</a:t>
+            </a:r>
+            <a:r>
+              <a:rPr lang="en-ID" b="1" spc="-5" dirty="0">
+                <a:solidFill>
+                  <a:srgbClr val="002845"/>
+                </a:solidFill>
+                <a:latin typeface="Share Tech"/>
+                <a:ea typeface="SimSun" panose="02010600030101010101" pitchFamily="2" charset="-122"/>
+                <a:sym typeface="Share Tech"/>
+              </a:rPr>
+              <a:t> </a:t>
+            </a:r>
+            <a:r>
+              <a:rPr lang="en-ID" b="1" spc="-5" dirty="0" err="1">
+                <a:solidFill>
+                  <a:srgbClr val="002845"/>
+                </a:solidFill>
+                <a:latin typeface="Share Tech"/>
+                <a:ea typeface="SimSun" panose="02010600030101010101" pitchFamily="2" charset="-122"/>
+                <a:sym typeface="Share Tech"/>
+              </a:rPr>
+              <a:t>nilai</a:t>
+            </a:r>
+            <a:r>
+              <a:rPr lang="en-ID" b="1" spc="-5" dirty="0">
+                <a:solidFill>
+                  <a:srgbClr val="002845"/>
+                </a:solidFill>
+                <a:latin typeface="Share Tech"/>
+                <a:ea typeface="SimSun" panose="02010600030101010101" pitchFamily="2" charset="-122"/>
+                <a:sym typeface="Share Tech"/>
+              </a:rPr>
+              <a:t> yang optimal.</a:t>
+            </a:r>
+          </a:p>
+        </p:txBody>
+      </p:sp>
+      <p:sp>
+        <p:nvSpPr>
+          <p:cNvPr id="16" name="TextBox 15">
+            <a:extLst>
+              <a:ext uri="{FF2B5EF4-FFF2-40B4-BE49-F238E27FC236}">
+                <a16:creationId xmlns:a16="http://schemas.microsoft.com/office/drawing/2014/main" id="{47B25A13-DA2E-40BB-8D9C-F57115BA8241}"/>
+              </a:ext>
+            </a:extLst>
+          </p:cNvPr>
+          <p:cNvSpPr txBox="1"/>
+          <p:nvPr/>
+        </p:nvSpPr>
+        <p:spPr>
+          <a:xfrm>
+            <a:off x="2929227" y="4513657"/>
+            <a:ext cx="2979057" cy="523220"/>
+          </a:xfrm>
+          <a:prstGeom prst="rect">
+            <a:avLst/>
+          </a:prstGeom>
+          <a:noFill/>
+        </p:spPr>
+        <p:txBody>
+          <a:bodyPr wrap="square">
+            <a:spAutoFit/>
+          </a:bodyPr>
+          <a:lstStyle/>
+          <a:p>
+            <a:pPr algn="ctr"/>
+            <a:r>
+              <a:rPr lang="en-ID" b="1" spc="-5" dirty="0" err="1">
+                <a:solidFill>
+                  <a:srgbClr val="002845"/>
+                </a:solidFill>
+                <a:latin typeface="Share Tech"/>
+                <a:ea typeface="SimSun" panose="02010600030101010101" pitchFamily="2" charset="-122"/>
+                <a:sym typeface="Share Tech"/>
+              </a:rPr>
+              <a:t>Evaluasi</a:t>
+            </a:r>
+            <a:r>
+              <a:rPr lang="en-ID" b="1" spc="-5" dirty="0">
+                <a:solidFill>
+                  <a:srgbClr val="002845"/>
+                </a:solidFill>
+                <a:latin typeface="Share Tech"/>
+                <a:ea typeface="SimSun" panose="02010600030101010101" pitchFamily="2" charset="-122"/>
+                <a:sym typeface="Share Tech"/>
+              </a:rPr>
+              <a:t> </a:t>
+            </a:r>
+            <a:r>
+              <a:rPr lang="en-ID" b="1" spc="-5" dirty="0" err="1">
+                <a:solidFill>
+                  <a:srgbClr val="002845"/>
+                </a:solidFill>
+                <a:latin typeface="Share Tech"/>
+                <a:ea typeface="SimSun" panose="02010600030101010101" pitchFamily="2" charset="-122"/>
+                <a:sym typeface="Share Tech"/>
+              </a:rPr>
+              <a:t>terhadap</a:t>
+            </a:r>
+            <a:r>
+              <a:rPr lang="en-ID" b="1" spc="-5" dirty="0">
+                <a:solidFill>
+                  <a:srgbClr val="002845"/>
+                </a:solidFill>
+                <a:latin typeface="Share Tech"/>
+                <a:ea typeface="SimSun" panose="02010600030101010101" pitchFamily="2" charset="-122"/>
+                <a:sym typeface="Share Tech"/>
+              </a:rPr>
+              <a:t> </a:t>
+            </a:r>
+            <a:r>
+              <a:rPr lang="en-ID" b="1" spc="-5" dirty="0" err="1">
+                <a:solidFill>
+                  <a:srgbClr val="002845"/>
+                </a:solidFill>
+                <a:latin typeface="Share Tech"/>
+                <a:ea typeface="SimSun" panose="02010600030101010101" pitchFamily="2" charset="-122"/>
+                <a:sym typeface="Share Tech"/>
+              </a:rPr>
+              <a:t>kualitas</a:t>
+            </a:r>
+            <a:r>
+              <a:rPr lang="en-ID" b="1" spc="-5" dirty="0">
+                <a:solidFill>
+                  <a:srgbClr val="002845"/>
+                </a:solidFill>
+                <a:latin typeface="Share Tech"/>
+                <a:ea typeface="SimSun" panose="02010600030101010101" pitchFamily="2" charset="-122"/>
+                <a:sym typeface="Share Tech"/>
+              </a:rPr>
+              <a:t> dan </a:t>
+            </a:r>
+            <a:r>
+              <a:rPr lang="en-ID" b="1" spc="-5" dirty="0" err="1">
+                <a:solidFill>
+                  <a:srgbClr val="002845"/>
+                </a:solidFill>
+                <a:latin typeface="Share Tech"/>
+                <a:ea typeface="SimSun" panose="02010600030101010101" pitchFamily="2" charset="-122"/>
+                <a:sym typeface="Share Tech"/>
+              </a:rPr>
+              <a:t>efektivitas</a:t>
+            </a:r>
+            <a:r>
+              <a:rPr lang="en-ID" b="1" spc="-5" dirty="0">
+                <a:solidFill>
+                  <a:srgbClr val="002845"/>
+                </a:solidFill>
+                <a:latin typeface="Share Tech"/>
+                <a:ea typeface="SimSun" panose="02010600030101010101" pitchFamily="2" charset="-122"/>
+                <a:sym typeface="Share Tech"/>
+              </a:rPr>
+              <a:t> </a:t>
+            </a:r>
+            <a:r>
+              <a:rPr lang="en-ID" b="1" spc="-5" dirty="0" err="1">
+                <a:solidFill>
+                  <a:srgbClr val="002845"/>
+                </a:solidFill>
+                <a:latin typeface="Share Tech"/>
+                <a:ea typeface="SimSun" panose="02010600030101010101" pitchFamily="2" charset="-122"/>
+                <a:sym typeface="Share Tech"/>
+              </a:rPr>
+              <a:t>dalam</a:t>
+            </a:r>
+            <a:r>
+              <a:rPr lang="en-ID" b="1" spc="-5" dirty="0">
+                <a:solidFill>
+                  <a:srgbClr val="002845"/>
+                </a:solidFill>
+                <a:latin typeface="Share Tech"/>
+                <a:ea typeface="SimSun" panose="02010600030101010101" pitchFamily="2" charset="-122"/>
+                <a:sym typeface="Share Tech"/>
+              </a:rPr>
+              <a:t> </a:t>
+            </a:r>
+            <a:r>
+              <a:rPr lang="en-ID" b="1" spc="-5" dirty="0" err="1">
+                <a:solidFill>
+                  <a:srgbClr val="002845"/>
+                </a:solidFill>
+                <a:latin typeface="Share Tech"/>
+                <a:ea typeface="SimSun" panose="02010600030101010101" pitchFamily="2" charset="-122"/>
+                <a:sym typeface="Share Tech"/>
+              </a:rPr>
+              <a:t>fase</a:t>
+            </a:r>
+            <a:r>
+              <a:rPr lang="en-ID" b="1" spc="-5" dirty="0">
+                <a:solidFill>
+                  <a:srgbClr val="002845"/>
+                </a:solidFill>
+                <a:latin typeface="Share Tech"/>
+                <a:ea typeface="SimSun" panose="02010600030101010101" pitchFamily="2" charset="-122"/>
+                <a:sym typeface="Share Tech"/>
+              </a:rPr>
+              <a:t> </a:t>
+            </a:r>
+            <a:r>
+              <a:rPr lang="en-ID" b="1" spc="-5" dirty="0" err="1">
+                <a:solidFill>
+                  <a:srgbClr val="002845"/>
+                </a:solidFill>
+                <a:latin typeface="Share Tech"/>
+                <a:ea typeface="SimSun" panose="02010600030101010101" pitchFamily="2" charset="-122"/>
+                <a:sym typeface="Share Tech"/>
+              </a:rPr>
+              <a:t>pemodelan</a:t>
+            </a:r>
+            <a:endParaRPr lang="en-ID" b="1" spc="-5" dirty="0">
+              <a:solidFill>
+                <a:srgbClr val="002845"/>
+              </a:solidFill>
+              <a:latin typeface="Share Tech"/>
+              <a:ea typeface="SimSun" panose="02010600030101010101" pitchFamily="2" charset="-122"/>
+              <a:sym typeface="Share Tech"/>
+            </a:endParaRPr>
+          </a:p>
+        </p:txBody>
+      </p:sp>
+      <p:sp>
+        <p:nvSpPr>
+          <p:cNvPr id="17" name="TextBox 16">
+            <a:extLst>
+              <a:ext uri="{FF2B5EF4-FFF2-40B4-BE49-F238E27FC236}">
+                <a16:creationId xmlns:a16="http://schemas.microsoft.com/office/drawing/2014/main" id="{9B4F3645-2FEC-4E3C-AF43-880E17227721}"/>
+              </a:ext>
+            </a:extLst>
+          </p:cNvPr>
+          <p:cNvSpPr txBox="1"/>
+          <p:nvPr/>
+        </p:nvSpPr>
+        <p:spPr>
+          <a:xfrm>
+            <a:off x="-38058" y="2518753"/>
+            <a:ext cx="2304640" cy="523220"/>
+          </a:xfrm>
+          <a:prstGeom prst="rect">
+            <a:avLst/>
+          </a:prstGeom>
+          <a:noFill/>
+        </p:spPr>
+        <p:txBody>
+          <a:bodyPr wrap="square">
+            <a:spAutoFit/>
+          </a:bodyPr>
+          <a:lstStyle/>
+          <a:p>
+            <a:pPr algn="r"/>
+            <a:r>
+              <a:rPr lang="en-US" b="1" spc="-5" dirty="0">
+                <a:solidFill>
+                  <a:srgbClr val="002845"/>
+                </a:solidFill>
+                <a:latin typeface="Share Tech"/>
+                <a:ea typeface="SimSun" panose="02010600030101010101" pitchFamily="2" charset="-122"/>
+                <a:sym typeface="Share Tech"/>
+              </a:rPr>
+              <a:t>H</a:t>
+            </a:r>
+            <a:r>
+              <a:rPr lang="en-ID" b="1" spc="-5" dirty="0" err="1">
+                <a:solidFill>
+                  <a:srgbClr val="002845"/>
+                </a:solidFill>
+                <a:latin typeface="Share Tech"/>
+                <a:ea typeface="SimSun" panose="02010600030101010101" pitchFamily="2" charset="-122"/>
+                <a:sym typeface="Share Tech"/>
+              </a:rPr>
+              <a:t>asil</a:t>
+            </a:r>
+            <a:r>
+              <a:rPr lang="en-ID" b="1" spc="-5" dirty="0">
+                <a:solidFill>
+                  <a:srgbClr val="002845"/>
+                </a:solidFill>
+                <a:latin typeface="Share Tech"/>
+                <a:ea typeface="SimSun" panose="02010600030101010101" pitchFamily="2" charset="-122"/>
+                <a:sym typeface="Share Tech"/>
+              </a:rPr>
+              <a:t> </a:t>
+            </a:r>
+            <a:r>
+              <a:rPr lang="en-ID" b="1" spc="-5" dirty="0" err="1">
+                <a:solidFill>
+                  <a:srgbClr val="002845"/>
+                </a:solidFill>
+                <a:latin typeface="Share Tech"/>
+                <a:ea typeface="SimSun" panose="02010600030101010101" pitchFamily="2" charset="-122"/>
+                <a:sym typeface="Share Tech"/>
+              </a:rPr>
+              <a:t>dipersentasikan</a:t>
+            </a:r>
+            <a:r>
+              <a:rPr lang="en-ID" b="1" spc="-5" dirty="0">
+                <a:solidFill>
+                  <a:srgbClr val="002845"/>
+                </a:solidFill>
+                <a:latin typeface="Share Tech"/>
+                <a:ea typeface="SimSun" panose="02010600030101010101" pitchFamily="2" charset="-122"/>
+                <a:sym typeface="Share Tech"/>
+              </a:rPr>
+              <a:t> </a:t>
+            </a:r>
+            <a:r>
+              <a:rPr lang="en-ID" b="1" spc="-5" dirty="0" err="1">
+                <a:solidFill>
+                  <a:srgbClr val="002845"/>
+                </a:solidFill>
+                <a:latin typeface="Share Tech"/>
+                <a:ea typeface="SimSun" panose="02010600030101010101" pitchFamily="2" charset="-122"/>
+                <a:sym typeface="Share Tech"/>
+              </a:rPr>
+              <a:t>ke</a:t>
+            </a:r>
+            <a:r>
+              <a:rPr lang="en-ID" b="1" spc="-5" dirty="0">
+                <a:solidFill>
+                  <a:srgbClr val="002845"/>
+                </a:solidFill>
+                <a:latin typeface="Share Tech"/>
+                <a:ea typeface="SimSun" panose="02010600030101010101" pitchFamily="2" charset="-122"/>
+                <a:sym typeface="Share Tech"/>
+              </a:rPr>
+              <a:t> </a:t>
+            </a:r>
+            <a:r>
+              <a:rPr lang="en-ID" b="1" spc="-5" dirty="0" err="1">
+                <a:solidFill>
+                  <a:srgbClr val="002845"/>
+                </a:solidFill>
+                <a:latin typeface="Share Tech"/>
+                <a:ea typeface="SimSun" panose="02010600030101010101" pitchFamily="2" charset="-122"/>
+                <a:sym typeface="Share Tech"/>
+              </a:rPr>
+              <a:t>dalam</a:t>
+            </a:r>
+            <a:r>
+              <a:rPr lang="en-ID" b="1" spc="-5" dirty="0">
+                <a:solidFill>
+                  <a:srgbClr val="002845"/>
+                </a:solidFill>
+                <a:latin typeface="Share Tech"/>
+                <a:ea typeface="SimSun" panose="02010600030101010101" pitchFamily="2" charset="-122"/>
+                <a:sym typeface="Share Tech"/>
+              </a:rPr>
+              <a:t> </a:t>
+            </a:r>
+            <a:r>
+              <a:rPr lang="en-ID" b="1" spc="-5" dirty="0" err="1">
+                <a:solidFill>
+                  <a:srgbClr val="002845"/>
+                </a:solidFill>
+                <a:latin typeface="Share Tech"/>
+                <a:ea typeface="SimSun" panose="02010600030101010101" pitchFamily="2" charset="-122"/>
+                <a:sym typeface="Share Tech"/>
+              </a:rPr>
+              <a:t>bentuk</a:t>
+            </a:r>
+            <a:r>
+              <a:rPr lang="en-ID" b="1" spc="-5" dirty="0">
+                <a:solidFill>
+                  <a:srgbClr val="002845"/>
+                </a:solidFill>
+                <a:latin typeface="Share Tech"/>
+                <a:ea typeface="SimSun" panose="02010600030101010101" pitchFamily="2" charset="-122"/>
+                <a:sym typeface="Share Tech"/>
+              </a:rPr>
+              <a:t> web base</a:t>
+            </a:r>
+          </a:p>
+        </p:txBody>
+      </p:sp>
     </p:spTree>
     <p:extLst>
       <p:ext uri="{BB962C8B-B14F-4D97-AF65-F5344CB8AC3E}">
@@ -29165,6 +34640,422 @@
   <p:clrMapOvr>
     <a:masterClrMapping/>
   </p:clrMapOvr>
+  <p:timing>
+    <p:tnLst>
+      <p:par>
+        <p:cTn id="1" dur="indefinite" restart="never" nodeType="tmRoot">
+          <p:childTnLst>
+            <p:seq concurrent="1" nextAc="seek">
+              <p:cTn id="2" dur="indefinite" nodeType="mainSeq">
+                <p:childTnLst>
+                  <p:par>
+                    <p:cTn id="3" fill="hold">
+                      <p:stCondLst>
+                        <p:cond delay="indefinite"/>
+                      </p:stCondLst>
+                      <p:childTnLst>
+                        <p:par>
+                          <p:cTn id="4" fill="hold">
+                            <p:stCondLst>
+                              <p:cond delay="0"/>
+                            </p:stCondLst>
+                            <p:childTnLst>
+                              <p:par>
+                                <p:cTn id="5" presetID="10" presetClass="entr" presetSubtype="0" fill="hold" nodeType="clickEffect">
+                                  <p:stCondLst>
+                                    <p:cond delay="0"/>
+                                  </p:stCondLst>
+                                  <p:childTnLst>
+                                    <p:set>
+                                      <p:cBhvr>
+                                        <p:cTn id="6" dur="1" fill="hold">
+                                          <p:stCondLst>
+                                            <p:cond delay="0"/>
+                                          </p:stCondLst>
+                                        </p:cTn>
+                                        <p:tgtEl>
+                                          <p:spTgt spid="13"/>
+                                        </p:tgtEl>
+                                        <p:attrNameLst>
+                                          <p:attrName>style.visibility</p:attrName>
+                                        </p:attrNameLst>
+                                      </p:cBhvr>
+                                      <p:to>
+                                        <p:strVal val="visible"/>
+                                      </p:to>
+                                    </p:set>
+                                    <p:animEffect transition="in" filter="fade">
+                                      <p:cBhvr>
+                                        <p:cTn id="7" dur="500"/>
+                                        <p:tgtEl>
+                                          <p:spTgt spid="13"/>
+                                        </p:tgtEl>
+                                      </p:cBhvr>
+                                    </p:animEffect>
+                                  </p:childTnLst>
+                                </p:cTn>
+                              </p:par>
+                            </p:childTnLst>
+                          </p:cTn>
+                        </p:par>
+                      </p:childTnLst>
+                    </p:cTn>
+                  </p:par>
+                  <p:par>
+                    <p:cTn id="8" fill="hold">
+                      <p:stCondLst>
+                        <p:cond delay="indefinite"/>
+                      </p:stCondLst>
+                      <p:childTnLst>
+                        <p:par>
+                          <p:cTn id="9" fill="hold">
+                            <p:stCondLst>
+                              <p:cond delay="0"/>
+                            </p:stCondLst>
+                            <p:childTnLst>
+                              <p:par>
+                                <p:cTn id="10" presetID="10" presetClass="entr" presetSubtype="0" fill="hold" grpId="0" nodeType="clickEffect">
+                                  <p:stCondLst>
+                                    <p:cond delay="0"/>
+                                  </p:stCondLst>
+                                  <p:childTnLst>
+                                    <p:set>
+                                      <p:cBhvr>
+                                        <p:cTn id="11" dur="1" fill="hold">
+                                          <p:stCondLst>
+                                            <p:cond delay="0"/>
+                                          </p:stCondLst>
+                                        </p:cTn>
+                                        <p:tgtEl>
+                                          <p:spTgt spid="5"/>
+                                        </p:tgtEl>
+                                        <p:attrNameLst>
+                                          <p:attrName>style.visibility</p:attrName>
+                                        </p:attrNameLst>
+                                      </p:cBhvr>
+                                      <p:to>
+                                        <p:strVal val="visible"/>
+                                      </p:to>
+                                    </p:set>
+                                    <p:animEffect transition="in" filter="fade">
+                                      <p:cBhvr>
+                                        <p:cTn id="12" dur="500"/>
+                                        <p:tgtEl>
+                                          <p:spTgt spid="5"/>
+                                        </p:tgtEl>
+                                      </p:cBhvr>
+                                    </p:animEffect>
+                                  </p:childTnLst>
+                                </p:cTn>
+                              </p:par>
+                            </p:childTnLst>
+                          </p:cTn>
+                        </p:par>
+                      </p:childTnLst>
+                    </p:cTn>
+                  </p:par>
+                  <p:par>
+                    <p:cTn id="13" fill="hold">
+                      <p:stCondLst>
+                        <p:cond delay="indefinite"/>
+                      </p:stCondLst>
+                      <p:childTnLst>
+                        <p:par>
+                          <p:cTn id="14" fill="hold">
+                            <p:stCondLst>
+                              <p:cond delay="0"/>
+                            </p:stCondLst>
+                            <p:childTnLst>
+                              <p:par>
+                                <p:cTn id="15" presetID="10" presetClass="entr" presetSubtype="0" fill="hold" grpId="0" nodeType="clickEffect">
+                                  <p:stCondLst>
+                                    <p:cond delay="0"/>
+                                  </p:stCondLst>
+                                  <p:childTnLst>
+                                    <p:set>
+                                      <p:cBhvr>
+                                        <p:cTn id="16" dur="1" fill="hold">
+                                          <p:stCondLst>
+                                            <p:cond delay="0"/>
+                                          </p:stCondLst>
+                                        </p:cTn>
+                                        <p:tgtEl>
+                                          <p:spTgt spid="6"/>
+                                        </p:tgtEl>
+                                        <p:attrNameLst>
+                                          <p:attrName>style.visibility</p:attrName>
+                                        </p:attrNameLst>
+                                      </p:cBhvr>
+                                      <p:to>
+                                        <p:strVal val="visible"/>
+                                      </p:to>
+                                    </p:set>
+                                    <p:animEffect transition="in" filter="fade">
+                                      <p:cBhvr>
+                                        <p:cTn id="17" dur="500"/>
+                                        <p:tgtEl>
+                                          <p:spTgt spid="6"/>
+                                        </p:tgtEl>
+                                      </p:cBhvr>
+                                    </p:animEffect>
+                                  </p:childTnLst>
+                                </p:cTn>
+                              </p:par>
+                            </p:childTnLst>
+                          </p:cTn>
+                        </p:par>
+                      </p:childTnLst>
+                    </p:cTn>
+                  </p:par>
+                  <p:par>
+                    <p:cTn id="18" fill="hold">
+                      <p:stCondLst>
+                        <p:cond delay="indefinite"/>
+                      </p:stCondLst>
+                      <p:childTnLst>
+                        <p:par>
+                          <p:cTn id="19" fill="hold">
+                            <p:stCondLst>
+                              <p:cond delay="0"/>
+                            </p:stCondLst>
+                            <p:childTnLst>
+                              <p:par>
+                                <p:cTn id="20" presetID="10" presetClass="entr" presetSubtype="0" fill="hold" nodeType="clickEffect">
+                                  <p:stCondLst>
+                                    <p:cond delay="0"/>
+                                  </p:stCondLst>
+                                  <p:childTnLst>
+                                    <p:set>
+                                      <p:cBhvr>
+                                        <p:cTn id="21" dur="1" fill="hold">
+                                          <p:stCondLst>
+                                            <p:cond delay="0"/>
+                                          </p:stCondLst>
+                                        </p:cTn>
+                                        <p:tgtEl>
+                                          <p:spTgt spid="7">
+                                            <p:txEl>
+                                              <p:pRg st="0" end="0"/>
+                                            </p:txEl>
+                                          </p:spTgt>
+                                        </p:tgtEl>
+                                        <p:attrNameLst>
+                                          <p:attrName>style.visibility</p:attrName>
+                                        </p:attrNameLst>
+                                      </p:cBhvr>
+                                      <p:to>
+                                        <p:strVal val="visible"/>
+                                      </p:to>
+                                    </p:set>
+                                    <p:animEffect transition="in" filter="fade">
+                                      <p:cBhvr>
+                                        <p:cTn id="22" dur="500"/>
+                                        <p:tgtEl>
+                                          <p:spTgt spid="7">
+                                            <p:txEl>
+                                              <p:pRg st="0" end="0"/>
+                                            </p:txEl>
+                                          </p:spTgt>
+                                        </p:tgtEl>
+                                      </p:cBhvr>
+                                    </p:animEffect>
+                                  </p:childTnLst>
+                                </p:cTn>
+                              </p:par>
+                            </p:childTnLst>
+                          </p:cTn>
+                        </p:par>
+                      </p:childTnLst>
+                    </p:cTn>
+                  </p:par>
+                  <p:par>
+                    <p:cTn id="23" fill="hold">
+                      <p:stCondLst>
+                        <p:cond delay="indefinite"/>
+                      </p:stCondLst>
+                      <p:childTnLst>
+                        <p:par>
+                          <p:cTn id="24" fill="hold">
+                            <p:stCondLst>
+                              <p:cond delay="0"/>
+                            </p:stCondLst>
+                            <p:childTnLst>
+                              <p:par>
+                                <p:cTn id="25" presetID="10" presetClass="entr" presetSubtype="0" fill="hold" grpId="0" nodeType="clickEffect">
+                                  <p:stCondLst>
+                                    <p:cond delay="0"/>
+                                  </p:stCondLst>
+                                  <p:childTnLst>
+                                    <p:set>
+                                      <p:cBhvr>
+                                        <p:cTn id="26" dur="1" fill="hold">
+                                          <p:stCondLst>
+                                            <p:cond delay="0"/>
+                                          </p:stCondLst>
+                                        </p:cTn>
+                                        <p:tgtEl>
+                                          <p:spTgt spid="11"/>
+                                        </p:tgtEl>
+                                        <p:attrNameLst>
+                                          <p:attrName>style.visibility</p:attrName>
+                                        </p:attrNameLst>
+                                      </p:cBhvr>
+                                      <p:to>
+                                        <p:strVal val="visible"/>
+                                      </p:to>
+                                    </p:set>
+                                    <p:animEffect transition="in" filter="fade">
+                                      <p:cBhvr>
+                                        <p:cTn id="27" dur="500"/>
+                                        <p:tgtEl>
+                                          <p:spTgt spid="11"/>
+                                        </p:tgtEl>
+                                      </p:cBhvr>
+                                    </p:animEffect>
+                                  </p:childTnLst>
+                                </p:cTn>
+                              </p:par>
+                            </p:childTnLst>
+                          </p:cTn>
+                        </p:par>
+                      </p:childTnLst>
+                    </p:cTn>
+                  </p:par>
+                  <p:par>
+                    <p:cTn id="28" fill="hold">
+                      <p:stCondLst>
+                        <p:cond delay="indefinite"/>
+                      </p:stCondLst>
+                      <p:childTnLst>
+                        <p:par>
+                          <p:cTn id="29" fill="hold">
+                            <p:stCondLst>
+                              <p:cond delay="0"/>
+                            </p:stCondLst>
+                            <p:childTnLst>
+                              <p:par>
+                                <p:cTn id="30" presetID="10" presetClass="entr" presetSubtype="0" fill="hold" grpId="0" nodeType="clickEffect">
+                                  <p:stCondLst>
+                                    <p:cond delay="0"/>
+                                  </p:stCondLst>
+                                  <p:childTnLst>
+                                    <p:set>
+                                      <p:cBhvr>
+                                        <p:cTn id="31" dur="1" fill="hold">
+                                          <p:stCondLst>
+                                            <p:cond delay="0"/>
+                                          </p:stCondLst>
+                                        </p:cTn>
+                                        <p:tgtEl>
+                                          <p:spTgt spid="16"/>
+                                        </p:tgtEl>
+                                        <p:attrNameLst>
+                                          <p:attrName>style.visibility</p:attrName>
+                                        </p:attrNameLst>
+                                      </p:cBhvr>
+                                      <p:to>
+                                        <p:strVal val="visible"/>
+                                      </p:to>
+                                    </p:set>
+                                    <p:animEffect transition="in" filter="fade">
+                                      <p:cBhvr>
+                                        <p:cTn id="32" dur="500"/>
+                                        <p:tgtEl>
+                                          <p:spTgt spid="16"/>
+                                        </p:tgtEl>
+                                      </p:cBhvr>
+                                    </p:animEffect>
+                                  </p:childTnLst>
+                                </p:cTn>
+                              </p:par>
+                            </p:childTnLst>
+                          </p:cTn>
+                        </p:par>
+                      </p:childTnLst>
+                    </p:cTn>
+                  </p:par>
+                  <p:par>
+                    <p:cTn id="33" fill="hold">
+                      <p:stCondLst>
+                        <p:cond delay="indefinite"/>
+                      </p:stCondLst>
+                      <p:childTnLst>
+                        <p:par>
+                          <p:cTn id="34" fill="hold">
+                            <p:stCondLst>
+                              <p:cond delay="0"/>
+                            </p:stCondLst>
+                            <p:childTnLst>
+                              <p:par>
+                                <p:cTn id="35" presetID="10" presetClass="entr" presetSubtype="0" fill="hold" grpId="0" nodeType="clickEffect">
+                                  <p:stCondLst>
+                                    <p:cond delay="0"/>
+                                  </p:stCondLst>
+                                  <p:childTnLst>
+                                    <p:set>
+                                      <p:cBhvr>
+                                        <p:cTn id="36" dur="1" fill="hold">
+                                          <p:stCondLst>
+                                            <p:cond delay="0"/>
+                                          </p:stCondLst>
+                                        </p:cTn>
+                                        <p:tgtEl>
+                                          <p:spTgt spid="17"/>
+                                        </p:tgtEl>
+                                        <p:attrNameLst>
+                                          <p:attrName>style.visibility</p:attrName>
+                                        </p:attrNameLst>
+                                      </p:cBhvr>
+                                      <p:to>
+                                        <p:strVal val="visible"/>
+                                      </p:to>
+                                    </p:set>
+                                    <p:animEffect transition="in" filter="fade">
+                                      <p:cBhvr>
+                                        <p:cTn id="37" dur="500"/>
+                                        <p:tgtEl>
+                                          <p:spTgt spid="17"/>
+                                        </p:tgtEl>
+                                      </p:cBhvr>
+                                    </p:animEffect>
+                                  </p:childTnLst>
+                                </p:cTn>
+                              </p:par>
+                            </p:childTnLst>
+                          </p:cTn>
+                        </p:par>
+                      </p:childTnLst>
+                    </p:cTn>
+                  </p:par>
+                </p:childTnLst>
+              </p:cTn>
+              <p:prevCondLst>
+                <p:cond evt="onPrev" delay="0">
+                  <p:tgtEl>
+                    <p:sldTgt/>
+                  </p:tgtEl>
+                </p:cond>
+              </p:prevCondLst>
+              <p:nextCondLst>
+                <p:cond evt="onNext" delay="0">
+                  <p:tgtEl>
+                    <p:sldTgt/>
+                  </p:tgtEl>
+                </p:cond>
+              </p:nextCondLst>
+            </p:seq>
+          </p:childTnLst>
+        </p:cTn>
+      </p:par>
+    </p:tnLst>
+    <p:bldLst>
+      <p:bldP spid="5" grpId="0"/>
+      <p:bldP spid="6" grpId="0"/>
+      <p:bldP spid="11" grpId="0"/>
+      <p:bldP spid="16" grpId="0"/>
+      <p:bldP spid="17" grpId="0"/>
+    </p:bldLst>
+  </p:timing>
 </p:sld>
 </file>
 
